--- a/courses/compiler/slides/lec17-reg-alloc-local.pptx
+++ b/courses/compiler/slides/lec17-reg-alloc-local.pptx
@@ -1,6 +1,6 @@
 
 <file path=ppt/presentation.xml><?xml version="1.0" encoding="utf-8"?>
-<p:presentation xmlns:a="http://schemas.openxmlformats.org/drawingml/2006/main" xmlns:r="http://schemas.openxmlformats.org/officeDocument/2006/relationships" xmlns:p="http://schemas.openxmlformats.org/presentationml/2006/main" compatMode="1" saveSubsetFonts="1">
+<p:presentation xmlns:a="http://schemas.openxmlformats.org/drawingml/2006/main" xmlns:r="http://schemas.openxmlformats.org/officeDocument/2006/relationships" xmlns:p="http://schemas.openxmlformats.org/presentationml/2006/main" saveSubsetFonts="1">
   <p:sldMasterIdLst>
     <p:sldMasterId id="2147483649" r:id="rId1"/>
   </p:sldMasterIdLst>
@@ -443,6 +443,11 @@
         </p:txBody>
       </p:sp>
     </p:spTree>
+    <p:extLst>
+      <p:ext uri="{BB962C8B-B14F-4D97-AF65-F5344CB8AC3E}">
+        <p14:creationId xmlns:p14="http://schemas.microsoft.com/office/powerpoint/2010/main" val="1"/>
+      </p:ext>
+    </p:extLst>
   </p:cSld>
   <p:clrMap bg1="lt1" tx1="dk1" bg2="lt2" tx2="dk2" accent1="accent1" accent2="accent2" accent3="accent3" accent4="accent4" accent5="accent5" accent6="accent6" hlink="hlink" folHlink="folHlink"/>
 </p:handoutMaster>
@@ -591,7 +596,7 @@
             </a:extLst>
           </p:cNvPr>
           <p:cNvSpPr>
-            <a:spLocks noRot="1" noChangeArrowheads="1" noTextEdit="1"/>
+            <a:spLocks noGrp="1" noRot="1" noChangeAspect="1" noChangeArrowheads="1" noTextEdit="1"/>
           </p:cNvSpPr>
           <p:nvPr>
             <p:ph type="sldImg" idx="2"/>
@@ -5414,14 +5419,14 @@
               <a:buFont typeface="Wingdings" pitchFamily="2" charset="0"/>
               <a:buNone/>
             </a:pPr>
-            <a:endParaRPr lang="en-US" altLang="zh-CN" i="1"/>
+            <a:endParaRPr lang="en-US" altLang="zh-CN" i="1" dirty="0"/>
           </a:p>
           <a:p>
             <a:pPr>
               <a:buFont typeface="Wingdings" pitchFamily="2" charset="0"/>
               <a:buNone/>
             </a:pPr>
-            <a:endParaRPr lang="en-US" altLang="zh-CN" i="1"/>
+            <a:endParaRPr lang="en-US" altLang="zh-CN" i="1" dirty="0"/>
           </a:p>
           <a:p>
             <a:pPr algn="ctr">
@@ -5429,10 +5434,10 @@
               <a:buNone/>
             </a:pPr>
             <a:r>
-              <a:rPr lang="en-US" altLang="zh-CN" i="1"/>
-              <a:t>Lazy Allocation</a:t>
-            </a:r>
-            <a:endParaRPr lang="zh-CN" altLang="en-US" i="1"/>
+              <a:rPr lang="en-US" altLang="zh-CN" i="1" dirty="0"/>
+              <a:t>Stack Allocation</a:t>
+            </a:r>
+            <a:endParaRPr lang="zh-CN" altLang="en-US" i="1" dirty="0"/>
           </a:p>
         </p:txBody>
       </p:sp>
@@ -5483,10 +5488,10 @@
           <a:lstStyle/>
           <a:p>
             <a:r>
-              <a:rPr lang="en-US" altLang="zh-CN"/>
-              <a:t>Lazy Allocation</a:t>
-            </a:r>
-            <a:endParaRPr lang="zh-CN" altLang="en-US"/>
+              <a:rPr lang="en-US" altLang="zh-CN" dirty="0"/>
+              <a:t>Stack Allocation</a:t>
+            </a:r>
+            <a:endParaRPr lang="zh-CN" altLang="en-US" dirty="0"/>
           </a:p>
         </p:txBody>
       </p:sp>
@@ -5512,58 +5517,102 @@
           <a:lstStyle/>
           <a:p>
             <a:r>
-              <a:rPr lang="en-US" altLang="zh-CN"/>
+              <a:rPr lang="en-US" altLang="zh-CN" dirty="0"/>
               <a:t>Do not allocate any variables to register</a:t>
             </a:r>
           </a:p>
           <a:p>
             <a:pPr lvl="1"/>
             <a:r>
-              <a:rPr lang="en-US" altLang="zh-CN"/>
-              <a:t>but put all variables into memory (the call stack)</a:t>
+              <a:rPr lang="en-US" altLang="zh-CN" dirty="0"/>
+              <a:t>but allocate all variables into memory (the stack</a:t>
+            </a:r>
+            <a:r>
+              <a:rPr lang="zh-CN" altLang="en-US" dirty="0"/>
+              <a:t> </a:t>
+            </a:r>
+            <a:r>
+              <a:rPr lang="en-US" altLang="zh-CN" dirty="0"/>
+              <a:t>frames),</a:t>
+            </a:r>
+            <a:r>
+              <a:rPr lang="zh-CN" altLang="en-US" dirty="0"/>
+              <a:t> </a:t>
+            </a:r>
+            <a:r>
+              <a:rPr lang="en-US" altLang="zh-CN" dirty="0"/>
+              <a:t>hence</a:t>
+            </a:r>
+            <a:r>
+              <a:rPr lang="zh-CN" altLang="en-US" dirty="0"/>
+              <a:t> </a:t>
+            </a:r>
+            <a:r>
+              <a:rPr lang="en-US" altLang="zh-CN" dirty="0"/>
+              <a:t>they</a:t>
+            </a:r>
+            <a:r>
+              <a:rPr lang="zh-CN" altLang="en-US" dirty="0"/>
+              <a:t> </a:t>
+            </a:r>
+            <a:r>
+              <a:rPr lang="en-US" altLang="zh-CN" dirty="0"/>
+              <a:t>all</a:t>
+            </a:r>
+            <a:r>
+              <a:rPr lang="zh-CN" altLang="en-US" dirty="0"/>
+              <a:t> </a:t>
+            </a:r>
+            <a:r>
+              <a:rPr lang="en-US" altLang="zh-CN" dirty="0">
+                <a:solidFill>
+                  <a:srgbClr val="0432FF"/>
+                </a:solidFill>
+              </a:rPr>
+              <a:t>spilled</a:t>
             </a:r>
           </a:p>
           <a:p>
             <a:pPr lvl="1"/>
             <a:r>
-              <a:rPr lang="en-US" altLang="zh-CN"/>
+              <a:rPr lang="en-US" altLang="zh-CN" dirty="0"/>
               <a:t>registers are of dedicated usages</a:t>
             </a:r>
           </a:p>
           <a:p>
             <a:pPr lvl="1"/>
             <a:r>
-              <a:rPr lang="en-US" altLang="zh-CN"/>
-              <a:t>add ld/st instructions</a:t>
-            </a:r>
-          </a:p>
-          <a:p>
-            <a:r>
-              <a:rPr lang="en-US" altLang="zh-CN"/>
+              <a:rPr lang="en-US" altLang="zh-CN" dirty="0"/>
+              <a:t>add load/store instructions</a:t>
+            </a:r>
+          </a:p>
+          <a:p>
+            <a:r>
+              <a:rPr lang="en-US" altLang="zh-CN" dirty="0"/>
               <a:t>Not practical for optimizing compilers</a:t>
             </a:r>
           </a:p>
           <a:p>
             <a:pPr lvl="1"/>
             <a:r>
-              <a:rPr lang="en-US" altLang="zh-CN"/>
+              <a:rPr lang="en-US" altLang="zh-CN" dirty="0"/>
               <a:t>but a good starting point for explanation</a:t>
             </a:r>
           </a:p>
           <a:p>
             <a:pPr lvl="1"/>
             <a:r>
-              <a:rPr lang="en-US" altLang="zh-CN"/>
+              <a:rPr lang="en-US" altLang="zh-CN" dirty="0"/>
               <a:t>also a baseline for implementation (-O0, </a:t>
             </a:r>
             <a:r>
-              <a:rPr lang="en-US" altLang="zh-CN">
+              <a:rPr lang="en-US" altLang="zh-CN" dirty="0">
                 <a:sym typeface="Wingdings" pitchFamily="2" charset="0"/>
               </a:rPr>
               <a:t></a:t>
             </a:r>
             <a:r>
-              <a:rPr lang="en-US" altLang="zh-CN"/>
+              <a:rPr lang="en-US" altLang="zh-CN" dirty="0"/>
               <a:t>)</a:t>
             </a:r>
           </a:p>
@@ -5798,7 +5847,7 @@
               <a:buNone/>
             </a:pPr>
             <a:r>
-              <a:rPr lang="en-US" altLang="zh-CN" sz="2000" b="1">
+              <a:rPr lang="en-US" altLang="zh-CN" sz="2000" b="1" dirty="0">
                 <a:latin typeface="Courier New" panose="02070309020205020404" pitchFamily="49" charset="0"/>
               </a:rPr>
               <a:t>Allocate each </a:t>
@@ -5817,7 +5866,7 @@
               <a:buNone/>
             </a:pPr>
             <a:r>
-              <a:rPr lang="en-US" altLang="zh-CN" sz="2000" b="1">
+              <a:rPr lang="en-US" altLang="zh-CN" sz="2000" b="1" dirty="0">
                 <a:latin typeface="Courier New" panose="02070309020205020404" pitchFamily="49" charset="0"/>
               </a:rPr>
               <a:t>var to a stack </a:t>
@@ -5836,7 +5885,7 @@
               <a:buNone/>
             </a:pPr>
             <a:r>
-              <a:rPr lang="en-US" altLang="zh-CN" sz="2000" b="1">
+              <a:rPr lang="en-US" altLang="zh-CN" sz="2000" b="1" dirty="0">
                 <a:latin typeface="Courier New" panose="02070309020205020404" pitchFamily="49" charset="0"/>
               </a:rPr>
               <a:t>slot. (Relative </a:t>
@@ -5855,7 +5904,7 @@
               <a:buNone/>
             </a:pPr>
             <a:r>
-              <a:rPr lang="en-US" altLang="zh-CN" sz="2000" b="1">
+              <a:rPr lang="en-US" altLang="zh-CN" sz="2000" b="1" dirty="0">
                 <a:latin typeface="Courier New" panose="02070309020205020404" pitchFamily="49" charset="0"/>
               </a:rPr>
               <a:t>to ‘bp’.)</a:t>
@@ -6031,7 +6080,7 @@
               <a:buNone/>
             </a:pPr>
             <a:r>
-              <a:rPr lang="en-US" altLang="zh-CN" sz="2000" b="1">
+              <a:rPr lang="en-US" altLang="zh-CN" sz="2000" b="1" dirty="0">
                 <a:latin typeface="Courier New" panose="02070309020205020404" pitchFamily="49" charset="0"/>
               </a:rPr>
               <a:t>// Suppose we have</a:t>
@@ -6050,10 +6099,10 @@
               <a:buNone/>
             </a:pPr>
             <a:r>
-              <a:rPr lang="en-US" altLang="zh-CN" sz="2000" b="1">
-                <a:latin typeface="Courier New" panose="02070309020205020404" pitchFamily="49" charset="0"/>
-              </a:rPr>
-              <a:t>// 4 physical regs: </a:t>
+              <a:rPr lang="en-US" altLang="zh-CN" sz="2000" b="1" dirty="0">
+                <a:latin typeface="Courier New" panose="02070309020205020404" pitchFamily="49" charset="0"/>
+              </a:rPr>
+              <a:t>// 5 physical regs: </a:t>
             </a:r>
           </a:p>
           <a:p>
@@ -6069,10 +6118,46 @@
               <a:buNone/>
             </a:pPr>
             <a:r>
-              <a:rPr lang="en-US" altLang="zh-CN" sz="2000" b="1">
-                <a:latin typeface="Courier New" panose="02070309020205020404" pitchFamily="49" charset="0"/>
-              </a:rPr>
-              <a:t>// r1, r2, r3, r4.</a:t>
+              <a:rPr lang="en-US" altLang="zh-CN" sz="2000" b="1" dirty="0">
+                <a:latin typeface="Courier New" panose="02070309020205020404" pitchFamily="49" charset="0"/>
+              </a:rPr>
+              <a:t>// r0</a:t>
+            </a:r>
+            <a:r>
+              <a:rPr lang="zh-CN" altLang="en-US" sz="2000" b="1" dirty="0">
+                <a:latin typeface="Courier New" panose="02070309020205020404" pitchFamily="49" charset="0"/>
+              </a:rPr>
+              <a:t> </a:t>
+            </a:r>
+            <a:r>
+              <a:rPr lang="en-US" altLang="zh-CN" sz="2000" b="1" dirty="0">
+                <a:latin typeface="Courier New" panose="02070309020205020404" pitchFamily="49" charset="0"/>
+              </a:rPr>
+              <a:t>to r4</a:t>
+            </a:r>
+            <a:r>
+              <a:rPr lang="zh-CN" altLang="en-US" sz="2000" b="1" dirty="0">
+                <a:latin typeface="Courier New" panose="02070309020205020404" pitchFamily="49" charset="0"/>
+              </a:rPr>
+              <a:t> </a:t>
+            </a:r>
+            <a:r>
+              <a:rPr lang="en-US" altLang="zh-CN" sz="2000" b="1" dirty="0">
+                <a:latin typeface="Courier New" panose="02070309020205020404" pitchFamily="49" charset="0"/>
+              </a:rPr>
+              <a:t>(no</a:t>
+            </a:r>
+            <a:r>
+              <a:rPr lang="zh-CN" altLang="en-US" sz="2000" b="1" dirty="0">
+                <a:latin typeface="Courier New" panose="02070309020205020404" pitchFamily="49" charset="0"/>
+              </a:rPr>
+              <a:t> </a:t>
+            </a:r>
+            <a:r>
+              <a:rPr lang="en-US" altLang="zh-CN" sz="2000" b="1" dirty="0">
+                <a:latin typeface="Courier New" panose="02070309020205020404" pitchFamily="49" charset="0"/>
+              </a:rPr>
+              <a:t>%).</a:t>
             </a:r>
           </a:p>
           <a:p>
@@ -6088,7 +6173,7 @@
               <a:buNone/>
             </a:pPr>
             <a:r>
-              <a:rPr lang="en-US" altLang="zh-CN" sz="2000" b="1">
+              <a:rPr lang="en-US" altLang="zh-CN" sz="2000" b="1" dirty="0">
                 <a:solidFill>
                   <a:schemeClr val="folHlink"/>
                 </a:solidFill>
@@ -6110,7 +6195,7 @@
               <a:buNone/>
             </a:pPr>
             <a:r>
-              <a:rPr lang="en-US" altLang="zh-CN" sz="2000" b="1">
+              <a:rPr lang="en-US" altLang="zh-CN" sz="2000" b="1" dirty="0">
                 <a:solidFill>
                   <a:schemeClr val="folHlink"/>
                 </a:solidFill>
@@ -6119,7 +6204,7 @@
               <a:t>  mov </a:t>
             </a:r>
             <a:r>
-              <a:rPr lang="en-US" altLang="zh-CN" sz="2000" b="1">
+              <a:rPr lang="en-US" altLang="zh-CN" sz="2000" b="1" dirty="0">
                 <a:solidFill>
                   <a:srgbClr val="FF0000"/>
                 </a:solidFill>
@@ -6128,7 +6213,7 @@
               <a:t>x1</a:t>
             </a:r>
             <a:r>
-              <a:rPr lang="en-US" altLang="zh-CN" sz="2000" b="1">
+              <a:rPr lang="en-US" altLang="zh-CN" sz="2000" b="1" dirty="0">
                 <a:solidFill>
                   <a:schemeClr val="folHlink"/>
                 </a:solidFill>
@@ -6150,7 +6235,7 @@
               <a:buNone/>
             </a:pPr>
             <a:r>
-              <a:rPr lang="en-US" altLang="zh-CN" sz="2000" b="1">
+              <a:rPr lang="en-US" altLang="zh-CN" sz="2000" b="1" dirty="0">
                 <a:solidFill>
                   <a:schemeClr val="folHlink"/>
                 </a:solidFill>
@@ -6159,7 +6244,7 @@
               <a:t>  mov </a:t>
             </a:r>
             <a:r>
-              <a:rPr lang="en-US" altLang="zh-CN" sz="2000" b="1">
+              <a:rPr lang="en-US" altLang="zh-CN" sz="2000" b="1" dirty="0">
                 <a:solidFill>
                   <a:srgbClr val="FF0000"/>
                 </a:solidFill>
@@ -6168,7 +6253,7 @@
               <a:t>x2</a:t>
             </a:r>
             <a:r>
-              <a:rPr lang="en-US" altLang="zh-CN" sz="2000" b="1">
+              <a:rPr lang="en-US" altLang="zh-CN" sz="2000" b="1" dirty="0">
                 <a:solidFill>
                   <a:schemeClr val="folHlink"/>
                 </a:solidFill>
@@ -6190,16 +6275,34 @@
               <a:buNone/>
             </a:pPr>
             <a:r>
-              <a:rPr lang="en-US" altLang="zh-CN" sz="2000" b="1">
+              <a:rPr lang="en-US" altLang="zh-CN" sz="2000" b="1" dirty="0">
                 <a:solidFill>
                   <a:schemeClr val="folHlink"/>
                 </a:solidFill>
                 <a:latin typeface="Courier New" panose="02070309020205020404" pitchFamily="49" charset="0"/>
               </a:rPr>
-              <a:t>  ld  </a:t>
-            </a:r>
-            <a:r>
-              <a:rPr lang="en-US" altLang="zh-CN" sz="2000" b="1">
+              <a:t>  </a:t>
+            </a:r>
+            <a:r>
+              <a:rPr lang="en-US" altLang="zh-CN" sz="2000" b="1" dirty="0" err="1">
+                <a:solidFill>
+                  <a:schemeClr val="folHlink"/>
+                </a:solidFill>
+                <a:latin typeface="Courier New" panose="02070309020205020404" pitchFamily="49" charset="0"/>
+              </a:rPr>
+              <a:t>ld</a:t>
+            </a:r>
+            <a:r>
+              <a:rPr lang="en-US" altLang="zh-CN" sz="2000" b="1" dirty="0">
+                <a:solidFill>
+                  <a:schemeClr val="folHlink"/>
+                </a:solidFill>
+                <a:latin typeface="Courier New" panose="02070309020205020404" pitchFamily="49" charset="0"/>
+              </a:rPr>
+              <a:t>  </a:t>
+            </a:r>
+            <a:r>
+              <a:rPr lang="en-US" altLang="zh-CN" sz="2000" b="1" dirty="0">
                 <a:solidFill>
                   <a:srgbClr val="FF0000"/>
                 </a:solidFill>
@@ -6208,7 +6311,7 @@
               <a:t>x5</a:t>
             </a:r>
             <a:r>
-              <a:rPr lang="en-US" altLang="zh-CN" sz="2000" b="1">
+              <a:rPr lang="en-US" altLang="zh-CN" sz="2000" b="1" dirty="0">
                 <a:solidFill>
                   <a:schemeClr val="folHlink"/>
                 </a:solidFill>
@@ -6217,7 +6320,7 @@
               <a:t>, [bp, </a:t>
             </a:r>
             <a:r>
-              <a:rPr lang="en-US" altLang="zh-CN" sz="2000" b="1">
+              <a:rPr lang="en-US" altLang="zh-CN" sz="2000" b="1" dirty="0">
                 <a:solidFill>
                   <a:srgbClr val="3333CC"/>
                 </a:solidFill>
@@ -6226,7 +6329,7 @@
               <a:t>8</a:t>
             </a:r>
             <a:r>
-              <a:rPr lang="en-US" altLang="zh-CN" sz="2000" b="1">
+              <a:rPr lang="en-US" altLang="zh-CN" sz="2000" b="1" dirty="0">
                 <a:solidFill>
                   <a:schemeClr val="folHlink"/>
                 </a:solidFill>
@@ -6248,16 +6351,34 @@
               <a:buNone/>
             </a:pPr>
             <a:r>
-              <a:rPr lang="en-US" altLang="zh-CN" sz="2000" b="1">
+              <a:rPr lang="en-US" altLang="zh-CN" sz="2000" b="1" dirty="0">
                 <a:solidFill>
                   <a:schemeClr val="folHlink"/>
                 </a:solidFill>
                 <a:latin typeface="Courier New" panose="02070309020205020404" pitchFamily="49" charset="0"/>
               </a:rPr>
-              <a:t>  ld  </a:t>
-            </a:r>
-            <a:r>
-              <a:rPr lang="en-US" altLang="zh-CN" sz="2000" b="1">
+              <a:t>  </a:t>
+            </a:r>
+            <a:r>
+              <a:rPr lang="en-US" altLang="zh-CN" sz="2000" b="1" dirty="0" err="1">
+                <a:solidFill>
+                  <a:schemeClr val="folHlink"/>
+                </a:solidFill>
+                <a:latin typeface="Courier New" panose="02070309020205020404" pitchFamily="49" charset="0"/>
+              </a:rPr>
+              <a:t>ld</a:t>
+            </a:r>
+            <a:r>
+              <a:rPr lang="en-US" altLang="zh-CN" sz="2000" b="1" dirty="0">
+                <a:solidFill>
+                  <a:schemeClr val="folHlink"/>
+                </a:solidFill>
+                <a:latin typeface="Courier New" panose="02070309020205020404" pitchFamily="49" charset="0"/>
+              </a:rPr>
+              <a:t>  </a:t>
+            </a:r>
+            <a:r>
+              <a:rPr lang="en-US" altLang="zh-CN" sz="2000" b="1" dirty="0">
                 <a:solidFill>
                   <a:srgbClr val="FF0000"/>
                 </a:solidFill>
@@ -6266,7 +6387,7 @@
               <a:t>x6</a:t>
             </a:r>
             <a:r>
-              <a:rPr lang="en-US" altLang="zh-CN" sz="2000" b="1">
+              <a:rPr lang="en-US" altLang="zh-CN" sz="2000" b="1" dirty="0">
                 <a:solidFill>
                   <a:schemeClr val="folHlink"/>
                 </a:solidFill>
@@ -6275,16 +6396,16 @@
               <a:t>, [bp, </a:t>
             </a:r>
             <a:r>
-              <a:rPr lang="en-US" altLang="zh-CN" sz="2000" b="1">
+              <a:rPr lang="en-US" altLang="zh-CN" sz="2000" b="1" dirty="0">
                 <a:solidFill>
                   <a:srgbClr val="3333CC"/>
                 </a:solidFill>
                 <a:latin typeface="Courier New" panose="02070309020205020404" pitchFamily="49" charset="0"/>
               </a:rPr>
-              <a:t>12</a:t>
-            </a:r>
-            <a:r>
-              <a:rPr lang="en-US" altLang="zh-CN" sz="2000" b="1">
+              <a:t>16</a:t>
+            </a:r>
+            <a:r>
+              <a:rPr lang="en-US" altLang="zh-CN" sz="2000" b="1" dirty="0">
                 <a:solidFill>
                   <a:schemeClr val="folHlink"/>
                 </a:solidFill>
@@ -6306,7 +6427,7 @@
               <a:buNone/>
             </a:pPr>
             <a:r>
-              <a:rPr lang="en-US" altLang="zh-CN" sz="2000" b="1">
+              <a:rPr lang="en-US" altLang="zh-CN" sz="2000" b="1" dirty="0">
                 <a:solidFill>
                   <a:schemeClr val="folHlink"/>
                 </a:solidFill>
@@ -6315,7 +6436,7 @@
               <a:t>  add </a:t>
             </a:r>
             <a:r>
-              <a:rPr lang="en-US" altLang="zh-CN" sz="2000" b="1">
+              <a:rPr lang="en-US" altLang="zh-CN" sz="2000" b="1" dirty="0">
                 <a:solidFill>
                   <a:srgbClr val="FF0000"/>
                 </a:solidFill>
@@ -6324,7 +6445,7 @@
               <a:t>x8</a:t>
             </a:r>
             <a:r>
-              <a:rPr lang="en-US" altLang="zh-CN" sz="2000" b="1">
+              <a:rPr lang="en-US" altLang="zh-CN" sz="2000" b="1" dirty="0">
                 <a:solidFill>
                   <a:schemeClr val="folHlink"/>
                 </a:solidFill>
@@ -6333,7 +6454,7 @@
               <a:t>, </a:t>
             </a:r>
             <a:r>
-              <a:rPr lang="en-US" altLang="zh-CN" sz="2000" b="1">
+              <a:rPr lang="en-US" altLang="zh-CN" sz="2000" b="1" dirty="0">
                 <a:solidFill>
                   <a:srgbClr val="FF0000"/>
                 </a:solidFill>
@@ -6342,7 +6463,7 @@
               <a:t>x1</a:t>
             </a:r>
             <a:r>
-              <a:rPr lang="en-US" altLang="zh-CN" sz="2000" b="1">
+              <a:rPr lang="en-US" altLang="zh-CN" sz="2000" b="1" dirty="0">
                 <a:solidFill>
                   <a:schemeClr val="folHlink"/>
                 </a:solidFill>
@@ -6351,7 +6472,7 @@
               <a:t>, </a:t>
             </a:r>
             <a:r>
-              <a:rPr lang="en-US" altLang="zh-CN" sz="2000" b="1">
+              <a:rPr lang="en-US" altLang="zh-CN" sz="2000" b="1" dirty="0">
                 <a:solidFill>
                   <a:srgbClr val="FF0000"/>
                 </a:solidFill>
@@ -6373,7 +6494,7 @@
               <a:buNone/>
             </a:pPr>
             <a:r>
-              <a:rPr lang="en-US" altLang="zh-CN" sz="2000" b="1">
+              <a:rPr lang="en-US" altLang="zh-CN" sz="2000" b="1" dirty="0">
                 <a:solidFill>
                   <a:schemeClr val="folHlink"/>
                 </a:solidFill>
@@ -6382,7 +6503,7 @@
               <a:t>  div </a:t>
             </a:r>
             <a:r>
-              <a:rPr lang="en-US" altLang="zh-CN" sz="2000" b="1">
+              <a:rPr lang="en-US" altLang="zh-CN" sz="2000" b="1" dirty="0">
                 <a:solidFill>
                   <a:srgbClr val="FF0000"/>
                 </a:solidFill>
@@ -6391,7 +6512,7 @@
               <a:t>x9</a:t>
             </a:r>
             <a:r>
-              <a:rPr lang="en-US" altLang="zh-CN" sz="2000" b="1">
+              <a:rPr lang="en-US" altLang="zh-CN" sz="2000" b="1" dirty="0">
                 <a:solidFill>
                   <a:schemeClr val="folHlink"/>
                 </a:solidFill>
@@ -6400,7 +6521,7 @@
               <a:t>, </a:t>
             </a:r>
             <a:r>
-              <a:rPr lang="en-US" altLang="zh-CN" sz="2000" b="1">
+              <a:rPr lang="en-US" altLang="zh-CN" sz="2000" b="1" dirty="0">
                 <a:solidFill>
                   <a:srgbClr val="FF0000"/>
                 </a:solidFill>
@@ -6409,7 +6530,7 @@
               <a:t>x5</a:t>
             </a:r>
             <a:r>
-              <a:rPr lang="en-US" altLang="zh-CN" sz="2000" b="1">
+              <a:rPr lang="en-US" altLang="zh-CN" sz="2000" b="1" dirty="0">
                 <a:solidFill>
                   <a:schemeClr val="folHlink"/>
                 </a:solidFill>
@@ -6418,7 +6539,7 @@
               <a:t>, </a:t>
             </a:r>
             <a:r>
-              <a:rPr lang="en-US" altLang="zh-CN" sz="2000" b="1">
+              <a:rPr lang="en-US" altLang="zh-CN" sz="2000" b="1" dirty="0">
                 <a:solidFill>
                   <a:srgbClr val="FF0000"/>
                 </a:solidFill>
@@ -6440,7 +6561,7 @@
               <a:buNone/>
             </a:pPr>
             <a:r>
-              <a:rPr lang="en-US" altLang="zh-CN" sz="2000" b="1">
+              <a:rPr lang="en-US" altLang="zh-CN" sz="2000" b="1" dirty="0">
                 <a:solidFill>
                   <a:schemeClr val="folHlink"/>
                 </a:solidFill>
@@ -6449,7 +6570,7 @@
               <a:t>  mov r0, </a:t>
             </a:r>
             <a:r>
-              <a:rPr lang="en-US" altLang="zh-CN" sz="2000" b="1">
+              <a:rPr lang="en-US" altLang="zh-CN" sz="2000" b="1" dirty="0">
                 <a:solidFill>
                   <a:srgbClr val="FF0000"/>
                 </a:solidFill>
@@ -6471,7 +6592,7 @@
               <a:buNone/>
             </a:pPr>
             <a:r>
-              <a:rPr lang="en-US" altLang="zh-CN" sz="2000" b="1">
+              <a:rPr lang="en-US" altLang="zh-CN" sz="2000" b="1" dirty="0">
                 <a:solidFill>
                   <a:schemeClr val="folHlink"/>
                 </a:solidFill>
@@ -6480,7 +6601,7 @@
               <a:t>  </a:t>
             </a:r>
             <a:r>
-              <a:rPr lang="en-US" altLang="zh-CN" sz="2000" b="1">
+              <a:rPr lang="en-US" altLang="zh-CN" sz="2000" b="1" dirty="0">
                 <a:solidFill>
                   <a:srgbClr val="3333CC"/>
                 </a:solidFill>
@@ -6503,7 +6624,13 @@
           <p:cNvGraphicFramePr>
             <a:graphicFrameLocks noGrp="1"/>
           </p:cNvGraphicFramePr>
-          <p:nvPr/>
+          <p:nvPr>
+            <p:extLst>
+              <p:ext uri="{D42A27DB-BD31-4B8C-83A1-F6EECF244321}">
+                <p14:modId xmlns:p14="http://schemas.microsoft.com/office/powerpoint/2010/main" val="241454478"/>
+              </p:ext>
+            </p:extLst>
+          </p:nvPr>
         </p:nvGraphicFramePr>
         <p:xfrm>
           <a:off x="3544888" y="3810000"/>
@@ -6539,7 +6666,7 @@
                     <a:p>
                       <a:r>
                         <a:rPr lang="en-US" altLang="zh-CN" dirty="0"/>
-                        <a:t>V-reg</a:t>
+                        <a:t>Var</a:t>
                       </a:r>
                       <a:endParaRPr lang="zh-CN" altLang="en-US" dirty="0"/>
                     </a:p>
@@ -6553,7 +6680,7 @@
                     <a:p>
                       <a:r>
                         <a:rPr lang="en-US" altLang="zh-CN" dirty="0"/>
-                        <a:t>‘P-reg’</a:t>
+                        <a:t>‘Reg’</a:t>
                       </a:r>
                       <a:endParaRPr lang="zh-CN" altLang="en-US" dirty="0"/>
                     </a:p>
@@ -6600,7 +6727,7 @@
                             <a:srgbClr val="FFC000"/>
                           </a:solidFill>
                         </a:rPr>
-                        <a:t>-4</a:t>
+                        <a:t>-8</a:t>
                       </a:r>
                       <a:endParaRPr lang="zh-CN" altLang="en-US" dirty="0">
                         <a:solidFill>
@@ -6651,7 +6778,7 @@
                             <a:srgbClr val="FFC000"/>
                           </a:solidFill>
                         </a:rPr>
-                        <a:t>-8</a:t>
+                        <a:t>-16</a:t>
                       </a:r>
                       <a:endParaRPr lang="zh-CN" altLang="en-US" dirty="0">
                         <a:solidFill>
@@ -6702,7 +6829,7 @@
                             <a:srgbClr val="FFC000"/>
                           </a:solidFill>
                         </a:rPr>
-                        <a:t>-12</a:t>
+                        <a:t>-24</a:t>
                       </a:r>
                       <a:endParaRPr lang="zh-CN" altLang="en-US" dirty="0">
                         <a:solidFill>
@@ -6753,7 +6880,7 @@
                             <a:srgbClr val="FFC000"/>
                           </a:solidFill>
                         </a:rPr>
-                        <a:t>-16</a:t>
+                        <a:t>-32</a:t>
                       </a:r>
                       <a:endParaRPr lang="zh-CN" altLang="en-US" dirty="0">
                         <a:solidFill>
@@ -6804,7 +6931,7 @@
                             <a:srgbClr val="FFC000"/>
                           </a:solidFill>
                         </a:rPr>
-                        <a:t>-20</a:t>
+                        <a:t>-40</a:t>
                       </a:r>
                     </a:p>
                   </a:txBody>
@@ -6850,7 +6977,7 @@
                             <a:srgbClr val="FFC000"/>
                           </a:solidFill>
                         </a:rPr>
-                        <a:t>-24</a:t>
+                        <a:t>-48</a:t>
                       </a:r>
                     </a:p>
                   </a:txBody>
@@ -7034,7 +7161,7 @@
               <a:buNone/>
             </a:pPr>
             <a:r>
-              <a:rPr lang="en-US" altLang="zh-CN" sz="2000" b="1">
+              <a:rPr lang="en-US" altLang="zh-CN" sz="1600" b="1" dirty="0">
                 <a:latin typeface="Courier New" panose="02070309020205020404" pitchFamily="49" charset="0"/>
               </a:rPr>
               <a:t>// Code rewriting:</a:t>
@@ -7053,7 +7180,7 @@
               <a:buNone/>
             </a:pPr>
             <a:r>
-              <a:rPr lang="en-US" altLang="zh-CN" sz="2000" b="1">
+              <a:rPr lang="en-US" altLang="zh-CN" sz="1600" b="1" dirty="0">
                 <a:solidFill>
                   <a:schemeClr val="folHlink"/>
                 </a:solidFill>
@@ -7075,13 +7202,58 @@
               <a:buNone/>
             </a:pPr>
             <a:r>
-              <a:rPr lang="en-US" altLang="zh-CN" sz="2000" b="1">
+              <a:rPr lang="en-US" altLang="zh-CN" sz="1600" b="1" dirty="0">
                 <a:solidFill>
                   <a:schemeClr val="folHlink"/>
                 </a:solidFill>
                 <a:latin typeface="Courier New" panose="02070309020205020404" pitchFamily="49" charset="0"/>
               </a:rPr>
-              <a:t>  st [bp, -4], r1</a:t>
+              <a:t>  </a:t>
+            </a:r>
+            <a:r>
+              <a:rPr lang="en-US" altLang="zh-CN" sz="1600" b="1" dirty="0">
+                <a:solidFill>
+                  <a:srgbClr val="FFC000"/>
+                </a:solidFill>
+                <a:latin typeface="Courier New" panose="02070309020205020404" pitchFamily="49" charset="0"/>
+              </a:rPr>
+              <a:t>mov</a:t>
+            </a:r>
+            <a:r>
+              <a:rPr lang="zh-CN" altLang="en-US" sz="1600" b="1" dirty="0">
+                <a:solidFill>
+                  <a:srgbClr val="FFC000"/>
+                </a:solidFill>
+                <a:latin typeface="Courier New" panose="02070309020205020404" pitchFamily="49" charset="0"/>
+              </a:rPr>
+              <a:t> </a:t>
+            </a:r>
+            <a:r>
+              <a:rPr lang="en-US" altLang="zh-CN" sz="1600" b="1" dirty="0">
+                <a:solidFill>
+                  <a:srgbClr val="FFC000"/>
+                </a:solidFill>
+                <a:latin typeface="Courier New" panose="02070309020205020404" pitchFamily="49" charset="0"/>
+              </a:rPr>
+              <a:t>r3,</a:t>
+            </a:r>
+            <a:r>
+              <a:rPr lang="zh-CN" altLang="en-US" sz="1600" b="1" dirty="0">
+                <a:solidFill>
+                  <a:srgbClr val="FFC000"/>
+                </a:solidFill>
+                <a:latin typeface="Courier New" panose="02070309020205020404" pitchFamily="49" charset="0"/>
+              </a:rPr>
+              <a:t> </a:t>
+            </a:r>
+            <a:r>
+              <a:rPr lang="en-US" altLang="zh-CN" sz="1600" b="1" dirty="0">
+                <a:solidFill>
+                  <a:srgbClr val="FFC000"/>
+                </a:solidFill>
+                <a:latin typeface="Courier New" panose="02070309020205020404" pitchFamily="49" charset="0"/>
+              </a:rPr>
+              <a:t>r1</a:t>
             </a:r>
           </a:p>
           <a:p>
@@ -7097,13 +7269,31 @@
               <a:buNone/>
             </a:pPr>
             <a:r>
-              <a:rPr lang="en-US" altLang="zh-CN" sz="2000" b="1">
-                <a:solidFill>
-                  <a:schemeClr val="folHlink"/>
-                </a:solidFill>
-                <a:latin typeface="Courier New" panose="02070309020205020404" pitchFamily="49" charset="0"/>
-              </a:rPr>
-              <a:t>  st [bp, -8], r2</a:t>
+              <a:rPr lang="zh-CN" altLang="en-US" sz="1600" b="1" dirty="0">
+                <a:solidFill>
+                  <a:srgbClr val="0432FF"/>
+                </a:solidFill>
+                <a:latin typeface="Courier New" panose="02070309020205020404" pitchFamily="49" charset="0"/>
+              </a:rPr>
+              <a:t>  </a:t>
+            </a:r>
+            <a:r>
+              <a:rPr lang="en-US" altLang="zh-CN" sz="1600" b="1" dirty="0" err="1">
+                <a:solidFill>
+                  <a:srgbClr val="0432FF"/>
+                </a:solidFill>
+                <a:latin typeface="Courier New" panose="02070309020205020404" pitchFamily="49" charset="0"/>
+              </a:rPr>
+              <a:t>st</a:t>
+            </a:r>
+            <a:r>
+              <a:rPr lang="en-US" altLang="zh-CN" sz="1600" b="1" dirty="0">
+                <a:solidFill>
+                  <a:srgbClr val="0432FF"/>
+                </a:solidFill>
+                <a:latin typeface="Courier New" panose="02070309020205020404" pitchFamily="49" charset="0"/>
+              </a:rPr>
+              <a:t> [bp, -8], r3</a:t>
             </a:r>
           </a:p>
           <a:p>
@@ -7119,13 +7309,58 @@
               <a:buNone/>
             </a:pPr>
             <a:r>
-              <a:rPr lang="en-US" altLang="zh-CN" sz="2000" b="1">
+              <a:rPr lang="zh-CN" altLang="en-US" sz="1600" b="1" dirty="0">
                 <a:solidFill>
                   <a:schemeClr val="folHlink"/>
                 </a:solidFill>
                 <a:latin typeface="Courier New" panose="02070309020205020404" pitchFamily="49" charset="0"/>
               </a:rPr>
-              <a:t>  ld r1, [bp, 8]</a:t>
+              <a:t>  </a:t>
+            </a:r>
+            <a:r>
+              <a:rPr lang="en-US" altLang="zh-CN" sz="1600" b="1" dirty="0">
+                <a:solidFill>
+                  <a:srgbClr val="FFC000"/>
+                </a:solidFill>
+                <a:latin typeface="Courier New" panose="02070309020205020404" pitchFamily="49" charset="0"/>
+              </a:rPr>
+              <a:t>mov</a:t>
+            </a:r>
+            <a:r>
+              <a:rPr lang="zh-CN" altLang="en-US" sz="1600" b="1" dirty="0">
+                <a:solidFill>
+                  <a:srgbClr val="FFC000"/>
+                </a:solidFill>
+                <a:latin typeface="Courier New" panose="02070309020205020404" pitchFamily="49" charset="0"/>
+              </a:rPr>
+              <a:t> </a:t>
+            </a:r>
+            <a:r>
+              <a:rPr lang="en-US" altLang="zh-CN" sz="1600" b="1" dirty="0">
+                <a:solidFill>
+                  <a:srgbClr val="FFC000"/>
+                </a:solidFill>
+                <a:latin typeface="Courier New" panose="02070309020205020404" pitchFamily="49" charset="0"/>
+              </a:rPr>
+              <a:t>r3,</a:t>
+            </a:r>
+            <a:r>
+              <a:rPr lang="zh-CN" altLang="en-US" sz="1600" b="1" dirty="0">
+                <a:solidFill>
+                  <a:srgbClr val="FFC000"/>
+                </a:solidFill>
+                <a:latin typeface="Courier New" panose="02070309020205020404" pitchFamily="49" charset="0"/>
+              </a:rPr>
+              <a:t> </a:t>
+            </a:r>
+            <a:r>
+              <a:rPr lang="en-US" altLang="zh-CN" sz="1600" b="1" dirty="0">
+                <a:solidFill>
+                  <a:srgbClr val="FFC000"/>
+                </a:solidFill>
+                <a:latin typeface="Courier New" panose="02070309020205020404" pitchFamily="49" charset="0"/>
+              </a:rPr>
+              <a:t>r2</a:t>
             </a:r>
           </a:p>
           <a:p>
@@ -7141,13 +7376,31 @@
               <a:buNone/>
             </a:pPr>
             <a:r>
-              <a:rPr lang="en-US" altLang="zh-CN" sz="2000" b="1">
-                <a:solidFill>
-                  <a:schemeClr val="folHlink"/>
-                </a:solidFill>
-                <a:latin typeface="Courier New" panose="02070309020205020404" pitchFamily="49" charset="0"/>
-              </a:rPr>
-              <a:t>  st [bp, -12], r1</a:t>
+              <a:rPr lang="en-US" altLang="zh-CN" sz="1600" b="1" dirty="0">
+                <a:solidFill>
+                  <a:srgbClr val="0432FF"/>
+                </a:solidFill>
+                <a:latin typeface="Courier New" panose="02070309020205020404" pitchFamily="49" charset="0"/>
+              </a:rPr>
+              <a:t>  </a:t>
+            </a:r>
+            <a:r>
+              <a:rPr lang="en-US" altLang="zh-CN" sz="1600" b="1" dirty="0" err="1">
+                <a:solidFill>
+                  <a:srgbClr val="0432FF"/>
+                </a:solidFill>
+                <a:latin typeface="Courier New" panose="02070309020205020404" pitchFamily="49" charset="0"/>
+              </a:rPr>
+              <a:t>st</a:t>
+            </a:r>
+            <a:r>
+              <a:rPr lang="en-US" altLang="zh-CN" sz="1600" b="1" dirty="0">
+                <a:solidFill>
+                  <a:srgbClr val="0432FF"/>
+                </a:solidFill>
+                <a:latin typeface="Courier New" panose="02070309020205020404" pitchFamily="49" charset="0"/>
+              </a:rPr>
+              <a:t> [bp, -16], r3</a:t>
             </a:r>
           </a:p>
           <a:p>
@@ -7163,13 +7416,31 @@
               <a:buNone/>
             </a:pPr>
             <a:r>
-              <a:rPr lang="en-US" altLang="zh-CN" sz="2000" b="1">
-                <a:solidFill>
-                  <a:schemeClr val="folHlink"/>
-                </a:solidFill>
-                <a:latin typeface="Courier New" panose="02070309020205020404" pitchFamily="49" charset="0"/>
-              </a:rPr>
-              <a:t>  ld r1, [bp, 12]</a:t>
+              <a:rPr lang="en-US" altLang="zh-CN" sz="1600" b="1" dirty="0">
+                <a:solidFill>
+                  <a:srgbClr val="FFC000"/>
+                </a:solidFill>
+                <a:latin typeface="Courier New" panose="02070309020205020404" pitchFamily="49" charset="0"/>
+              </a:rPr>
+              <a:t>  </a:t>
+            </a:r>
+            <a:r>
+              <a:rPr lang="en-US" altLang="zh-CN" sz="1600" b="1" dirty="0" err="1">
+                <a:solidFill>
+                  <a:srgbClr val="FFC000"/>
+                </a:solidFill>
+                <a:latin typeface="Courier New" panose="02070309020205020404" pitchFamily="49" charset="0"/>
+              </a:rPr>
+              <a:t>ld</a:t>
+            </a:r>
+            <a:r>
+              <a:rPr lang="en-US" altLang="zh-CN" sz="1600" b="1" dirty="0">
+                <a:solidFill>
+                  <a:srgbClr val="FFC000"/>
+                </a:solidFill>
+                <a:latin typeface="Courier New" panose="02070309020205020404" pitchFamily="49" charset="0"/>
+              </a:rPr>
+              <a:t> r3, [bp, 8]</a:t>
             </a:r>
           </a:p>
           <a:p>
@@ -7185,13 +7456,31 @@
               <a:buNone/>
             </a:pPr>
             <a:r>
-              <a:rPr lang="en-US" altLang="zh-CN" sz="2000" b="1">
-                <a:solidFill>
-                  <a:schemeClr val="folHlink"/>
-                </a:solidFill>
-                <a:latin typeface="Courier New" panose="02070309020205020404" pitchFamily="49" charset="0"/>
-              </a:rPr>
-              <a:t>  st [bp, -16], r1</a:t>
+              <a:rPr lang="en-US" altLang="zh-CN" sz="1600" b="1" dirty="0">
+                <a:solidFill>
+                  <a:srgbClr val="0432FF"/>
+                </a:solidFill>
+                <a:latin typeface="Courier New" panose="02070309020205020404" pitchFamily="49" charset="0"/>
+              </a:rPr>
+              <a:t>  </a:t>
+            </a:r>
+            <a:r>
+              <a:rPr lang="en-US" altLang="zh-CN" sz="1600" b="1" dirty="0" err="1">
+                <a:solidFill>
+                  <a:srgbClr val="0432FF"/>
+                </a:solidFill>
+                <a:latin typeface="Courier New" panose="02070309020205020404" pitchFamily="49" charset="0"/>
+              </a:rPr>
+              <a:t>st</a:t>
+            </a:r>
+            <a:r>
+              <a:rPr lang="en-US" altLang="zh-CN" sz="1600" b="1" dirty="0">
+                <a:solidFill>
+                  <a:srgbClr val="0432FF"/>
+                </a:solidFill>
+                <a:latin typeface="Courier New" panose="02070309020205020404" pitchFamily="49" charset="0"/>
+              </a:rPr>
+              <a:t> [bp, -24], r3</a:t>
             </a:r>
           </a:p>
           <a:p>
@@ -7207,13 +7496,31 @@
               <a:buNone/>
             </a:pPr>
             <a:r>
-              <a:rPr lang="en-US" altLang="zh-CN" sz="2000" b="1">
-                <a:solidFill>
-                  <a:schemeClr val="folHlink"/>
-                </a:solidFill>
-                <a:latin typeface="Courier New" panose="02070309020205020404" pitchFamily="49" charset="0"/>
-              </a:rPr>
-              <a:t>  ld r1, [bp, -4]</a:t>
+              <a:rPr lang="en-US" altLang="zh-CN" sz="1600" b="1" dirty="0">
+                <a:solidFill>
+                  <a:srgbClr val="FFC000"/>
+                </a:solidFill>
+                <a:latin typeface="Courier New" panose="02070309020205020404" pitchFamily="49" charset="0"/>
+              </a:rPr>
+              <a:t>  </a:t>
+            </a:r>
+            <a:r>
+              <a:rPr lang="en-US" altLang="zh-CN" sz="1600" b="1" dirty="0" err="1">
+                <a:solidFill>
+                  <a:srgbClr val="FFC000"/>
+                </a:solidFill>
+                <a:latin typeface="Courier New" panose="02070309020205020404" pitchFamily="49" charset="0"/>
+              </a:rPr>
+              <a:t>ld</a:t>
+            </a:r>
+            <a:r>
+              <a:rPr lang="en-US" altLang="zh-CN" sz="1600" b="1" dirty="0">
+                <a:solidFill>
+                  <a:srgbClr val="FFC000"/>
+                </a:solidFill>
+                <a:latin typeface="Courier New" panose="02070309020205020404" pitchFamily="49" charset="0"/>
+              </a:rPr>
+              <a:t> r3, [bp, 16]</a:t>
             </a:r>
           </a:p>
           <a:p>
@@ -7229,13 +7536,31 @@
               <a:buNone/>
             </a:pPr>
             <a:r>
-              <a:rPr lang="en-US" altLang="zh-CN" sz="2000" b="1">
-                <a:solidFill>
-                  <a:schemeClr val="folHlink"/>
-                </a:solidFill>
-                <a:latin typeface="Courier New" panose="02070309020205020404" pitchFamily="49" charset="0"/>
-              </a:rPr>
-              <a:t>  ld r2, [bp, -8]</a:t>
+              <a:rPr lang="en-US" altLang="zh-CN" sz="1600" b="1" dirty="0">
+                <a:solidFill>
+                  <a:srgbClr val="0432FF"/>
+                </a:solidFill>
+                <a:latin typeface="Courier New" panose="02070309020205020404" pitchFamily="49" charset="0"/>
+              </a:rPr>
+              <a:t>  </a:t>
+            </a:r>
+            <a:r>
+              <a:rPr lang="en-US" altLang="zh-CN" sz="1600" b="1" dirty="0" err="1">
+                <a:solidFill>
+                  <a:srgbClr val="0432FF"/>
+                </a:solidFill>
+                <a:latin typeface="Courier New" panose="02070309020205020404" pitchFamily="49" charset="0"/>
+              </a:rPr>
+              <a:t>st</a:t>
+            </a:r>
+            <a:r>
+              <a:rPr lang="en-US" altLang="zh-CN" sz="1600" b="1" dirty="0">
+                <a:solidFill>
+                  <a:srgbClr val="0432FF"/>
+                </a:solidFill>
+                <a:latin typeface="Courier New" panose="02070309020205020404" pitchFamily="49" charset="0"/>
+              </a:rPr>
+              <a:t> [bp, -32], r3</a:t>
             </a:r>
           </a:p>
           <a:p>
@@ -7251,13 +7576,31 @@
               <a:buNone/>
             </a:pPr>
             <a:r>
-              <a:rPr lang="en-US" altLang="zh-CN" sz="2000" b="1">
-                <a:solidFill>
-                  <a:schemeClr val="folHlink"/>
-                </a:solidFill>
-                <a:latin typeface="Courier New" panose="02070309020205020404" pitchFamily="49" charset="0"/>
-              </a:rPr>
-              <a:t>  add r1, r1, r2</a:t>
+              <a:rPr lang="en-US" altLang="zh-CN" sz="1600" b="1" dirty="0">
+                <a:solidFill>
+                  <a:srgbClr val="FFC000"/>
+                </a:solidFill>
+                <a:latin typeface="Courier New" panose="02070309020205020404" pitchFamily="49" charset="0"/>
+              </a:rPr>
+              <a:t>  </a:t>
+            </a:r>
+            <a:r>
+              <a:rPr lang="en-US" altLang="zh-CN" sz="1600" b="1" dirty="0" err="1">
+                <a:solidFill>
+                  <a:srgbClr val="FFC000"/>
+                </a:solidFill>
+                <a:latin typeface="Courier New" panose="02070309020205020404" pitchFamily="49" charset="0"/>
+              </a:rPr>
+              <a:t>ld</a:t>
+            </a:r>
+            <a:r>
+              <a:rPr lang="en-US" altLang="zh-CN" sz="1600" b="1" dirty="0">
+                <a:solidFill>
+                  <a:srgbClr val="FFC000"/>
+                </a:solidFill>
+                <a:latin typeface="Courier New" panose="02070309020205020404" pitchFamily="49" charset="0"/>
+              </a:rPr>
+              <a:t> r3, [bp, -8]</a:t>
             </a:r>
           </a:p>
           <a:p>
@@ -7273,20 +7616,32 @@
               <a:buNone/>
             </a:pPr>
             <a:r>
-              <a:rPr lang="en-US" altLang="zh-CN" sz="2000" b="1">
-                <a:solidFill>
-                  <a:schemeClr val="folHlink"/>
-                </a:solidFill>
-                <a:latin typeface="Courier New" panose="02070309020205020404" pitchFamily="49" charset="0"/>
-              </a:rPr>
-              <a:t>  st [bp, -20], r1</a:t>
-            </a:r>
-            <a:endParaRPr lang="en-US" altLang="zh-CN" sz="2000" b="1">
-              <a:solidFill>
-                <a:srgbClr val="FFC000"/>
-              </a:solidFill>
-              <a:latin typeface="Courier New" panose="02070309020205020404" pitchFamily="49" charset="0"/>
-            </a:endParaRPr>
+              <a:rPr lang="en-US" altLang="zh-CN" sz="1600" b="1" dirty="0">
+                <a:solidFill>
+                  <a:srgbClr val="FFC000"/>
+                </a:solidFill>
+                <a:latin typeface="Courier New" panose="02070309020205020404" pitchFamily="49" charset="0"/>
+              </a:rPr>
+              <a:t>  </a:t>
+            </a:r>
+            <a:r>
+              <a:rPr lang="en-US" altLang="zh-CN" sz="1600" b="1" dirty="0" err="1">
+                <a:solidFill>
+                  <a:srgbClr val="FFC000"/>
+                </a:solidFill>
+                <a:latin typeface="Courier New" panose="02070309020205020404" pitchFamily="49" charset="0"/>
+              </a:rPr>
+              <a:t>ld</a:t>
+            </a:r>
+            <a:r>
+              <a:rPr lang="en-US" altLang="zh-CN" sz="1600" b="1" dirty="0">
+                <a:solidFill>
+                  <a:srgbClr val="FFC000"/>
+                </a:solidFill>
+                <a:latin typeface="Courier New" panose="02070309020205020404" pitchFamily="49" charset="0"/>
+              </a:rPr>
+              <a:t> r4, [bp, -16]</a:t>
+            </a:r>
           </a:p>
           <a:p>
             <a:pPr eaLnBrk="1" hangingPunct="1">
@@ -7301,13 +7656,13 @@
               <a:buNone/>
             </a:pPr>
             <a:r>
-              <a:rPr lang="en-US" altLang="zh-CN" sz="2000" b="1">
-                <a:solidFill>
-                  <a:schemeClr val="folHlink"/>
-                </a:solidFill>
-                <a:latin typeface="Courier New" panose="02070309020205020404" pitchFamily="49" charset="0"/>
-              </a:rPr>
-              <a:t>  ld r1, [bp, -12]</a:t>
+              <a:rPr lang="en-US" altLang="zh-CN" sz="1600" b="1" dirty="0">
+                <a:solidFill>
+                  <a:srgbClr val="0432FF"/>
+                </a:solidFill>
+                <a:latin typeface="Courier New" panose="02070309020205020404" pitchFamily="49" charset="0"/>
+              </a:rPr>
+              <a:t>  add r3, r3, r4</a:t>
             </a:r>
           </a:p>
           <a:p>
@@ -7323,13 +7678,31 @@
               <a:buNone/>
             </a:pPr>
             <a:r>
-              <a:rPr lang="en-US" altLang="zh-CN" sz="2000" b="1">
-                <a:solidFill>
-                  <a:schemeClr val="folHlink"/>
-                </a:solidFill>
-                <a:latin typeface="Courier New" panose="02070309020205020404" pitchFamily="49" charset="0"/>
-              </a:rPr>
-              <a:t>  ld r2, [bp, -16]</a:t>
+              <a:rPr lang="en-US" altLang="zh-CN" sz="1600" b="1" dirty="0">
+                <a:solidFill>
+                  <a:srgbClr val="FFC000"/>
+                </a:solidFill>
+                <a:latin typeface="Courier New" panose="02070309020205020404" pitchFamily="49" charset="0"/>
+              </a:rPr>
+              <a:t>  </a:t>
+            </a:r>
+            <a:r>
+              <a:rPr lang="en-US" altLang="zh-CN" sz="1600" b="1" dirty="0" err="1">
+                <a:solidFill>
+                  <a:srgbClr val="FFC000"/>
+                </a:solidFill>
+                <a:latin typeface="Courier New" panose="02070309020205020404" pitchFamily="49" charset="0"/>
+              </a:rPr>
+              <a:t>st</a:t>
+            </a:r>
+            <a:r>
+              <a:rPr lang="en-US" altLang="zh-CN" sz="1600" b="1" dirty="0">
+                <a:solidFill>
+                  <a:srgbClr val="FFC000"/>
+                </a:solidFill>
+                <a:latin typeface="Courier New" panose="02070309020205020404" pitchFamily="49" charset="0"/>
+              </a:rPr>
+              <a:t> [bp, -40], r3</a:t>
             </a:r>
           </a:p>
           <a:p>
@@ -7345,13 +7718,31 @@
               <a:buNone/>
             </a:pPr>
             <a:r>
-              <a:rPr lang="en-US" altLang="zh-CN" sz="2000" b="1">
-                <a:solidFill>
-                  <a:schemeClr val="folHlink"/>
-                </a:solidFill>
-                <a:latin typeface="Courier New" panose="02070309020205020404" pitchFamily="49" charset="0"/>
-              </a:rPr>
-              <a:t>  div r1, r1, r2</a:t>
+              <a:rPr lang="en-US" altLang="zh-CN" sz="1600" b="1" dirty="0">
+                <a:solidFill>
+                  <a:srgbClr val="0432FF"/>
+                </a:solidFill>
+                <a:latin typeface="Courier New" panose="02070309020205020404" pitchFamily="49" charset="0"/>
+              </a:rPr>
+              <a:t>  </a:t>
+            </a:r>
+            <a:r>
+              <a:rPr lang="en-US" altLang="zh-CN" sz="1600" b="1" dirty="0" err="1">
+                <a:solidFill>
+                  <a:srgbClr val="FFC000"/>
+                </a:solidFill>
+                <a:latin typeface="Courier New" panose="02070309020205020404" pitchFamily="49" charset="0"/>
+              </a:rPr>
+              <a:t>ld</a:t>
+            </a:r>
+            <a:r>
+              <a:rPr lang="en-US" altLang="zh-CN" sz="1600" b="1" dirty="0">
+                <a:solidFill>
+                  <a:srgbClr val="FFC000"/>
+                </a:solidFill>
+                <a:latin typeface="Courier New" panose="02070309020205020404" pitchFamily="49" charset="0"/>
+              </a:rPr>
+              <a:t> r3, [bp, -24]</a:t>
             </a:r>
           </a:p>
           <a:p>
@@ -7367,20 +7758,32 @@
               <a:buNone/>
             </a:pPr>
             <a:r>
-              <a:rPr lang="en-US" altLang="zh-CN" sz="2000" b="1">
-                <a:solidFill>
-                  <a:schemeClr val="folHlink"/>
-                </a:solidFill>
-                <a:latin typeface="Courier New" panose="02070309020205020404" pitchFamily="49" charset="0"/>
-              </a:rPr>
-              <a:t>  st [bp, -24], r1</a:t>
-            </a:r>
-            <a:endParaRPr lang="en-US" altLang="zh-CN" sz="2000" b="1">
-              <a:solidFill>
-                <a:srgbClr val="FFC000"/>
-              </a:solidFill>
-              <a:latin typeface="Courier New" panose="02070309020205020404" pitchFamily="49" charset="0"/>
-            </a:endParaRPr>
+              <a:rPr lang="en-US" altLang="zh-CN" sz="1600" b="1" dirty="0">
+                <a:solidFill>
+                  <a:srgbClr val="FFC000"/>
+                </a:solidFill>
+                <a:latin typeface="Courier New" panose="02070309020205020404" pitchFamily="49" charset="0"/>
+              </a:rPr>
+              <a:t>  </a:t>
+            </a:r>
+            <a:r>
+              <a:rPr lang="en-US" altLang="zh-CN" sz="1600" b="1" dirty="0" err="1">
+                <a:solidFill>
+                  <a:srgbClr val="FFC000"/>
+                </a:solidFill>
+                <a:latin typeface="Courier New" panose="02070309020205020404" pitchFamily="49" charset="0"/>
+              </a:rPr>
+              <a:t>ld</a:t>
+            </a:r>
+            <a:r>
+              <a:rPr lang="en-US" altLang="zh-CN" sz="1600" b="1" dirty="0">
+                <a:solidFill>
+                  <a:srgbClr val="FFC000"/>
+                </a:solidFill>
+                <a:latin typeface="Courier New" panose="02070309020205020404" pitchFamily="49" charset="0"/>
+              </a:rPr>
+              <a:t> r4, [bp, -32]</a:t>
+            </a:r>
           </a:p>
           <a:p>
             <a:pPr eaLnBrk="1" hangingPunct="1">
@@ -7395,22 +7798,13 @@
               <a:buNone/>
             </a:pPr>
             <a:r>
-              <a:rPr lang="en-US" altLang="zh-CN" sz="2000" b="1">
-                <a:solidFill>
-                  <a:schemeClr val="folHlink"/>
-                </a:solidFill>
-                <a:latin typeface="Courier New" panose="02070309020205020404" pitchFamily="49" charset="0"/>
-              </a:rPr>
-              <a:t>  ld r0, </a:t>
-            </a:r>
-            <a:r>
-              <a:rPr lang="en-US" altLang="zh-CN" sz="2000" b="1">
-                <a:solidFill>
-                  <a:srgbClr val="3333CC"/>
-                </a:solidFill>
-                <a:latin typeface="Courier New" panose="02070309020205020404" pitchFamily="49" charset="0"/>
-              </a:rPr>
-              <a:t>[bp, -24]</a:t>
+              <a:rPr lang="en-US" altLang="zh-CN" sz="1600" b="1" dirty="0">
+                <a:solidFill>
+                  <a:srgbClr val="0432FF"/>
+                </a:solidFill>
+                <a:latin typeface="Courier New" panose="02070309020205020404" pitchFamily="49" charset="0"/>
+              </a:rPr>
+              <a:t>  div r3, r3, r4</a:t>
             </a:r>
           </a:p>
           <a:p>
@@ -7426,22 +7820,160 @@
               <a:buNone/>
             </a:pPr>
             <a:r>
-              <a:rPr lang="en-US" altLang="zh-CN" sz="2000" b="1">
-                <a:solidFill>
-                  <a:schemeClr val="folHlink"/>
+              <a:rPr lang="en-US" altLang="zh-CN" sz="1600" b="1" dirty="0">
+                <a:solidFill>
+                  <a:srgbClr val="FFC000"/>
                 </a:solidFill>
                 <a:latin typeface="Courier New" panose="02070309020205020404" pitchFamily="49" charset="0"/>
               </a:rPr>
               <a:t>  </a:t>
             </a:r>
             <a:r>
-              <a:rPr lang="en-US" altLang="zh-CN" sz="2000" b="1">
-                <a:solidFill>
-                  <a:srgbClr val="3333CC"/>
-                </a:solidFill>
-                <a:latin typeface="Courier New" panose="02070309020205020404" pitchFamily="49" charset="0"/>
-              </a:rPr>
-              <a:t>ret</a:t>
+              <a:rPr lang="en-US" altLang="zh-CN" sz="1600" b="1" dirty="0" err="1">
+                <a:solidFill>
+                  <a:srgbClr val="FFC000"/>
+                </a:solidFill>
+                <a:latin typeface="Courier New" panose="02070309020205020404" pitchFamily="49" charset="0"/>
+              </a:rPr>
+              <a:t>st</a:t>
+            </a:r>
+            <a:r>
+              <a:rPr lang="en-US" altLang="zh-CN" sz="1600" b="1" dirty="0">
+                <a:solidFill>
+                  <a:srgbClr val="FFC000"/>
+                </a:solidFill>
+                <a:latin typeface="Courier New" panose="02070309020205020404" pitchFamily="49" charset="0"/>
+              </a:rPr>
+              <a:t> [bp, -48], r3</a:t>
+            </a:r>
+          </a:p>
+          <a:p>
+            <a:pPr eaLnBrk="1" hangingPunct="1">
+              <a:spcBef>
+                <a:spcPct val="20000"/>
+              </a:spcBef>
+              <a:buClr>
+                <a:schemeClr val="folHlink"/>
+              </a:buClr>
+              <a:buSzPct val="60000"/>
+              <a:buFont typeface="Wingdings" pitchFamily="2" charset="0"/>
+              <a:buNone/>
+            </a:pPr>
+            <a:r>
+              <a:rPr lang="en-US" altLang="zh-CN" sz="1600" b="1" dirty="0">
+                <a:solidFill>
+                  <a:srgbClr val="FFC000"/>
+                </a:solidFill>
+                <a:latin typeface="Courier New" panose="02070309020205020404" pitchFamily="49" charset="0"/>
+              </a:rPr>
+              <a:t>  </a:t>
+            </a:r>
+            <a:r>
+              <a:rPr lang="en-US" altLang="zh-CN" sz="1600" b="1" dirty="0" err="1">
+                <a:solidFill>
+                  <a:srgbClr val="FFC000"/>
+                </a:solidFill>
+                <a:latin typeface="Courier New" panose="02070309020205020404" pitchFamily="49" charset="0"/>
+              </a:rPr>
+              <a:t>ld</a:t>
+            </a:r>
+            <a:r>
+              <a:rPr lang="en-US" altLang="zh-CN" sz="1600" b="1" dirty="0">
+                <a:solidFill>
+                  <a:srgbClr val="FFC000"/>
+                </a:solidFill>
+                <a:latin typeface="Courier New" panose="02070309020205020404" pitchFamily="49" charset="0"/>
+              </a:rPr>
+              <a:t> r3, [bp, -48]</a:t>
+            </a:r>
+          </a:p>
+          <a:p>
+            <a:pPr eaLnBrk="1" hangingPunct="1">
+              <a:spcBef>
+                <a:spcPct val="20000"/>
+              </a:spcBef>
+              <a:buClr>
+                <a:schemeClr val="folHlink"/>
+              </a:buClr>
+              <a:buSzPct val="60000"/>
+              <a:buFont typeface="Wingdings" pitchFamily="2" charset="0"/>
+              <a:buNone/>
+            </a:pPr>
+            <a:r>
+              <a:rPr lang="zh-CN" altLang="en-US" sz="1600" b="1" dirty="0">
+                <a:solidFill>
+                  <a:srgbClr val="0432FF"/>
+                </a:solidFill>
+                <a:latin typeface="Courier New" panose="02070309020205020404" pitchFamily="49" charset="0"/>
+              </a:rPr>
+              <a:t>  </a:t>
+            </a:r>
+            <a:r>
+              <a:rPr lang="en-US" altLang="zh-CN" sz="1600" b="1" dirty="0">
+                <a:solidFill>
+                  <a:srgbClr val="0432FF"/>
+                </a:solidFill>
+                <a:latin typeface="Courier New" panose="02070309020205020404" pitchFamily="49" charset="0"/>
+              </a:rPr>
+              <a:t>mov</a:t>
+            </a:r>
+            <a:r>
+              <a:rPr lang="zh-CN" altLang="en-US" sz="1600" b="1" dirty="0">
+                <a:solidFill>
+                  <a:srgbClr val="0432FF"/>
+                </a:solidFill>
+                <a:latin typeface="Courier New" panose="02070309020205020404" pitchFamily="49" charset="0"/>
+              </a:rPr>
+              <a:t> </a:t>
+            </a:r>
+            <a:r>
+              <a:rPr lang="en-US" altLang="zh-CN" sz="1600" b="1" dirty="0">
+                <a:solidFill>
+                  <a:srgbClr val="0432FF"/>
+                </a:solidFill>
+                <a:latin typeface="Courier New" panose="02070309020205020404" pitchFamily="49" charset="0"/>
+              </a:rPr>
+              <a:t>r0,</a:t>
+            </a:r>
+            <a:r>
+              <a:rPr lang="zh-CN" altLang="en-US" sz="1600" b="1" dirty="0">
+                <a:solidFill>
+                  <a:srgbClr val="0432FF"/>
+                </a:solidFill>
+                <a:latin typeface="Courier New" panose="02070309020205020404" pitchFamily="49" charset="0"/>
+              </a:rPr>
+              <a:t> </a:t>
+            </a:r>
+            <a:r>
+              <a:rPr lang="en-US" altLang="zh-CN" sz="1600" b="1" dirty="0">
+                <a:solidFill>
+                  <a:srgbClr val="0432FF"/>
+                </a:solidFill>
+                <a:latin typeface="Courier New" panose="02070309020205020404" pitchFamily="49" charset="0"/>
+              </a:rPr>
+              <a:t>r3</a:t>
+            </a:r>
+          </a:p>
+          <a:p>
+            <a:pPr eaLnBrk="1" hangingPunct="1">
+              <a:spcBef>
+                <a:spcPct val="20000"/>
+              </a:spcBef>
+              <a:buClr>
+                <a:schemeClr val="folHlink"/>
+              </a:buClr>
+              <a:buSzPct val="60000"/>
+              <a:buFont typeface="Wingdings" pitchFamily="2" charset="0"/>
+              <a:buNone/>
+            </a:pPr>
+            <a:r>
+              <a:rPr lang="en-US" altLang="zh-CN" sz="1600" b="1" dirty="0">
+                <a:solidFill>
+                  <a:srgbClr val="0432FF"/>
+                </a:solidFill>
+                <a:latin typeface="Courier New" panose="02070309020205020404" pitchFamily="49" charset="0"/>
+              </a:rPr>
+              <a:t>  ret</a:t>
             </a:r>
           </a:p>
         </p:txBody>
@@ -8904,13 +9436,31 @@
               <a:buNone/>
             </a:pPr>
             <a:r>
-              <a:rPr lang="en-US" altLang="zh-CN" sz="2000" b="1">
+              <a:rPr lang="en-US" altLang="zh-CN" sz="2000" b="1" dirty="0">
                 <a:solidFill>
                   <a:srgbClr val="3333CC"/>
                 </a:solidFill>
                 <a:latin typeface="Courier New" panose="02070309020205020404" pitchFamily="49" charset="0"/>
               </a:rPr>
-              <a:t>void lazyAlloc(p){</a:t>
+              <a:t>void </a:t>
+            </a:r>
+            <a:r>
+              <a:rPr lang="en-US" altLang="zh-CN" sz="2000" b="1" dirty="0" err="1">
+                <a:solidFill>
+                  <a:srgbClr val="3333CC"/>
+                </a:solidFill>
+                <a:latin typeface="Courier New" panose="02070309020205020404" pitchFamily="49" charset="0"/>
+              </a:rPr>
+              <a:t>stackAlloc</a:t>
+            </a:r>
+            <a:r>
+              <a:rPr lang="en-US" altLang="zh-CN" sz="2000" b="1" dirty="0">
+                <a:solidFill>
+                  <a:srgbClr val="3333CC"/>
+                </a:solidFill>
+                <a:latin typeface="Courier New" panose="02070309020205020404" pitchFamily="49" charset="0"/>
+              </a:rPr>
+              <a:t>(p){</a:t>
             </a:r>
           </a:p>
           <a:p>
@@ -8926,7 +9476,7 @@
               <a:buNone/>
             </a:pPr>
             <a:r>
-              <a:rPr lang="en-US" altLang="zh-CN" sz="2000" b="1">
+              <a:rPr lang="en-US" altLang="zh-CN" sz="2000" b="1" dirty="0">
                 <a:latin typeface="Courier New" panose="02070309020205020404" pitchFamily="49" charset="0"/>
               </a:rPr>
               <a:t>  // Step #1: allocate stack space for each variable “x”</a:t>
@@ -8945,13 +9495,31 @@
               <a:buNone/>
             </a:pPr>
             <a:r>
-              <a:rPr lang="en-US" altLang="zh-CN" sz="2000" b="1">
+              <a:rPr lang="en-US" altLang="zh-CN" sz="2000" b="1" dirty="0">
                 <a:solidFill>
                   <a:srgbClr val="3333CC"/>
                 </a:solidFill>
                 <a:latin typeface="Courier New" panose="02070309020205020404" pitchFamily="49" charset="0"/>
               </a:rPr>
-              <a:t>  for(each virtual register “x” in the program “p”){</a:t>
+              <a:t>  foreach(variable</a:t>
+            </a:r>
+            <a:r>
+              <a:rPr lang="zh-CN" altLang="en-US" sz="2000" b="1" dirty="0">
+                <a:solidFill>
+                  <a:srgbClr val="3333CC"/>
+                </a:solidFill>
+                <a:latin typeface="Courier New" panose="02070309020205020404" pitchFamily="49" charset="0"/>
+              </a:rPr>
+              <a:t> </a:t>
+            </a:r>
+            <a:r>
+              <a:rPr lang="en-US" altLang="zh-CN" sz="2000" b="1" dirty="0">
+                <a:solidFill>
+                  <a:srgbClr val="3333CC"/>
+                </a:solidFill>
+                <a:latin typeface="Courier New" panose="02070309020205020404" pitchFamily="49" charset="0"/>
+              </a:rPr>
+              <a:t>“x” in the program “p”)</a:t>
             </a:r>
           </a:p>
           <a:p>
@@ -8967,13 +9535,49 @@
               <a:buNone/>
             </a:pPr>
             <a:r>
-              <a:rPr lang="en-US" altLang="zh-CN" sz="2000" b="1">
+              <a:rPr lang="en-US" altLang="zh-CN" sz="2000" b="1" dirty="0">
                 <a:solidFill>
                   <a:srgbClr val="3333CC"/>
                 </a:solidFill>
                 <a:latin typeface="Courier New" panose="02070309020205020404" pitchFamily="49" charset="0"/>
               </a:rPr>
-              <a:t>    tempMap = alloc_stack_space(x);</a:t>
+              <a:t>    </a:t>
+            </a:r>
+            <a:r>
+              <a:rPr lang="en-US" altLang="zh-CN" sz="2000" b="1" dirty="0" err="1">
+                <a:solidFill>
+                  <a:srgbClr val="3333CC"/>
+                </a:solidFill>
+                <a:latin typeface="Courier New" panose="02070309020205020404" pitchFamily="49" charset="0"/>
+              </a:rPr>
+              <a:t>tempMap</a:t>
+            </a:r>
+            <a:r>
+              <a:rPr lang="en-US" altLang="zh-CN" sz="2000" b="1" dirty="0">
+                <a:solidFill>
+                  <a:srgbClr val="3333CC"/>
+                </a:solidFill>
+                <a:latin typeface="Courier New" panose="02070309020205020404" pitchFamily="49" charset="0"/>
+              </a:rPr>
+              <a:t> = </a:t>
+            </a:r>
+            <a:r>
+              <a:rPr lang="en-US" altLang="zh-CN" sz="2000" b="1" dirty="0" err="1">
+                <a:solidFill>
+                  <a:srgbClr val="3333CC"/>
+                </a:solidFill>
+                <a:latin typeface="Courier New" panose="02070309020205020404" pitchFamily="49" charset="0"/>
+              </a:rPr>
+              <a:t>allocStackSpace</a:t>
+            </a:r>
+            <a:r>
+              <a:rPr lang="en-US" altLang="zh-CN" sz="2000" b="1" dirty="0">
+                <a:solidFill>
+                  <a:srgbClr val="3333CC"/>
+                </a:solidFill>
+                <a:latin typeface="Courier New" panose="02070309020205020404" pitchFamily="49" charset="0"/>
+              </a:rPr>
+              <a:t>(x);</a:t>
             </a:r>
           </a:p>
           <a:p>
@@ -8988,15 +9592,12 @@
               <a:buFont typeface="Wingdings" pitchFamily="2" charset="0"/>
               <a:buNone/>
             </a:pPr>
-            <a:r>
-              <a:rPr lang="en-US" altLang="zh-CN" sz="2000" b="1">
-                <a:solidFill>
-                  <a:srgbClr val="3333CC"/>
-                </a:solidFill>
-                <a:latin typeface="Courier New" panose="02070309020205020404" pitchFamily="49" charset="0"/>
-              </a:rPr>
-              <a:t>  }</a:t>
-            </a:r>
+            <a:endParaRPr lang="en-US" altLang="zh-CN" sz="2000" b="1" dirty="0">
+              <a:solidFill>
+                <a:srgbClr val="3333CC"/>
+              </a:solidFill>
+              <a:latin typeface="Courier New" panose="02070309020205020404" pitchFamily="49" charset="0"/>
+            </a:endParaRPr>
           </a:p>
           <a:p>
             <a:pPr eaLnBrk="1" hangingPunct="1">
@@ -9010,12 +9611,36 @@
               <a:buFont typeface="Wingdings" pitchFamily="2" charset="0"/>
               <a:buNone/>
             </a:pPr>
-            <a:endParaRPr lang="en-US" altLang="zh-CN" sz="2000" b="1">
-              <a:solidFill>
-                <a:srgbClr val="3333CC"/>
-              </a:solidFill>
-              <a:latin typeface="Courier New" panose="02070309020205020404" pitchFamily="49" charset="0"/>
-            </a:endParaRPr>
+            <a:r>
+              <a:rPr lang="en-US" altLang="zh-CN" sz="2000" b="1" dirty="0">
+                <a:latin typeface="Courier New" panose="02070309020205020404" pitchFamily="49" charset="0"/>
+              </a:rPr>
+              <a:t>  // Step #2: rewrite the program, to insert “</a:t>
+            </a:r>
+            <a:r>
+              <a:rPr lang="en-US" altLang="zh-CN" sz="2000" b="1" dirty="0" err="1">
+                <a:latin typeface="Courier New" panose="02070309020205020404" pitchFamily="49" charset="0"/>
+              </a:rPr>
+              <a:t>ld</a:t>
+            </a:r>
+            <a:r>
+              <a:rPr lang="en-US" altLang="zh-CN" sz="2000" b="1" dirty="0">
+                <a:latin typeface="Courier New" panose="02070309020205020404" pitchFamily="49" charset="0"/>
+              </a:rPr>
+              <a:t>/</a:t>
+            </a:r>
+            <a:r>
+              <a:rPr lang="en-US" altLang="zh-CN" sz="2000" b="1" dirty="0" err="1">
+                <a:latin typeface="Courier New" panose="02070309020205020404" pitchFamily="49" charset="0"/>
+              </a:rPr>
+              <a:t>st</a:t>
+            </a:r>
+            <a:r>
+              <a:rPr lang="en-US" altLang="zh-CN" sz="2000" b="1" dirty="0">
+                <a:latin typeface="Courier New" panose="02070309020205020404" pitchFamily="49" charset="0"/>
+              </a:rPr>
+              <a:t>”</a:t>
+            </a:r>
           </a:p>
           <a:p>
             <a:pPr eaLnBrk="1" hangingPunct="1">
@@ -9030,10 +9655,13 @@
               <a:buNone/>
             </a:pPr>
             <a:r>
-              <a:rPr lang="en-US" altLang="zh-CN" sz="2000" b="1">
-                <a:latin typeface="Courier New" panose="02070309020205020404" pitchFamily="49" charset="0"/>
-              </a:rPr>
-              <a:t>  // Step #2: rewrite the program, to insert “ld/st”</a:t>
+              <a:rPr lang="en-US" altLang="zh-CN" sz="2000" b="1" dirty="0">
+                <a:solidFill>
+                  <a:srgbClr val="3333CC"/>
+                </a:solidFill>
+                <a:latin typeface="Courier New" panose="02070309020205020404" pitchFamily="49" charset="0"/>
+              </a:rPr>
+              <a:t>  foreach(statement “s” in the program “p”){</a:t>
             </a:r>
           </a:p>
           <a:p>
@@ -9049,13 +9677,31 @@
               <a:buNone/>
             </a:pPr>
             <a:r>
-              <a:rPr lang="en-US" altLang="zh-CN" sz="2000" b="1">
+              <a:rPr lang="en-US" altLang="zh-CN" sz="2000" b="1" dirty="0">
                 <a:solidFill>
                   <a:srgbClr val="3333CC"/>
                 </a:solidFill>
                 <a:latin typeface="Courier New" panose="02070309020205020404" pitchFamily="49" charset="0"/>
               </a:rPr>
-              <a:t>  for(each instruction “i” in the program “p”){</a:t>
+              <a:t>    rewrite(</a:t>
+            </a:r>
+            <a:r>
+              <a:rPr lang="en-US" altLang="zh-CN" sz="2000" b="1" dirty="0" err="1">
+                <a:solidFill>
+                  <a:srgbClr val="3333CC"/>
+                </a:solidFill>
+                <a:latin typeface="Courier New" panose="02070309020205020404" pitchFamily="49" charset="0"/>
+              </a:rPr>
+              <a:t>tempMap</a:t>
+            </a:r>
+            <a:r>
+              <a:rPr lang="en-US" altLang="zh-CN" sz="2000" b="1" dirty="0">
+                <a:solidFill>
+                  <a:srgbClr val="3333CC"/>
+                </a:solidFill>
+                <a:latin typeface="Courier New" panose="02070309020205020404" pitchFamily="49" charset="0"/>
+              </a:rPr>
+              <a:t>, s); </a:t>
             </a:r>
           </a:p>
           <a:p>
@@ -9071,13 +9717,19 @@
               <a:buNone/>
             </a:pPr>
             <a:r>
-              <a:rPr lang="en-US" altLang="zh-CN" sz="2000" b="1">
+              <a:rPr lang="en-US" altLang="zh-CN" sz="2000" b="1" dirty="0">
                 <a:solidFill>
                   <a:srgbClr val="3333CC"/>
                 </a:solidFill>
                 <a:latin typeface="Courier New" panose="02070309020205020404" pitchFamily="49" charset="0"/>
               </a:rPr>
-              <a:t>    rewrite(tempMap, i); </a:t>
+              <a:t>    </a:t>
+            </a:r>
+            <a:r>
+              <a:rPr lang="en-US" altLang="zh-CN" sz="2000" b="1" dirty="0">
+                <a:latin typeface="Courier New" panose="02070309020205020404" pitchFamily="49" charset="0"/>
+              </a:rPr>
+              <a:t>// must obey register usage convention</a:t>
             </a:r>
           </a:p>
           <a:p>
@@ -9093,19 +9745,13 @@
               <a:buNone/>
             </a:pPr>
             <a:r>
-              <a:rPr lang="en-US" altLang="zh-CN" sz="2000" b="1">
+              <a:rPr lang="en-US" altLang="zh-CN" sz="2000" b="1" dirty="0">
                 <a:solidFill>
                   <a:srgbClr val="3333CC"/>
                 </a:solidFill>
                 <a:latin typeface="Courier New" panose="02070309020205020404" pitchFamily="49" charset="0"/>
               </a:rPr>
-              <a:t>    </a:t>
-            </a:r>
-            <a:r>
-              <a:rPr lang="en-US" altLang="zh-CN" sz="2000" b="1">
-                <a:latin typeface="Courier New" panose="02070309020205020404" pitchFamily="49" charset="0"/>
-              </a:rPr>
-              <a:t>// must obey register usage convention</a:t>
+              <a:t>  }</a:t>
             </a:r>
           </a:p>
           <a:p>
@@ -9121,29 +9767,7 @@
               <a:buNone/>
             </a:pPr>
             <a:r>
-              <a:rPr lang="en-US" altLang="zh-CN" sz="2000" b="1">
-                <a:solidFill>
-                  <a:srgbClr val="3333CC"/>
-                </a:solidFill>
-                <a:latin typeface="Courier New" panose="02070309020205020404" pitchFamily="49" charset="0"/>
-              </a:rPr>
-              <a:t>  }</a:t>
-            </a:r>
-          </a:p>
-          <a:p>
-            <a:pPr eaLnBrk="1" hangingPunct="1">
-              <a:spcBef>
-                <a:spcPct val="20000"/>
-              </a:spcBef>
-              <a:buClr>
-                <a:schemeClr val="folHlink"/>
-              </a:buClr>
-              <a:buSzPct val="60000"/>
-              <a:buFont typeface="Wingdings" pitchFamily="2" charset="0"/>
-              <a:buNone/>
-            </a:pPr>
-            <a:r>
-              <a:rPr lang="en-US" altLang="zh-CN" sz="2000" b="1">
+              <a:rPr lang="en-US" altLang="zh-CN" sz="2000" b="1" dirty="0">
                 <a:solidFill>
                   <a:srgbClr val="3333CC"/>
                 </a:solidFill>
@@ -9230,56 +9854,58 @@
           <a:lstStyle/>
           <a:p>
             <a:r>
-              <a:rPr lang="en-US" altLang="zh-CN"/>
+              <a:rPr lang="en-US" altLang="zh-CN" dirty="0"/>
               <a:t>Pros:</a:t>
             </a:r>
+            <a:r>
+              <a:rPr lang="zh-CN" altLang="en-US" dirty="0"/>
+              <a:t> </a:t>
+            </a:r>
+            <a:r>
+              <a:rPr lang="en-US" altLang="zh-CN" dirty="0"/>
+              <a:t>easy to understand and implement</a:t>
+            </a:r>
           </a:p>
           <a:p>
             <a:pPr lvl="1"/>
             <a:r>
-              <a:rPr lang="en-US" altLang="zh-CN"/>
-              <a:t>Easy to understand and implement</a:t>
+              <a:rPr lang="en-US" altLang="zh-CN" dirty="0"/>
+              <a:t>no analysis required</a:t>
+            </a:r>
+          </a:p>
+          <a:p>
+            <a:pPr lvl="1"/>
+            <a:r>
+              <a:rPr lang="en-US" altLang="zh-CN" dirty="0"/>
+              <a:t>code rewriting fully syntax-directed</a:t>
+            </a:r>
+          </a:p>
+          <a:p>
+            <a:pPr lvl="1"/>
+            <a:r>
+              <a:rPr lang="en-US" altLang="zh-CN" dirty="0"/>
+              <a:t>Baseline: say, debugging, ...</a:t>
+            </a:r>
+          </a:p>
+          <a:p>
+            <a:r>
+              <a:rPr lang="en-US" altLang="zh-CN" dirty="0"/>
+              <a:t>Cons:</a:t>
+            </a:r>
+            <a:r>
+              <a:rPr lang="zh-CN" altLang="en-US" dirty="0"/>
+              <a:t> </a:t>
+            </a:r>
+            <a:r>
+              <a:rPr lang="en-US" altLang="zh-CN" dirty="0"/>
+              <a:t>poor code quality, poor performance</a:t>
             </a:r>
           </a:p>
           <a:p>
             <a:pPr lvl="2"/>
             <a:r>
-              <a:rPr lang="en-US" altLang="zh-CN"/>
-              <a:t>no analysis required</a:t>
-            </a:r>
-          </a:p>
-          <a:p>
-            <a:pPr lvl="2"/>
-            <a:r>
-              <a:rPr lang="en-US" altLang="zh-CN"/>
-              <a:t>code rewriting fully syntax-directed</a:t>
-            </a:r>
-          </a:p>
-          <a:p>
-            <a:pPr lvl="1"/>
-            <a:r>
-              <a:rPr lang="en-US" altLang="zh-CN"/>
-              <a:t>Baseline: say, debugging, ...</a:t>
-            </a:r>
-          </a:p>
-          <a:p>
-            <a:r>
-              <a:rPr lang="en-US" altLang="zh-CN"/>
-              <a:t>Cons:</a:t>
-            </a:r>
-          </a:p>
-          <a:p>
-            <a:pPr lvl="1"/>
-            <a:r>
-              <a:rPr lang="en-US" altLang="zh-CN"/>
-              <a:t>Poor code quality, poor performance</a:t>
-            </a:r>
-          </a:p>
-          <a:p>
-            <a:pPr lvl="2"/>
-            <a:r>
-              <a:rPr lang="en-US" altLang="zh-CN"/>
-              <a:t>Too many ld/st, memory traffic</a:t>
+              <a:rPr lang="en-US" altLang="zh-CN" dirty="0"/>
+              <a:t>Too many load/store, memory traffic</a:t>
             </a:r>
           </a:p>
         </p:txBody>
@@ -9461,74 +10087,152 @@
           <a:lstStyle/>
           <a:p>
             <a:r>
-              <a:rPr lang="en-US" altLang="zh-CN"/>
+              <a:rPr lang="en-US" altLang="zh-CN" dirty="0"/>
               <a:t>Reserve dedicated registers for special usage</a:t>
             </a:r>
           </a:p>
           <a:p>
             <a:pPr lvl="1"/>
             <a:r>
-              <a:rPr lang="en-US" altLang="zh-CN"/>
+              <a:rPr lang="en-US" altLang="zh-CN" dirty="0"/>
               <a:t>Suppose there are totally </a:t>
             </a:r>
             <a:r>
-              <a:rPr lang="en-US" altLang="zh-CN" i="1">
-                <a:solidFill>
-                  <a:srgbClr val="3333CC"/>
+              <a:rPr lang="en-US" altLang="zh-CN" i="1" dirty="0">
+                <a:solidFill>
+                  <a:srgbClr val="0432FF"/>
                 </a:solidFill>
               </a:rPr>
               <a:t>N</a:t>
             </a:r>
             <a:r>
-              <a:rPr lang="en-US" altLang="zh-CN"/>
-              <a:t> registers, among which </a:t>
-            </a:r>
-            <a:r>
-              <a:rPr lang="en-US" altLang="zh-CN" i="1">
-                <a:solidFill>
-                  <a:srgbClr val="3333CC"/>
+              <a:rPr lang="en-US" altLang="zh-CN" dirty="0"/>
+              <a:t> registers</a:t>
+            </a:r>
+          </a:p>
+          <a:p>
+            <a:pPr lvl="2"/>
+            <a:r>
+              <a:rPr lang="en-US" altLang="zh-CN" dirty="0"/>
+              <a:t>reserve</a:t>
+            </a:r>
+            <a:r>
+              <a:rPr lang="zh-CN" altLang="en-US" dirty="0"/>
+              <a:t> </a:t>
+            </a:r>
+            <a:r>
+              <a:rPr lang="en-US" altLang="zh-CN" i="1" dirty="0">
+                <a:solidFill>
+                  <a:srgbClr val="0432FF"/>
                 </a:solidFill>
               </a:rPr>
               <a:t>F</a:t>
             </a:r>
             <a:r>
-              <a:rPr lang="en-US" altLang="zh-CN"/>
-              <a:t> special registers</a:t>
+              <a:rPr lang="en-US" altLang="zh-CN" dirty="0">
+                <a:solidFill>
+                  <a:srgbClr val="0432FF"/>
+                </a:solidFill>
+              </a:rPr>
+              <a:t> </a:t>
+            </a:r>
+            <a:r>
+              <a:rPr lang="en-US" altLang="zh-CN" dirty="0"/>
+              <a:t>special registers</a:t>
             </a:r>
           </a:p>
           <a:p>
             <a:pPr lvl="2"/>
             <a:r>
-              <a:rPr lang="en-US" altLang="zh-CN"/>
-              <a:t>allocate variables to </a:t>
-            </a:r>
-            <a:r>
-              <a:rPr lang="en-US" altLang="zh-CN" i="1">
-                <a:solidFill>
-                  <a:srgbClr val="3333CC"/>
-                </a:solidFill>
-              </a:rPr>
-              <a:t>N-F</a:t>
-            </a:r>
-            <a:r>
-              <a:rPr lang="en-US" altLang="zh-CN"/>
+              <a:rPr lang="en-US" altLang="zh-CN" dirty="0"/>
+              <a:t>pre-used</a:t>
+            </a:r>
+            <a:r>
+              <a:rPr lang="zh-CN" altLang="en-US" dirty="0"/>
+              <a:t> </a:t>
+            </a:r>
+            <a:r>
+              <a:rPr lang="en-US" altLang="zh-CN" i="1" dirty="0">
+                <a:solidFill>
+                  <a:srgbClr val="0432FF"/>
+                </a:solidFill>
+              </a:rPr>
+              <a:t>E</a:t>
+            </a:r>
+            <a:r>
+              <a:rPr lang="en-US" altLang="zh-CN" dirty="0">
+                <a:solidFill>
+                  <a:srgbClr val="0432FF"/>
+                </a:solidFill>
+              </a:rPr>
+              <a:t> </a:t>
+            </a:r>
+            <a:r>
+              <a:rPr lang="en-US" altLang="zh-CN" dirty="0"/>
+              <a:t>registers</a:t>
+            </a:r>
+            <a:r>
+              <a:rPr lang="zh-CN" altLang="en-US" dirty="0"/>
+              <a:t> </a:t>
+            </a:r>
+            <a:r>
+              <a:rPr lang="en-US" altLang="zh-CN" dirty="0"/>
+              <a:t>(in</a:t>
+            </a:r>
+            <a:r>
+              <a:rPr lang="zh-CN" altLang="en-US" dirty="0"/>
+              <a:t> </a:t>
+            </a:r>
+            <a:r>
+              <a:rPr lang="en-US" altLang="zh-CN" dirty="0"/>
+              <a:t>generated</a:t>
+            </a:r>
+            <a:r>
+              <a:rPr lang="zh-CN" altLang="en-US" dirty="0"/>
+              <a:t> </a:t>
+            </a:r>
+            <a:r>
+              <a:rPr lang="en-US" altLang="zh-CN" dirty="0"/>
+              <a:t>code)</a:t>
+            </a:r>
+          </a:p>
+          <a:p>
+            <a:pPr lvl="2"/>
+            <a:r>
+              <a:rPr lang="en-US" altLang="zh-CN" dirty="0"/>
+              <a:t>available</a:t>
+            </a:r>
+            <a:r>
+              <a:rPr lang="zh-CN" altLang="en-US" dirty="0"/>
+              <a:t> </a:t>
+            </a:r>
+            <a:r>
+              <a:rPr lang="en-US" altLang="zh-CN" i="1" dirty="0">
+                <a:solidFill>
+                  <a:srgbClr val="0432FF"/>
+                </a:solidFill>
+              </a:rPr>
+              <a:t>N-E-F</a:t>
+            </a:r>
+            <a:r>
+              <a:rPr lang="en-US" altLang="zh-CN" dirty="0"/>
               <a:t> registers</a:t>
             </a:r>
           </a:p>
           <a:p>
             <a:pPr lvl="2"/>
             <a:r>
-              <a:rPr lang="en-US" altLang="zh-CN"/>
+              <a:rPr lang="en-US" altLang="zh-CN" dirty="0"/>
               <a:t>put remaining variables to memory</a:t>
             </a:r>
           </a:p>
           <a:p>
             <a:pPr lvl="3"/>
             <a:r>
-              <a:rPr lang="en-US" altLang="zh-CN"/>
-              <a:t>i.e., stack slots serve as pesudo-regs</a:t>
-            </a:r>
-            <a:endParaRPr lang="zh-CN" altLang="en-US"/>
+              <a:rPr lang="en-US" altLang="zh-CN" dirty="0"/>
+              <a:t>i.e., stack slots serve as pseudo-regs</a:t>
+            </a:r>
+            <a:endParaRPr lang="zh-CN" altLang="en-US" dirty="0"/>
           </a:p>
         </p:txBody>
       </p:sp>
@@ -9580,14 +10284,14 @@
           <a:p>
             <a:pPr eaLnBrk="1" hangingPunct="1"/>
             <a:r>
-              <a:rPr lang="en-US" altLang="zh-CN"/>
+              <a:rPr lang="en-US" altLang="zh-CN" dirty="0"/>
               <a:t>Register allocation: </a:t>
             </a:r>
             <a:br>
-              <a:rPr lang="en-US" altLang="zh-CN"/>
+              <a:rPr lang="en-US" altLang="zh-CN" dirty="0"/>
             </a:br>
             <a:r>
-              <a:rPr lang="en-US" altLang="zh-CN"/>
+              <a:rPr lang="en-US" altLang="zh-CN" dirty="0"/>
               <a:t>example</a:t>
             </a:r>
           </a:p>
@@ -9761,19 +10465,19 @@
               <a:buNone/>
             </a:pPr>
             <a:r>
-              <a:rPr lang="en-US" altLang="zh-CN" sz="2000" b="1">
+              <a:rPr lang="en-US" altLang="zh-CN" sz="2000" b="1" dirty="0">
                 <a:latin typeface="Courier New" panose="02070309020205020404" pitchFamily="49" charset="0"/>
               </a:rPr>
               <a:t>Reserve </a:t>
             </a:r>
             <a:r>
-              <a:rPr lang="en-US" altLang="zh-CN" sz="2000" b="1">
-                <a:solidFill>
-                  <a:srgbClr val="3333CC"/>
-                </a:solidFill>
-                <a:latin typeface="Courier New" panose="02070309020205020404" pitchFamily="49" charset="0"/>
-              </a:rPr>
-              <a:t>r0-r2</a:t>
+              <a:rPr lang="en-US" altLang="zh-CN" sz="2000" b="1" dirty="0">
+                <a:solidFill>
+                  <a:srgbClr val="0432FF"/>
+                </a:solidFill>
+                <a:latin typeface="Courier New" panose="02070309020205020404" pitchFamily="49" charset="0"/>
+              </a:rPr>
+              <a:t>r6-r7</a:t>
             </a:r>
           </a:p>
           <a:p>
@@ -9789,10 +10493,34 @@
               <a:buNone/>
             </a:pPr>
             <a:r>
-              <a:rPr lang="en-US" altLang="zh-CN" sz="2000" b="1">
-                <a:latin typeface="Courier New" panose="02070309020205020404" pitchFamily="49" charset="0"/>
-              </a:rPr>
-              <a:t>for ld/st, etc..</a:t>
+              <a:rPr lang="en-US" altLang="zh-CN" sz="2000" b="1" dirty="0">
+                <a:latin typeface="Courier New" panose="02070309020205020404" pitchFamily="49" charset="0"/>
+              </a:rPr>
+              <a:t>for </a:t>
+            </a:r>
+            <a:r>
+              <a:rPr lang="en-US" altLang="zh-CN" sz="2000" b="1" dirty="0" err="1">
+                <a:latin typeface="Courier New" panose="02070309020205020404" pitchFamily="49" charset="0"/>
+              </a:rPr>
+              <a:t>ld</a:t>
+            </a:r>
+            <a:r>
+              <a:rPr lang="en-US" altLang="zh-CN" sz="2000" b="1" dirty="0">
+                <a:latin typeface="Courier New" panose="02070309020205020404" pitchFamily="49" charset="0"/>
+              </a:rPr>
+              <a:t>/</a:t>
+            </a:r>
+            <a:r>
+              <a:rPr lang="en-US" altLang="zh-CN" sz="2000" b="1" dirty="0" err="1">
+                <a:latin typeface="Courier New" panose="02070309020205020404" pitchFamily="49" charset="0"/>
+              </a:rPr>
+              <a:t>st</a:t>
+            </a:r>
+            <a:r>
+              <a:rPr lang="en-US" altLang="zh-CN" sz="2000" b="1" dirty="0">
+                <a:latin typeface="Courier New" panose="02070309020205020404" pitchFamily="49" charset="0"/>
+              </a:rPr>
+              <a:t>, etc.</a:t>
             </a:r>
           </a:p>
           <a:p>
@@ -9808,7 +10536,7 @@
               <a:buNone/>
             </a:pPr>
             <a:r>
-              <a:rPr lang="en-US" altLang="zh-CN" sz="2000" b="1">
+              <a:rPr lang="en-US" altLang="zh-CN" sz="2000" b="1" dirty="0">
                 <a:latin typeface="Courier New" panose="02070309020205020404" pitchFamily="49" charset="0"/>
               </a:rPr>
               <a:t>Allocate vars to</a:t>
@@ -9827,19 +10555,79 @@
               <a:buNone/>
             </a:pPr>
             <a:r>
-              <a:rPr lang="en-US" altLang="zh-CN" sz="2000" b="1">
-                <a:solidFill>
-                  <a:srgbClr val="3333CC"/>
-                </a:solidFill>
-                <a:latin typeface="Courier New" panose="02070309020205020404" pitchFamily="49" charset="0"/>
-              </a:rPr>
-              <a:t>r3-r6</a:t>
-            </a:r>
-            <a:r>
-              <a:rPr lang="en-US" altLang="zh-CN" sz="2000" b="1">
+              <a:rPr lang="en-US" altLang="zh-CN" sz="2000" b="1" dirty="0">
+                <a:solidFill>
+                  <a:srgbClr val="0432FF"/>
+                </a:solidFill>
+                <a:latin typeface="Courier New" panose="02070309020205020404" pitchFamily="49" charset="0"/>
+              </a:rPr>
+              <a:t>r3-r5</a:t>
+            </a:r>
+            <a:r>
+              <a:rPr lang="en-US" altLang="zh-CN" sz="2000" b="1" dirty="0">
                 <a:latin typeface="Courier New" panose="02070309020205020404" pitchFamily="49" charset="0"/>
               </a:rPr>
               <a:t>.</a:t>
+            </a:r>
+            <a:r>
+              <a:rPr lang="zh-CN" altLang="en-US" sz="2000" b="1" dirty="0">
+                <a:latin typeface="Courier New" panose="02070309020205020404" pitchFamily="49" charset="0"/>
+              </a:rPr>
+              <a:t> </a:t>
+            </a:r>
+            <a:r>
+              <a:rPr lang="en-US" altLang="zh-CN" sz="2000" b="1" dirty="0">
+                <a:latin typeface="Courier New" panose="02070309020205020404" pitchFamily="49" charset="0"/>
+              </a:rPr>
+              <a:t>(Why</a:t>
+            </a:r>
+            <a:r>
+              <a:rPr lang="zh-CN" altLang="en-US" sz="2000" b="1" dirty="0">
+                <a:latin typeface="Courier New" panose="02070309020205020404" pitchFamily="49" charset="0"/>
+              </a:rPr>
+              <a:t> </a:t>
+            </a:r>
+            <a:r>
+              <a:rPr lang="en-US" altLang="zh-CN" sz="2000" b="1" dirty="0">
+                <a:latin typeface="Courier New" panose="02070309020205020404" pitchFamily="49" charset="0"/>
+              </a:rPr>
+              <a:t>not</a:t>
+            </a:r>
+            <a:r>
+              <a:rPr lang="zh-CN" altLang="en-US" sz="2000" b="1" dirty="0">
+                <a:latin typeface="Courier New" panose="02070309020205020404" pitchFamily="49" charset="0"/>
+              </a:rPr>
+              <a:t> </a:t>
+            </a:r>
+            <a:r>
+              <a:rPr lang="en-US" altLang="zh-CN" sz="2000" b="1" dirty="0">
+                <a:latin typeface="Courier New" panose="02070309020205020404" pitchFamily="49" charset="0"/>
+              </a:rPr>
+              <a:t>r0,r1,</a:t>
+            </a:r>
+            <a:r>
+              <a:rPr lang="zh-CN" altLang="en-US" sz="2000" b="1" dirty="0">
+                <a:latin typeface="Courier New" panose="02070309020205020404" pitchFamily="49" charset="0"/>
+              </a:rPr>
+              <a:t> </a:t>
+            </a:r>
+            <a:r>
+              <a:rPr lang="en-US" altLang="zh-CN" sz="2000" b="1" dirty="0">
+                <a:latin typeface="Courier New" panose="02070309020205020404" pitchFamily="49" charset="0"/>
+              </a:rPr>
+              <a:t>or</a:t>
+            </a:r>
+            <a:r>
+              <a:rPr lang="zh-CN" altLang="en-US" sz="2000" b="1" dirty="0">
+                <a:latin typeface="Courier New" panose="02070309020205020404" pitchFamily="49" charset="0"/>
+              </a:rPr>
+              <a:t> </a:t>
+            </a:r>
+            <a:r>
+              <a:rPr lang="en-US" altLang="zh-CN" sz="2000" b="1" dirty="0">
+                <a:latin typeface="Courier New" panose="02070309020205020404" pitchFamily="49" charset="0"/>
+              </a:rPr>
+              <a:t>r2?)</a:t>
             </a:r>
           </a:p>
         </p:txBody>
@@ -10012,7 +10800,7 @@
               <a:buNone/>
             </a:pPr>
             <a:r>
-              <a:rPr lang="en-US" altLang="zh-CN" sz="2000" b="1">
+              <a:rPr lang="en-US" altLang="zh-CN" sz="2000" b="1" dirty="0">
                 <a:latin typeface="Courier New" panose="02070309020205020404" pitchFamily="49" charset="0"/>
               </a:rPr>
               <a:t>// Suppose we have</a:t>
@@ -10031,10 +10819,10 @@
               <a:buNone/>
             </a:pPr>
             <a:r>
-              <a:rPr lang="en-US" altLang="zh-CN" sz="2000" b="1">
-                <a:latin typeface="Courier New" panose="02070309020205020404" pitchFamily="49" charset="0"/>
-              </a:rPr>
-              <a:t>// 7 physical regs: </a:t>
+              <a:rPr lang="en-US" altLang="zh-CN" sz="2000" b="1" dirty="0">
+                <a:latin typeface="Courier New" panose="02070309020205020404" pitchFamily="49" charset="0"/>
+              </a:rPr>
+              <a:t>// 8 physical regs: </a:t>
             </a:r>
           </a:p>
           <a:p>
@@ -10050,10 +10838,10 @@
               <a:buNone/>
             </a:pPr>
             <a:r>
-              <a:rPr lang="en-US" altLang="zh-CN" sz="2000" b="1">
-                <a:latin typeface="Courier New" panose="02070309020205020404" pitchFamily="49" charset="0"/>
-              </a:rPr>
-              <a:t>// r0-r6.</a:t>
+              <a:rPr lang="en-US" altLang="zh-CN" sz="2000" b="1" dirty="0">
+                <a:latin typeface="Courier New" panose="02070309020205020404" pitchFamily="49" charset="0"/>
+              </a:rPr>
+              <a:t>// r0-r7.</a:t>
             </a:r>
           </a:p>
           <a:p>
@@ -10069,7 +10857,7 @@
               <a:buNone/>
             </a:pPr>
             <a:r>
-              <a:rPr lang="en-US" altLang="zh-CN" sz="2000" b="1">
+              <a:rPr lang="en-US" altLang="zh-CN" sz="2000" b="1" dirty="0">
                 <a:solidFill>
                   <a:schemeClr val="folHlink"/>
                 </a:solidFill>
@@ -10091,7 +10879,7 @@
               <a:buNone/>
             </a:pPr>
             <a:r>
-              <a:rPr lang="en-US" altLang="zh-CN" sz="2000" b="1">
+              <a:rPr lang="en-US" altLang="zh-CN" sz="2000" b="1" dirty="0">
                 <a:solidFill>
                   <a:schemeClr val="folHlink"/>
                 </a:solidFill>
@@ -10100,7 +10888,7 @@
               <a:t>  mov </a:t>
             </a:r>
             <a:r>
-              <a:rPr lang="en-US" altLang="zh-CN" sz="2000" b="1">
+              <a:rPr lang="en-US" altLang="zh-CN" sz="2000" b="1" dirty="0">
                 <a:solidFill>
                   <a:srgbClr val="FF0000"/>
                 </a:solidFill>
@@ -10109,7 +10897,7 @@
               <a:t>x1</a:t>
             </a:r>
             <a:r>
-              <a:rPr lang="en-US" altLang="zh-CN" sz="2000" b="1">
+              <a:rPr lang="en-US" altLang="zh-CN" sz="2000" b="1" dirty="0">
                 <a:solidFill>
                   <a:schemeClr val="folHlink"/>
                 </a:solidFill>
@@ -10131,7 +10919,7 @@
               <a:buNone/>
             </a:pPr>
             <a:r>
-              <a:rPr lang="en-US" altLang="zh-CN" sz="2000" b="1">
+              <a:rPr lang="en-US" altLang="zh-CN" sz="2000" b="1" dirty="0">
                 <a:solidFill>
                   <a:schemeClr val="folHlink"/>
                 </a:solidFill>
@@ -10140,7 +10928,7 @@
               <a:t>  mov </a:t>
             </a:r>
             <a:r>
-              <a:rPr lang="en-US" altLang="zh-CN" sz="2000" b="1">
+              <a:rPr lang="en-US" altLang="zh-CN" sz="2000" b="1" dirty="0">
                 <a:solidFill>
                   <a:srgbClr val="FF0000"/>
                 </a:solidFill>
@@ -10149,7 +10937,7 @@
               <a:t>x2</a:t>
             </a:r>
             <a:r>
-              <a:rPr lang="en-US" altLang="zh-CN" sz="2000" b="1">
+              <a:rPr lang="en-US" altLang="zh-CN" sz="2000" b="1" dirty="0">
                 <a:solidFill>
                   <a:schemeClr val="folHlink"/>
                 </a:solidFill>
@@ -10171,16 +10959,34 @@
               <a:buNone/>
             </a:pPr>
             <a:r>
-              <a:rPr lang="en-US" altLang="zh-CN" sz="2000" b="1">
+              <a:rPr lang="en-US" altLang="zh-CN" sz="2000" b="1" dirty="0">
                 <a:solidFill>
                   <a:schemeClr val="folHlink"/>
                 </a:solidFill>
                 <a:latin typeface="Courier New" panose="02070309020205020404" pitchFamily="49" charset="0"/>
               </a:rPr>
-              <a:t>  ld  </a:t>
-            </a:r>
-            <a:r>
-              <a:rPr lang="en-US" altLang="zh-CN" sz="2000" b="1">
+              <a:t>  </a:t>
+            </a:r>
+            <a:r>
+              <a:rPr lang="en-US" altLang="zh-CN" sz="2000" b="1" dirty="0" err="1">
+                <a:solidFill>
+                  <a:schemeClr val="folHlink"/>
+                </a:solidFill>
+                <a:latin typeface="Courier New" panose="02070309020205020404" pitchFamily="49" charset="0"/>
+              </a:rPr>
+              <a:t>ld</a:t>
+            </a:r>
+            <a:r>
+              <a:rPr lang="en-US" altLang="zh-CN" sz="2000" b="1" dirty="0">
+                <a:solidFill>
+                  <a:schemeClr val="folHlink"/>
+                </a:solidFill>
+                <a:latin typeface="Courier New" panose="02070309020205020404" pitchFamily="49" charset="0"/>
+              </a:rPr>
+              <a:t>  </a:t>
+            </a:r>
+            <a:r>
+              <a:rPr lang="en-US" altLang="zh-CN" sz="2000" b="1" dirty="0">
                 <a:solidFill>
                   <a:srgbClr val="FF0000"/>
                 </a:solidFill>
@@ -10189,7 +10995,7 @@
               <a:t>x5</a:t>
             </a:r>
             <a:r>
-              <a:rPr lang="en-US" altLang="zh-CN" sz="2000" b="1">
+              <a:rPr lang="en-US" altLang="zh-CN" sz="2000" b="1" dirty="0">
                 <a:solidFill>
                   <a:schemeClr val="folHlink"/>
                 </a:solidFill>
@@ -10198,7 +11004,7 @@
               <a:t>, [bp, </a:t>
             </a:r>
             <a:r>
-              <a:rPr lang="en-US" altLang="zh-CN" sz="2000" b="1">
+              <a:rPr lang="en-US" altLang="zh-CN" sz="2000" b="1" dirty="0">
                 <a:solidFill>
                   <a:srgbClr val="3333CC"/>
                 </a:solidFill>
@@ -10207,7 +11013,7 @@
               <a:t>8</a:t>
             </a:r>
             <a:r>
-              <a:rPr lang="en-US" altLang="zh-CN" sz="2000" b="1">
+              <a:rPr lang="en-US" altLang="zh-CN" sz="2000" b="1" dirty="0">
                 <a:solidFill>
                   <a:schemeClr val="folHlink"/>
                 </a:solidFill>
@@ -10229,16 +11035,34 @@
               <a:buNone/>
             </a:pPr>
             <a:r>
-              <a:rPr lang="en-US" altLang="zh-CN" sz="2000" b="1">
+              <a:rPr lang="en-US" altLang="zh-CN" sz="2000" b="1" dirty="0">
                 <a:solidFill>
                   <a:schemeClr val="folHlink"/>
                 </a:solidFill>
                 <a:latin typeface="Courier New" panose="02070309020205020404" pitchFamily="49" charset="0"/>
               </a:rPr>
-              <a:t>  ld  </a:t>
-            </a:r>
-            <a:r>
-              <a:rPr lang="en-US" altLang="zh-CN" sz="2000" b="1">
+              <a:t>  </a:t>
+            </a:r>
+            <a:r>
+              <a:rPr lang="en-US" altLang="zh-CN" sz="2000" b="1" dirty="0" err="1">
+                <a:solidFill>
+                  <a:schemeClr val="folHlink"/>
+                </a:solidFill>
+                <a:latin typeface="Courier New" panose="02070309020205020404" pitchFamily="49" charset="0"/>
+              </a:rPr>
+              <a:t>ld</a:t>
+            </a:r>
+            <a:r>
+              <a:rPr lang="en-US" altLang="zh-CN" sz="2000" b="1" dirty="0">
+                <a:solidFill>
+                  <a:schemeClr val="folHlink"/>
+                </a:solidFill>
+                <a:latin typeface="Courier New" panose="02070309020205020404" pitchFamily="49" charset="0"/>
+              </a:rPr>
+              <a:t>  </a:t>
+            </a:r>
+            <a:r>
+              <a:rPr lang="en-US" altLang="zh-CN" sz="2000" b="1" dirty="0">
                 <a:solidFill>
                   <a:srgbClr val="FF0000"/>
                 </a:solidFill>
@@ -10247,7 +11071,7 @@
               <a:t>x6</a:t>
             </a:r>
             <a:r>
-              <a:rPr lang="en-US" altLang="zh-CN" sz="2000" b="1">
+              <a:rPr lang="en-US" altLang="zh-CN" sz="2000" b="1" dirty="0">
                 <a:solidFill>
                   <a:schemeClr val="folHlink"/>
                 </a:solidFill>
@@ -10256,16 +11080,16 @@
               <a:t>, [bp, </a:t>
             </a:r>
             <a:r>
-              <a:rPr lang="en-US" altLang="zh-CN" sz="2000" b="1">
+              <a:rPr lang="en-US" altLang="zh-CN" sz="2000" b="1" dirty="0">
                 <a:solidFill>
                   <a:srgbClr val="3333CC"/>
                 </a:solidFill>
                 <a:latin typeface="Courier New" panose="02070309020205020404" pitchFamily="49" charset="0"/>
               </a:rPr>
-              <a:t>12</a:t>
-            </a:r>
-            <a:r>
-              <a:rPr lang="en-US" altLang="zh-CN" sz="2000" b="1">
+              <a:t>16</a:t>
+            </a:r>
+            <a:r>
+              <a:rPr lang="en-US" altLang="zh-CN" sz="2000" b="1" dirty="0">
                 <a:solidFill>
                   <a:schemeClr val="folHlink"/>
                 </a:solidFill>
@@ -10287,7 +11111,7 @@
               <a:buNone/>
             </a:pPr>
             <a:r>
-              <a:rPr lang="en-US" altLang="zh-CN" sz="2000" b="1">
+              <a:rPr lang="en-US" altLang="zh-CN" sz="2000" b="1" dirty="0">
                 <a:solidFill>
                   <a:schemeClr val="folHlink"/>
                 </a:solidFill>
@@ -10296,7 +11120,7 @@
               <a:t>  add </a:t>
             </a:r>
             <a:r>
-              <a:rPr lang="en-US" altLang="zh-CN" sz="2000" b="1">
+              <a:rPr lang="en-US" altLang="zh-CN" sz="2000" b="1" dirty="0">
                 <a:solidFill>
                   <a:srgbClr val="FF0000"/>
                 </a:solidFill>
@@ -10305,7 +11129,7 @@
               <a:t>x8</a:t>
             </a:r>
             <a:r>
-              <a:rPr lang="en-US" altLang="zh-CN" sz="2000" b="1">
+              <a:rPr lang="en-US" altLang="zh-CN" sz="2000" b="1" dirty="0">
                 <a:solidFill>
                   <a:schemeClr val="folHlink"/>
                 </a:solidFill>
@@ -10314,7 +11138,7 @@
               <a:t>, </a:t>
             </a:r>
             <a:r>
-              <a:rPr lang="en-US" altLang="zh-CN" sz="2000" b="1">
+              <a:rPr lang="en-US" altLang="zh-CN" sz="2000" b="1" dirty="0">
                 <a:solidFill>
                   <a:srgbClr val="FF0000"/>
                 </a:solidFill>
@@ -10323,7 +11147,7 @@
               <a:t>x1</a:t>
             </a:r>
             <a:r>
-              <a:rPr lang="en-US" altLang="zh-CN" sz="2000" b="1">
+              <a:rPr lang="en-US" altLang="zh-CN" sz="2000" b="1" dirty="0">
                 <a:solidFill>
                   <a:schemeClr val="folHlink"/>
                 </a:solidFill>
@@ -10332,7 +11156,7 @@
               <a:t>, </a:t>
             </a:r>
             <a:r>
-              <a:rPr lang="en-US" altLang="zh-CN" sz="2000" b="1">
+              <a:rPr lang="en-US" altLang="zh-CN" sz="2000" b="1" dirty="0">
                 <a:solidFill>
                   <a:srgbClr val="FF0000"/>
                 </a:solidFill>
@@ -10354,7 +11178,7 @@
               <a:buNone/>
             </a:pPr>
             <a:r>
-              <a:rPr lang="en-US" altLang="zh-CN" sz="2000" b="1">
+              <a:rPr lang="en-US" altLang="zh-CN" sz="2000" b="1" dirty="0">
                 <a:solidFill>
                   <a:schemeClr val="folHlink"/>
                 </a:solidFill>
@@ -10363,7 +11187,7 @@
               <a:t>  div </a:t>
             </a:r>
             <a:r>
-              <a:rPr lang="en-US" altLang="zh-CN" sz="2000" b="1">
+              <a:rPr lang="en-US" altLang="zh-CN" sz="2000" b="1" dirty="0">
                 <a:solidFill>
                   <a:srgbClr val="FF0000"/>
                 </a:solidFill>
@@ -10372,7 +11196,7 @@
               <a:t>x9</a:t>
             </a:r>
             <a:r>
-              <a:rPr lang="en-US" altLang="zh-CN" sz="2000" b="1">
+              <a:rPr lang="en-US" altLang="zh-CN" sz="2000" b="1" dirty="0">
                 <a:solidFill>
                   <a:schemeClr val="folHlink"/>
                 </a:solidFill>
@@ -10381,7 +11205,7 @@
               <a:t>, </a:t>
             </a:r>
             <a:r>
-              <a:rPr lang="en-US" altLang="zh-CN" sz="2000" b="1">
+              <a:rPr lang="en-US" altLang="zh-CN" sz="2000" b="1" dirty="0">
                 <a:solidFill>
                   <a:srgbClr val="FF0000"/>
                 </a:solidFill>
@@ -10390,7 +11214,7 @@
               <a:t>x5</a:t>
             </a:r>
             <a:r>
-              <a:rPr lang="en-US" altLang="zh-CN" sz="2000" b="1">
+              <a:rPr lang="en-US" altLang="zh-CN" sz="2000" b="1" dirty="0">
                 <a:solidFill>
                   <a:schemeClr val="folHlink"/>
                 </a:solidFill>
@@ -10399,7 +11223,7 @@
               <a:t>, </a:t>
             </a:r>
             <a:r>
-              <a:rPr lang="en-US" altLang="zh-CN" sz="2000" b="1">
+              <a:rPr lang="en-US" altLang="zh-CN" sz="2000" b="1" dirty="0">
                 <a:solidFill>
                   <a:srgbClr val="FF0000"/>
                 </a:solidFill>
@@ -10421,7 +11245,7 @@
               <a:buNone/>
             </a:pPr>
             <a:r>
-              <a:rPr lang="en-US" altLang="zh-CN" sz="2000" b="1">
+              <a:rPr lang="en-US" altLang="zh-CN" sz="2000" b="1" dirty="0">
                 <a:solidFill>
                   <a:schemeClr val="folHlink"/>
                 </a:solidFill>
@@ -10430,7 +11254,7 @@
               <a:t>  mov r0, </a:t>
             </a:r>
             <a:r>
-              <a:rPr lang="en-US" altLang="zh-CN" sz="2000" b="1">
+              <a:rPr lang="en-US" altLang="zh-CN" sz="2000" b="1" dirty="0">
                 <a:solidFill>
                   <a:srgbClr val="FF0000"/>
                 </a:solidFill>
@@ -10452,7 +11276,7 @@
               <a:buNone/>
             </a:pPr>
             <a:r>
-              <a:rPr lang="en-US" altLang="zh-CN" sz="2000" b="1">
+              <a:rPr lang="en-US" altLang="zh-CN" sz="2000" b="1" dirty="0">
                 <a:solidFill>
                   <a:schemeClr val="folHlink"/>
                 </a:solidFill>
@@ -10461,7 +11285,7 @@
               <a:t>  </a:t>
             </a:r>
             <a:r>
-              <a:rPr lang="en-US" altLang="zh-CN" sz="2000" b="1">
+              <a:rPr lang="en-US" altLang="zh-CN" sz="2000" b="1" dirty="0">
                 <a:solidFill>
                   <a:srgbClr val="3333CC"/>
                 </a:solidFill>
@@ -10484,7 +11308,13 @@
           <p:cNvGraphicFramePr>
             <a:graphicFrameLocks noGrp="1"/>
           </p:cNvGraphicFramePr>
-          <p:nvPr/>
+          <p:nvPr>
+            <p:extLst>
+              <p:ext uri="{D42A27DB-BD31-4B8C-83A1-F6EECF244321}">
+                <p14:modId xmlns:p14="http://schemas.microsoft.com/office/powerpoint/2010/main" val="2164484922"/>
+              </p:ext>
+            </p:extLst>
+          </p:nvPr>
         </p:nvGraphicFramePr>
         <p:xfrm>
           <a:off x="3544888" y="3810000"/>
@@ -10520,7 +11350,7 @@
                     <a:p>
                       <a:r>
                         <a:rPr lang="en-US" altLang="zh-CN" dirty="0"/>
-                        <a:t>V-reg</a:t>
+                        <a:t>Var</a:t>
                       </a:r>
                       <a:endParaRPr lang="zh-CN" altLang="en-US" dirty="0"/>
                     </a:p>
@@ -10534,7 +11364,7 @@
                     <a:p>
                       <a:r>
                         <a:rPr lang="en-US" altLang="zh-CN" dirty="0"/>
-                        <a:t>‘P-reg’</a:t>
+                        <a:t>‘Reg’</a:t>
                       </a:r>
                       <a:endParaRPr lang="zh-CN" altLang="en-US" dirty="0"/>
                     </a:p>
@@ -10731,14 +11561,14 @@
                       <a:r>
                         <a:rPr lang="en-US" altLang="zh-CN" dirty="0">
                           <a:solidFill>
-                            <a:srgbClr val="00B050"/>
+                            <a:srgbClr val="FFC000"/>
                           </a:solidFill>
                         </a:rPr>
-                        <a:t>r6</a:t>
+                        <a:t>-8</a:t>
                       </a:r>
                       <a:endParaRPr lang="zh-CN" altLang="en-US" dirty="0">
                         <a:solidFill>
-                          <a:srgbClr val="00B050"/>
+                          <a:srgbClr val="FFC000"/>
                         </a:solidFill>
                       </a:endParaRPr>
                     </a:p>
@@ -10785,7 +11615,7 @@
                             <a:srgbClr val="FFC000"/>
                           </a:solidFill>
                         </a:rPr>
-                        <a:t>-4</a:t>
+                        <a:t>-16</a:t>
                       </a:r>
                     </a:p>
                   </a:txBody>
@@ -10831,7 +11661,7 @@
                             <a:srgbClr val="FFC000"/>
                           </a:solidFill>
                         </a:rPr>
-                        <a:t>-8</a:t>
+                        <a:t>-24</a:t>
                       </a:r>
                     </a:p>
                   </a:txBody>
@@ -11015,7 +11845,7 @@
               <a:buNone/>
             </a:pPr>
             <a:r>
-              <a:rPr lang="en-US" altLang="zh-CN" sz="2000" b="1">
+              <a:rPr lang="en-US" altLang="zh-CN" sz="2000" b="1" dirty="0">
                 <a:latin typeface="Courier New" panose="02070309020205020404" pitchFamily="49" charset="0"/>
               </a:rPr>
               <a:t>// Code rewriting:</a:t>
@@ -11034,9 +11864,9 @@
               <a:buNone/>
             </a:pPr>
             <a:r>
-              <a:rPr lang="en-US" altLang="zh-CN" sz="2000" b="1">
-                <a:solidFill>
-                  <a:schemeClr val="folHlink"/>
+              <a:rPr lang="en-US" altLang="zh-CN" sz="1600" b="1" dirty="0">
+                <a:solidFill>
+                  <a:srgbClr val="0432FF"/>
                 </a:solidFill>
                 <a:latin typeface="Courier New" panose="02070309020205020404" pitchFamily="49" charset="0"/>
               </a:rPr>
@@ -11056,9 +11886,9 @@
               <a:buNone/>
             </a:pPr>
             <a:r>
-              <a:rPr lang="en-US" altLang="zh-CN" sz="2000" b="1">
-                <a:solidFill>
-                  <a:schemeClr val="folHlink"/>
+              <a:rPr lang="en-US" altLang="zh-CN" sz="1600" b="1" dirty="0">
+                <a:solidFill>
+                  <a:srgbClr val="0432FF"/>
                 </a:solidFill>
                 <a:latin typeface="Courier New" panose="02070309020205020404" pitchFamily="49" charset="0"/>
               </a:rPr>
@@ -11078,9 +11908,9 @@
               <a:buNone/>
             </a:pPr>
             <a:r>
-              <a:rPr lang="en-US" altLang="zh-CN" sz="2000" b="1">
-                <a:solidFill>
-                  <a:schemeClr val="folHlink"/>
+              <a:rPr lang="en-US" altLang="zh-CN" sz="1600" b="1" dirty="0">
+                <a:solidFill>
+                  <a:srgbClr val="0432FF"/>
                 </a:solidFill>
                 <a:latin typeface="Courier New" panose="02070309020205020404" pitchFamily="49" charset="0"/>
               </a:rPr>
@@ -11100,13 +11930,96 @@
               <a:buNone/>
             </a:pPr>
             <a:r>
-              <a:rPr lang="en-US" altLang="zh-CN" sz="2000" b="1">
-                <a:solidFill>
-                  <a:schemeClr val="folHlink"/>
-                </a:solidFill>
-                <a:latin typeface="Courier New" panose="02070309020205020404" pitchFamily="49" charset="0"/>
-              </a:rPr>
-              <a:t>  ld r5, [bp, 8]</a:t>
+              <a:rPr lang="en-US" altLang="zh-CN" sz="1600" b="1" dirty="0">
+                <a:solidFill>
+                  <a:srgbClr val="0432FF"/>
+                </a:solidFill>
+                <a:latin typeface="Courier New" panose="02070309020205020404" pitchFamily="49" charset="0"/>
+              </a:rPr>
+              <a:t>  </a:t>
+            </a:r>
+            <a:r>
+              <a:rPr lang="en-US" altLang="zh-CN" sz="1600" b="1" dirty="0" err="1">
+                <a:solidFill>
+                  <a:srgbClr val="0432FF"/>
+                </a:solidFill>
+                <a:latin typeface="Courier New" panose="02070309020205020404" pitchFamily="49" charset="0"/>
+              </a:rPr>
+              <a:t>ld</a:t>
+            </a:r>
+            <a:r>
+              <a:rPr lang="en-US" altLang="zh-CN" sz="1600" b="1" dirty="0">
+                <a:solidFill>
+                  <a:srgbClr val="0432FF"/>
+                </a:solidFill>
+                <a:latin typeface="Courier New" panose="02070309020205020404" pitchFamily="49" charset="0"/>
+              </a:rPr>
+              <a:t> r5, [bp, 8]</a:t>
+            </a:r>
+          </a:p>
+          <a:p>
+            <a:pPr eaLnBrk="1" hangingPunct="1">
+              <a:spcBef>
+                <a:spcPct val="20000"/>
+              </a:spcBef>
+              <a:buClr>
+                <a:schemeClr val="folHlink"/>
+              </a:buClr>
+              <a:buSzPct val="60000"/>
+            </a:pPr>
+            <a:r>
+              <a:rPr lang="zh-CN" altLang="en-US" sz="1600" b="1" dirty="0">
+                <a:solidFill>
+                  <a:srgbClr val="0432FF"/>
+                </a:solidFill>
+                <a:latin typeface="Courier New" panose="02070309020205020404" pitchFamily="49" charset="0"/>
+              </a:rPr>
+              <a:t>  </a:t>
+            </a:r>
+            <a:r>
+              <a:rPr lang="en-US" altLang="zh-CN" sz="1600" b="1" dirty="0" err="1">
+                <a:solidFill>
+                  <a:srgbClr val="0432FF"/>
+                </a:solidFill>
+                <a:latin typeface="Courier New" panose="02070309020205020404" pitchFamily="49" charset="0"/>
+              </a:rPr>
+              <a:t>ld</a:t>
+            </a:r>
+            <a:r>
+              <a:rPr lang="zh-CN" altLang="en-US" sz="1600" b="1" dirty="0">
+                <a:solidFill>
+                  <a:srgbClr val="0432FF"/>
+                </a:solidFill>
+                <a:latin typeface="Courier New" panose="02070309020205020404" pitchFamily="49" charset="0"/>
+              </a:rPr>
+              <a:t> </a:t>
+            </a:r>
+            <a:r>
+              <a:rPr lang="en-US" altLang="zh-CN" sz="1600" b="1" dirty="0">
+                <a:solidFill>
+                  <a:srgbClr val="0432FF"/>
+                </a:solidFill>
+                <a:latin typeface="Courier New" panose="02070309020205020404" pitchFamily="49" charset="0"/>
+              </a:rPr>
+              <a:t>r6,</a:t>
+            </a:r>
+            <a:r>
+              <a:rPr lang="zh-CN" altLang="en-US" sz="1600" b="1" dirty="0">
+                <a:solidFill>
+                  <a:srgbClr val="0432FF"/>
+                </a:solidFill>
+                <a:latin typeface="Courier New" panose="02070309020205020404" pitchFamily="49" charset="0"/>
+              </a:rPr>
+              <a:t> </a:t>
+            </a:r>
+            <a:r>
+              <a:rPr lang="en-US" altLang="zh-CN" sz="1600" b="1" dirty="0">
+                <a:solidFill>
+                  <a:srgbClr val="0432FF"/>
+                </a:solidFill>
+                <a:latin typeface="Courier New" panose="02070309020205020404" pitchFamily="49" charset="0"/>
+              </a:rPr>
+              <a:t>[bp, 16]</a:t>
             </a:r>
           </a:p>
           <a:p>
@@ -11122,13 +12035,58 @@
               <a:buNone/>
             </a:pPr>
             <a:r>
-              <a:rPr lang="en-US" altLang="zh-CN" sz="2000" b="1">
-                <a:solidFill>
-                  <a:schemeClr val="folHlink"/>
-                </a:solidFill>
-                <a:latin typeface="Courier New" panose="02070309020205020404" pitchFamily="49" charset="0"/>
-              </a:rPr>
-              <a:t>  ld r6, [bp, 12]</a:t>
+              <a:rPr lang="en-US" altLang="zh-CN" sz="1600" b="1" dirty="0">
+                <a:solidFill>
+                  <a:srgbClr val="0432FF"/>
+                </a:solidFill>
+                <a:latin typeface="Courier New" panose="02070309020205020404" pitchFamily="49" charset="0"/>
+              </a:rPr>
+              <a:t>  </a:t>
+            </a:r>
+            <a:r>
+              <a:rPr lang="en-US" altLang="zh-CN" sz="1600" b="1" dirty="0" err="1">
+                <a:solidFill>
+                  <a:srgbClr val="0432FF"/>
+                </a:solidFill>
+                <a:latin typeface="Courier New" panose="02070309020205020404" pitchFamily="49" charset="0"/>
+              </a:rPr>
+              <a:t>st</a:t>
+            </a:r>
+            <a:r>
+              <a:rPr lang="zh-CN" altLang="en-US" sz="1600" b="1" dirty="0">
+                <a:solidFill>
+                  <a:srgbClr val="0432FF"/>
+                </a:solidFill>
+                <a:latin typeface="Courier New" panose="02070309020205020404" pitchFamily="49" charset="0"/>
+              </a:rPr>
+              <a:t> </a:t>
+            </a:r>
+            <a:r>
+              <a:rPr lang="en-US" altLang="zh-CN" sz="1600" b="1" dirty="0">
+                <a:solidFill>
+                  <a:srgbClr val="0432FF"/>
+                </a:solidFill>
+                <a:latin typeface="Courier New" panose="02070309020205020404" pitchFamily="49" charset="0"/>
+              </a:rPr>
+              <a:t>[bp, -8],</a:t>
+            </a:r>
+            <a:r>
+              <a:rPr lang="zh-CN" altLang="en-US" sz="1600" b="1" dirty="0">
+                <a:solidFill>
+                  <a:srgbClr val="0432FF"/>
+                </a:solidFill>
+                <a:latin typeface="Courier New" panose="02070309020205020404" pitchFamily="49" charset="0"/>
+              </a:rPr>
+              <a:t> </a:t>
+            </a:r>
+            <a:r>
+              <a:rPr lang="en-US" altLang="zh-CN" sz="1600" b="1" dirty="0">
+                <a:solidFill>
+                  <a:srgbClr val="0432FF"/>
+                </a:solidFill>
+                <a:latin typeface="Courier New" panose="02070309020205020404" pitchFamily="49" charset="0"/>
+              </a:rPr>
+              <a:t>r6</a:t>
             </a:r>
           </a:p>
           <a:p>
@@ -11144,13 +12102,13 @@
               <a:buNone/>
             </a:pPr>
             <a:r>
-              <a:rPr lang="en-US" altLang="zh-CN" sz="2000" b="1">
-                <a:solidFill>
-                  <a:schemeClr val="folHlink"/>
-                </a:solidFill>
-                <a:latin typeface="Courier New" panose="02070309020205020404" pitchFamily="49" charset="0"/>
-              </a:rPr>
-              <a:t>  add r1, r3, r4</a:t>
+              <a:rPr lang="en-US" altLang="zh-CN" sz="1600" b="1" dirty="0">
+                <a:solidFill>
+                  <a:srgbClr val="0432FF"/>
+                </a:solidFill>
+                <a:latin typeface="Courier New" panose="02070309020205020404" pitchFamily="49" charset="0"/>
+              </a:rPr>
+              <a:t>  add r6, r3, r4</a:t>
             </a:r>
           </a:p>
           <a:p>
@@ -11166,20 +12124,32 @@
               <a:buNone/>
             </a:pPr>
             <a:r>
-              <a:rPr lang="en-US" altLang="zh-CN" sz="2000" b="1">
-                <a:solidFill>
-                  <a:schemeClr val="folHlink"/>
-                </a:solidFill>
-                <a:latin typeface="Courier New" panose="02070309020205020404" pitchFamily="49" charset="0"/>
-              </a:rPr>
-              <a:t>  st [bp, -4], r1</a:t>
-            </a:r>
-            <a:endParaRPr lang="en-US" altLang="zh-CN" sz="2000" b="1">
-              <a:solidFill>
-                <a:srgbClr val="FFC000"/>
-              </a:solidFill>
-              <a:latin typeface="Courier New" panose="02070309020205020404" pitchFamily="49" charset="0"/>
-            </a:endParaRPr>
+              <a:rPr lang="en-US" altLang="zh-CN" sz="1600" b="1" dirty="0">
+                <a:solidFill>
+                  <a:srgbClr val="0432FF"/>
+                </a:solidFill>
+                <a:latin typeface="Courier New" panose="02070309020205020404" pitchFamily="49" charset="0"/>
+              </a:rPr>
+              <a:t>  </a:t>
+            </a:r>
+            <a:r>
+              <a:rPr lang="en-US" altLang="zh-CN" sz="1600" b="1" dirty="0" err="1">
+                <a:solidFill>
+                  <a:srgbClr val="0432FF"/>
+                </a:solidFill>
+                <a:latin typeface="Courier New" panose="02070309020205020404" pitchFamily="49" charset="0"/>
+              </a:rPr>
+              <a:t>st</a:t>
+            </a:r>
+            <a:r>
+              <a:rPr lang="en-US" altLang="zh-CN" sz="1600" b="1" dirty="0">
+                <a:solidFill>
+                  <a:srgbClr val="0432FF"/>
+                </a:solidFill>
+                <a:latin typeface="Courier New" panose="02070309020205020404" pitchFamily="49" charset="0"/>
+              </a:rPr>
+              <a:t> [bp, -16], r6</a:t>
+            </a:r>
           </a:p>
           <a:p>
             <a:pPr eaLnBrk="1" hangingPunct="1">
@@ -11194,13 +12164,76 @@
               <a:buNone/>
             </a:pPr>
             <a:r>
-              <a:rPr lang="en-US" altLang="zh-CN" sz="2000" b="1">
-                <a:solidFill>
-                  <a:schemeClr val="folHlink"/>
-                </a:solidFill>
-                <a:latin typeface="Courier New" panose="02070309020205020404" pitchFamily="49" charset="0"/>
-              </a:rPr>
-              <a:t>  div r1, r5, r6</a:t>
+              <a:rPr lang="zh-CN" altLang="en-US" sz="1600" b="1" dirty="0">
+                <a:solidFill>
+                  <a:srgbClr val="0432FF"/>
+                </a:solidFill>
+                <a:latin typeface="Courier New" panose="02070309020205020404" pitchFamily="49" charset="0"/>
+              </a:rPr>
+              <a:t>  </a:t>
+            </a:r>
+            <a:r>
+              <a:rPr lang="en-US" altLang="zh-CN" sz="1600" b="1" dirty="0" err="1">
+                <a:solidFill>
+                  <a:srgbClr val="0432FF"/>
+                </a:solidFill>
+                <a:latin typeface="Courier New" panose="02070309020205020404" pitchFamily="49" charset="0"/>
+              </a:rPr>
+              <a:t>ld</a:t>
+            </a:r>
+            <a:r>
+              <a:rPr lang="zh-CN" altLang="en-US" sz="1600" b="1" dirty="0">
+                <a:solidFill>
+                  <a:srgbClr val="0432FF"/>
+                </a:solidFill>
+                <a:latin typeface="Courier New" panose="02070309020205020404" pitchFamily="49" charset="0"/>
+              </a:rPr>
+              <a:t> </a:t>
+            </a:r>
+            <a:r>
+              <a:rPr lang="en-US" altLang="zh-CN" sz="1600" b="1" dirty="0">
+                <a:solidFill>
+                  <a:srgbClr val="0432FF"/>
+                </a:solidFill>
+                <a:latin typeface="Courier New" panose="02070309020205020404" pitchFamily="49" charset="0"/>
+              </a:rPr>
+              <a:t>r6,</a:t>
+            </a:r>
+            <a:r>
+              <a:rPr lang="zh-CN" altLang="en-US" sz="1600" b="1" dirty="0">
+                <a:solidFill>
+                  <a:srgbClr val="0432FF"/>
+                </a:solidFill>
+                <a:latin typeface="Courier New" panose="02070309020205020404" pitchFamily="49" charset="0"/>
+              </a:rPr>
+              <a:t> </a:t>
+            </a:r>
+            <a:r>
+              <a:rPr lang="en-US" altLang="zh-CN" sz="1600" b="1" dirty="0">
+                <a:solidFill>
+                  <a:srgbClr val="0432FF"/>
+                </a:solidFill>
+                <a:latin typeface="Courier New" panose="02070309020205020404" pitchFamily="49" charset="0"/>
+              </a:rPr>
+              <a:t>[bp,</a:t>
+            </a:r>
+            <a:r>
+              <a:rPr lang="zh-CN" altLang="en-US" sz="1600" b="1" dirty="0">
+                <a:solidFill>
+                  <a:srgbClr val="0432FF"/>
+                </a:solidFill>
+                <a:latin typeface="Courier New" panose="02070309020205020404" pitchFamily="49" charset="0"/>
+              </a:rPr>
+              <a:t> </a:t>
+            </a:r>
+            <a:r>
+              <a:rPr lang="en-US" altLang="zh-CN" sz="1600" b="1" dirty="0">
+                <a:solidFill>
+                  <a:srgbClr val="0432FF"/>
+                </a:solidFill>
+                <a:latin typeface="Courier New" panose="02070309020205020404" pitchFamily="49" charset="0"/>
+              </a:rPr>
+              <a:t>-8]</a:t>
             </a:r>
           </a:p>
           <a:p>
@@ -11216,20 +12249,14 @@
               <a:buNone/>
             </a:pPr>
             <a:r>
-              <a:rPr lang="en-US" altLang="zh-CN" sz="2000" b="1">
-                <a:solidFill>
-                  <a:schemeClr val="folHlink"/>
-                </a:solidFill>
-                <a:latin typeface="Courier New" panose="02070309020205020404" pitchFamily="49" charset="0"/>
-              </a:rPr>
-              <a:t>  st [bp, -8], r1</a:t>
-            </a:r>
-            <a:endParaRPr lang="en-US" altLang="zh-CN" sz="2000" b="1">
-              <a:solidFill>
-                <a:srgbClr val="FFC000"/>
-              </a:solidFill>
-              <a:latin typeface="Courier New" panose="02070309020205020404" pitchFamily="49" charset="0"/>
-            </a:endParaRPr>
+              <a:rPr lang="en-US" altLang="zh-CN" sz="1600" b="1" dirty="0">
+                <a:solidFill>
+                  <a:srgbClr val="0432FF"/>
+                </a:solidFill>
+                <a:latin typeface="Courier New" panose="02070309020205020404" pitchFamily="49" charset="0"/>
+              </a:rPr>
+              <a:t>  div r6, r5, r6</a:t>
+            </a:r>
           </a:p>
           <a:p>
             <a:pPr eaLnBrk="1" hangingPunct="1">
@@ -11244,22 +12271,76 @@
               <a:buNone/>
             </a:pPr>
             <a:r>
-              <a:rPr lang="en-US" altLang="zh-CN" sz="2000" b="1">
-                <a:solidFill>
-                  <a:schemeClr val="folHlink"/>
-                </a:solidFill>
-                <a:latin typeface="Courier New" panose="02070309020205020404" pitchFamily="49" charset="0"/>
-              </a:rPr>
-              <a:t>  ld r0, </a:t>
-            </a:r>
-            <a:r>
-              <a:rPr lang="en-US" altLang="zh-CN" sz="2000" b="1">
-                <a:solidFill>
-                  <a:srgbClr val="3333CC"/>
-                </a:solidFill>
-                <a:latin typeface="Courier New" panose="02070309020205020404" pitchFamily="49" charset="0"/>
-              </a:rPr>
-              <a:t>[bp, -8]</a:t>
+              <a:rPr lang="zh-CN" altLang="en-US" sz="1600" b="1" dirty="0">
+                <a:solidFill>
+                  <a:srgbClr val="0432FF"/>
+                </a:solidFill>
+                <a:latin typeface="Courier New" panose="02070309020205020404" pitchFamily="49" charset="0"/>
+              </a:rPr>
+              <a:t>  </a:t>
+            </a:r>
+            <a:r>
+              <a:rPr lang="en-US" altLang="zh-CN" sz="1600" b="1" dirty="0" err="1">
+                <a:solidFill>
+                  <a:srgbClr val="0432FF"/>
+                </a:solidFill>
+                <a:latin typeface="Courier New" panose="02070309020205020404" pitchFamily="49" charset="0"/>
+              </a:rPr>
+              <a:t>st</a:t>
+            </a:r>
+            <a:r>
+              <a:rPr lang="zh-CN" altLang="en-US" sz="1600" b="1" dirty="0">
+                <a:solidFill>
+                  <a:srgbClr val="0432FF"/>
+                </a:solidFill>
+                <a:latin typeface="Courier New" panose="02070309020205020404" pitchFamily="49" charset="0"/>
+              </a:rPr>
+              <a:t> </a:t>
+            </a:r>
+            <a:r>
+              <a:rPr lang="en-US" altLang="zh-CN" sz="1600" b="1" dirty="0">
+                <a:solidFill>
+                  <a:srgbClr val="0432FF"/>
+                </a:solidFill>
+                <a:latin typeface="Courier New" panose="02070309020205020404" pitchFamily="49" charset="0"/>
+              </a:rPr>
+              <a:t>[bp,</a:t>
+            </a:r>
+            <a:r>
+              <a:rPr lang="zh-CN" altLang="en-US" sz="1600" b="1" dirty="0">
+                <a:solidFill>
+                  <a:srgbClr val="0432FF"/>
+                </a:solidFill>
+                <a:latin typeface="Courier New" panose="02070309020205020404" pitchFamily="49" charset="0"/>
+              </a:rPr>
+              <a:t> </a:t>
+            </a:r>
+            <a:r>
+              <a:rPr lang="en-US" altLang="zh-CN" sz="1600" b="1" dirty="0">
+                <a:solidFill>
+                  <a:srgbClr val="0432FF"/>
+                </a:solidFill>
+                <a:latin typeface="Courier New" panose="02070309020205020404" pitchFamily="49" charset="0"/>
+              </a:rPr>
+              <a:t>-24],</a:t>
+            </a:r>
+            <a:r>
+              <a:rPr lang="zh-CN" altLang="en-US" sz="1600" b="1" dirty="0">
+                <a:solidFill>
+                  <a:srgbClr val="0432FF"/>
+                </a:solidFill>
+                <a:latin typeface="Courier New" panose="02070309020205020404" pitchFamily="49" charset="0"/>
+              </a:rPr>
+              <a:t> </a:t>
+            </a:r>
+            <a:r>
+              <a:rPr lang="en-US" altLang="zh-CN" sz="1600" b="1" dirty="0">
+                <a:solidFill>
+                  <a:srgbClr val="0432FF"/>
+                </a:solidFill>
+                <a:latin typeface="Courier New" panose="02070309020205020404" pitchFamily="49" charset="0"/>
+              </a:rPr>
+              <a:t>r6</a:t>
             </a:r>
           </a:p>
           <a:p>
@@ -11275,22 +12356,84 @@
               <a:buNone/>
             </a:pPr>
             <a:r>
-              <a:rPr lang="en-US" altLang="zh-CN" sz="2000" b="1">
-                <a:solidFill>
-                  <a:schemeClr val="folHlink"/>
+              <a:rPr lang="en-US" altLang="zh-CN" sz="1600" b="1" dirty="0">
+                <a:solidFill>
+                  <a:srgbClr val="0432FF"/>
                 </a:solidFill>
                 <a:latin typeface="Courier New" panose="02070309020205020404" pitchFamily="49" charset="0"/>
               </a:rPr>
               <a:t>  </a:t>
             </a:r>
             <a:r>
-              <a:rPr lang="en-US" altLang="zh-CN" sz="2000" b="1">
-                <a:solidFill>
-                  <a:srgbClr val="3333CC"/>
-                </a:solidFill>
-                <a:latin typeface="Courier New" panose="02070309020205020404" pitchFamily="49" charset="0"/>
-              </a:rPr>
-              <a:t>ret</a:t>
+              <a:rPr lang="en-US" altLang="zh-CN" sz="1600" b="1" dirty="0" err="1">
+                <a:solidFill>
+                  <a:srgbClr val="0432FF"/>
+                </a:solidFill>
+                <a:latin typeface="Courier New" panose="02070309020205020404" pitchFamily="49" charset="0"/>
+              </a:rPr>
+              <a:t>ld</a:t>
+            </a:r>
+            <a:r>
+              <a:rPr lang="zh-CN" altLang="en-US" sz="1600" b="1" dirty="0">
+                <a:solidFill>
+                  <a:srgbClr val="0432FF"/>
+                </a:solidFill>
+                <a:latin typeface="Courier New" panose="02070309020205020404" pitchFamily="49" charset="0"/>
+              </a:rPr>
+              <a:t> </a:t>
+            </a:r>
+            <a:r>
+              <a:rPr lang="en-US" altLang="zh-CN" sz="1600" b="1" dirty="0">
+                <a:solidFill>
+                  <a:srgbClr val="0432FF"/>
+                </a:solidFill>
+                <a:latin typeface="Courier New" panose="02070309020205020404" pitchFamily="49" charset="0"/>
+              </a:rPr>
+              <a:t>r6, [bp, -24]</a:t>
+            </a:r>
+          </a:p>
+          <a:p>
+            <a:pPr eaLnBrk="1" hangingPunct="1">
+              <a:spcBef>
+                <a:spcPct val="20000"/>
+              </a:spcBef>
+              <a:buClr>
+                <a:schemeClr val="folHlink"/>
+              </a:buClr>
+              <a:buSzPct val="60000"/>
+              <a:buFont typeface="Wingdings" pitchFamily="2" charset="0"/>
+              <a:buNone/>
+            </a:pPr>
+            <a:r>
+              <a:rPr lang="en-US" altLang="zh-CN" sz="1600" b="1" dirty="0">
+                <a:solidFill>
+                  <a:srgbClr val="0432FF"/>
+                </a:solidFill>
+                <a:latin typeface="Courier New" panose="02070309020205020404" pitchFamily="49" charset="0"/>
+              </a:rPr>
+              <a:t>  mov r0, r6</a:t>
+            </a:r>
+          </a:p>
+          <a:p>
+            <a:pPr eaLnBrk="1" hangingPunct="1">
+              <a:spcBef>
+                <a:spcPct val="20000"/>
+              </a:spcBef>
+              <a:buClr>
+                <a:schemeClr val="folHlink"/>
+              </a:buClr>
+              <a:buSzPct val="60000"/>
+              <a:buFont typeface="Wingdings" pitchFamily="2" charset="0"/>
+              <a:buNone/>
+            </a:pPr>
+            <a:r>
+              <a:rPr lang="en-US" altLang="zh-CN" sz="1600" b="1" dirty="0">
+                <a:solidFill>
+                  <a:srgbClr val="0432FF"/>
+                </a:solidFill>
+                <a:latin typeface="Courier New" panose="02070309020205020404" pitchFamily="49" charset="0"/>
+              </a:rPr>
+              <a:t>  ret</a:t>
             </a:r>
           </a:p>
         </p:txBody>
@@ -11692,13 +12835,31 @@
               <a:buNone/>
             </a:pPr>
             <a:r>
-              <a:rPr lang="en-US" altLang="zh-CN" sz="2000" b="1">
+              <a:rPr lang="en-US" altLang="zh-CN" sz="2000" b="1" dirty="0">
                 <a:solidFill>
                   <a:srgbClr val="3333CC"/>
                 </a:solidFill>
                 <a:latin typeface="Courier New" panose="02070309020205020404" pitchFamily="49" charset="0"/>
               </a:rPr>
-              <a:t>void topDownAlloc(p){</a:t>
+              <a:t>void </a:t>
+            </a:r>
+            <a:r>
+              <a:rPr lang="en-US" altLang="zh-CN" sz="2000" b="1" dirty="0" err="1">
+                <a:solidFill>
+                  <a:srgbClr val="3333CC"/>
+                </a:solidFill>
+                <a:latin typeface="Courier New" panose="02070309020205020404" pitchFamily="49" charset="0"/>
+              </a:rPr>
+              <a:t>topDownAlloc</a:t>
+            </a:r>
+            <a:r>
+              <a:rPr lang="en-US" altLang="zh-CN" sz="2000" b="1" dirty="0">
+                <a:solidFill>
+                  <a:srgbClr val="3333CC"/>
+                </a:solidFill>
+                <a:latin typeface="Courier New" panose="02070309020205020404" pitchFamily="49" charset="0"/>
+              </a:rPr>
+              <a:t>(p){</a:t>
             </a:r>
           </a:p>
           <a:p>
@@ -11714,10 +12875,10 @@
               <a:buNone/>
             </a:pPr>
             <a:r>
-              <a:rPr lang="en-US" altLang="zh-CN" sz="2000" b="1">
-                <a:latin typeface="Courier New" panose="02070309020205020404" pitchFamily="49" charset="0"/>
-              </a:rPr>
-              <a:t>  // Step #1: allocation, N-F vars in phisical regs</a:t>
+              <a:rPr lang="en-US" altLang="zh-CN" sz="2000" b="1" dirty="0">
+                <a:latin typeface="Courier New" panose="02070309020205020404" pitchFamily="49" charset="0"/>
+              </a:rPr>
+              <a:t>  // Step #1: allocation, N-E-F physical regs</a:t>
             </a:r>
           </a:p>
           <a:p>
@@ -11733,13 +12894,31 @@
               <a:buNone/>
             </a:pPr>
             <a:r>
-              <a:rPr lang="en-US" altLang="zh-CN" sz="2000" b="1">
+              <a:rPr lang="en-US" altLang="zh-CN" sz="2000" b="1" dirty="0">
                 <a:solidFill>
                   <a:srgbClr val="3333CC"/>
                 </a:solidFill>
                 <a:latin typeface="Courier New" panose="02070309020205020404" pitchFamily="49" charset="0"/>
               </a:rPr>
-              <a:t>  reserve_regs(F);</a:t>
+              <a:t>  </a:t>
+            </a:r>
+            <a:r>
+              <a:rPr lang="en-US" altLang="zh-CN" sz="2000" b="1" dirty="0" err="1">
+                <a:solidFill>
+                  <a:srgbClr val="3333CC"/>
+                </a:solidFill>
+                <a:latin typeface="Courier New" panose="02070309020205020404" pitchFamily="49" charset="0"/>
+              </a:rPr>
+              <a:t>reserveRegs</a:t>
+            </a:r>
+            <a:r>
+              <a:rPr lang="en-US" altLang="zh-CN" sz="2000" b="1" dirty="0">
+                <a:solidFill>
+                  <a:srgbClr val="3333CC"/>
+                </a:solidFill>
+                <a:latin typeface="Courier New" panose="02070309020205020404" pitchFamily="49" charset="0"/>
+              </a:rPr>
+              <a:t>(F);</a:t>
             </a:r>
           </a:p>
           <a:p>
@@ -11755,14 +12934,95 @@
               <a:buNone/>
             </a:pPr>
             <a:r>
-              <a:rPr lang="en-US" altLang="zh-CN" sz="2000" b="1">
+              <a:rPr lang="en-US" altLang="zh-CN" sz="2000" b="1" dirty="0">
                 <a:solidFill>
                   <a:srgbClr val="3333CC"/>
                 </a:solidFill>
                 <a:latin typeface="Courier New" panose="02070309020205020404" pitchFamily="49" charset="0"/>
               </a:rPr>
-              <a:t>  for(x from the selected N-F vars in p){</a:t>
-            </a:r>
+              <a:t>  foreach(x from the</a:t>
+            </a:r>
+            <a:r>
+              <a:rPr lang="zh-CN" altLang="en-US" sz="2000" b="1" dirty="0">
+                <a:solidFill>
+                  <a:srgbClr val="3333CC"/>
+                </a:solidFill>
+                <a:latin typeface="Courier New" panose="02070309020205020404" pitchFamily="49" charset="0"/>
+              </a:rPr>
+              <a:t> </a:t>
+            </a:r>
+            <a:r>
+              <a:rPr lang="en-US" altLang="zh-CN" sz="2000" b="1" dirty="0">
+                <a:solidFill>
+                  <a:srgbClr val="3333CC"/>
+                </a:solidFill>
+                <a:latin typeface="Courier New" panose="02070309020205020404" pitchFamily="49" charset="0"/>
+              </a:rPr>
+              <a:t>program</a:t>
+            </a:r>
+            <a:r>
+              <a:rPr lang="zh-CN" altLang="en-US" sz="2000" b="1" dirty="0">
+                <a:solidFill>
+                  <a:srgbClr val="3333CC"/>
+                </a:solidFill>
+                <a:latin typeface="Courier New" panose="02070309020205020404" pitchFamily="49" charset="0"/>
+              </a:rPr>
+              <a:t> </a:t>
+            </a:r>
+            <a:r>
+              <a:rPr lang="en-US" altLang="zh-CN" sz="2000" b="1" dirty="0">
+                <a:solidFill>
+                  <a:srgbClr val="3333CC"/>
+                </a:solidFill>
+                <a:latin typeface="Courier New" panose="02070309020205020404" pitchFamily="49" charset="0"/>
+              </a:rPr>
+              <a:t>p)</a:t>
+            </a:r>
+            <a:r>
+              <a:rPr lang="zh-CN" altLang="en-US" sz="2000" b="1" dirty="0">
+                <a:solidFill>
+                  <a:srgbClr val="3333CC"/>
+                </a:solidFill>
+                <a:latin typeface="Courier New" panose="02070309020205020404" pitchFamily="49" charset="0"/>
+              </a:rPr>
+              <a:t> </a:t>
+            </a:r>
+            <a:r>
+              <a:rPr lang="en-US" altLang="zh-CN" sz="2000" b="1" dirty="0">
+                <a:latin typeface="Courier New" panose="02070309020205020404" pitchFamily="49" charset="0"/>
+              </a:rPr>
+              <a:t>// allocate</a:t>
+            </a:r>
+            <a:r>
+              <a:rPr lang="zh-CN" altLang="en-US" sz="2000" b="1" dirty="0">
+                <a:latin typeface="Courier New" panose="02070309020205020404" pitchFamily="49" charset="0"/>
+              </a:rPr>
+              <a:t> </a:t>
+            </a:r>
+            <a:r>
+              <a:rPr lang="en-US" altLang="zh-CN" sz="2000" b="1" dirty="0">
+                <a:latin typeface="Courier New" panose="02070309020205020404" pitchFamily="49" charset="0"/>
+              </a:rPr>
+              <a:t>N-E-F</a:t>
+            </a:r>
+            <a:r>
+              <a:rPr lang="zh-CN" altLang="en-US" sz="2000" b="1" dirty="0">
+                <a:latin typeface="Courier New" panose="02070309020205020404" pitchFamily="49" charset="0"/>
+              </a:rPr>
+              <a:t> </a:t>
+            </a:r>
+            <a:r>
+              <a:rPr lang="en-US" altLang="zh-CN" sz="2000" b="1" dirty="0">
+                <a:latin typeface="Courier New" panose="02070309020205020404" pitchFamily="49" charset="0"/>
+              </a:rPr>
+              <a:t>vars </a:t>
+            </a:r>
+            <a:endParaRPr lang="en-US" altLang="zh-CN" sz="2000" b="1" dirty="0">
+              <a:solidFill>
+                <a:srgbClr val="3333CC"/>
+              </a:solidFill>
+              <a:latin typeface="Courier New" panose="02070309020205020404" pitchFamily="49" charset="0"/>
+            </a:endParaRPr>
           </a:p>
           <a:p>
             <a:pPr eaLnBrk="1" hangingPunct="1">
@@ -11777,13 +13037,49 @@
               <a:buNone/>
             </a:pPr>
             <a:r>
-              <a:rPr lang="en-US" altLang="zh-CN" sz="2000" b="1">
+              <a:rPr lang="en-US" altLang="zh-CN" sz="2000" b="1" dirty="0">
                 <a:solidFill>
                   <a:srgbClr val="3333CC"/>
                 </a:solidFill>
                 <a:latin typeface="Courier New" panose="02070309020205020404" pitchFamily="49" charset="0"/>
               </a:rPr>
-              <a:t>    tempMap = alloc_reg(x);</a:t>
+              <a:t>    </a:t>
+            </a:r>
+            <a:r>
+              <a:rPr lang="en-US" altLang="zh-CN" sz="2000" b="1" dirty="0" err="1">
+                <a:solidFill>
+                  <a:srgbClr val="3333CC"/>
+                </a:solidFill>
+                <a:latin typeface="Courier New" panose="02070309020205020404" pitchFamily="49" charset="0"/>
+              </a:rPr>
+              <a:t>tempMap</a:t>
+            </a:r>
+            <a:r>
+              <a:rPr lang="en-US" altLang="zh-CN" sz="2000" b="1" dirty="0">
+                <a:solidFill>
+                  <a:srgbClr val="3333CC"/>
+                </a:solidFill>
+                <a:latin typeface="Courier New" panose="02070309020205020404" pitchFamily="49" charset="0"/>
+              </a:rPr>
+              <a:t> = </a:t>
+            </a:r>
+            <a:r>
+              <a:rPr lang="en-US" altLang="zh-CN" sz="2000" b="1" dirty="0" err="1">
+                <a:solidFill>
+                  <a:srgbClr val="3333CC"/>
+                </a:solidFill>
+                <a:latin typeface="Courier New" panose="02070309020205020404" pitchFamily="49" charset="0"/>
+              </a:rPr>
+              <a:t>allocReg</a:t>
+            </a:r>
+            <a:r>
+              <a:rPr lang="en-US" altLang="zh-CN" sz="2000" b="1" dirty="0">
+                <a:solidFill>
+                  <a:srgbClr val="3333CC"/>
+                </a:solidFill>
+                <a:latin typeface="Courier New" panose="02070309020205020404" pitchFamily="49" charset="0"/>
+              </a:rPr>
+              <a:t>(x);</a:t>
             </a:r>
           </a:p>
           <a:p>
@@ -11798,15 +13094,12 @@
               <a:buFont typeface="Wingdings" pitchFamily="2" charset="0"/>
               <a:buNone/>
             </a:pPr>
-            <a:r>
-              <a:rPr lang="en-US" altLang="zh-CN" sz="2000" b="1">
-                <a:solidFill>
-                  <a:srgbClr val="3333CC"/>
-                </a:solidFill>
-                <a:latin typeface="Courier New" panose="02070309020205020404" pitchFamily="49" charset="0"/>
-              </a:rPr>
-              <a:t>  }</a:t>
-            </a:r>
+            <a:endParaRPr lang="en-US" altLang="zh-CN" sz="2000" b="1" dirty="0">
+              <a:solidFill>
+                <a:srgbClr val="3333CC"/>
+              </a:solidFill>
+              <a:latin typeface="Courier New" panose="02070309020205020404" pitchFamily="49" charset="0"/>
+            </a:endParaRPr>
           </a:p>
           <a:p>
             <a:pPr eaLnBrk="1" hangingPunct="1">
@@ -11821,14 +13114,38 @@
               <a:buNone/>
             </a:pPr>
             <a:r>
-              <a:rPr lang="en-US" altLang="zh-CN" sz="2000" b="1">
+              <a:rPr lang="en-US" altLang="zh-CN" sz="2000" b="1" dirty="0">
                 <a:solidFill>
                   <a:srgbClr val="3333CC"/>
                 </a:solidFill>
                 <a:latin typeface="Courier New" panose="02070309020205020404" pitchFamily="49" charset="0"/>
               </a:rPr>
-              <a:t>  for(x from remaining V-(N-F) vars in p)</a:t>
-            </a:r>
+              <a:t>  for(x from remaining V-(N-E-F) vars in p)</a:t>
+            </a:r>
+            <a:r>
+              <a:rPr lang="en-US" altLang="zh-CN" sz="2000" b="1" dirty="0">
+                <a:latin typeface="Courier New" panose="02070309020205020404" pitchFamily="49" charset="0"/>
+              </a:rPr>
+              <a:t> //</a:t>
+            </a:r>
+            <a:r>
+              <a:rPr lang="zh-CN" altLang="en-US" sz="2000" b="1" dirty="0">
+                <a:latin typeface="Courier New" panose="02070309020205020404" pitchFamily="49" charset="0"/>
+              </a:rPr>
+              <a:t> </a:t>
+            </a:r>
+            <a:r>
+              <a:rPr lang="en-US" altLang="zh-CN" sz="2000" b="1" dirty="0">
+                <a:latin typeface="Courier New" panose="02070309020205020404" pitchFamily="49" charset="0"/>
+              </a:rPr>
+              <a:t>remaining</a:t>
+            </a:r>
+            <a:endParaRPr lang="en-US" altLang="zh-CN" sz="2000" b="1" dirty="0">
+              <a:solidFill>
+                <a:srgbClr val="3333CC"/>
+              </a:solidFill>
+              <a:latin typeface="Courier New" panose="02070309020205020404" pitchFamily="49" charset="0"/>
+            </a:endParaRPr>
           </a:p>
           <a:p>
             <a:pPr eaLnBrk="1" hangingPunct="1">
@@ -11843,13 +13160,49 @@
               <a:buNone/>
             </a:pPr>
             <a:r>
-              <a:rPr lang="en-US" altLang="zh-CN" sz="2000" b="1">
+              <a:rPr lang="en-US" altLang="zh-CN" sz="2000" b="1" dirty="0">
                 <a:solidFill>
                   <a:srgbClr val="3333CC"/>
                 </a:solidFill>
                 <a:latin typeface="Courier New" panose="02070309020205020404" pitchFamily="49" charset="0"/>
               </a:rPr>
-              <a:t>    tempMap += alloc_stackSlot(x);</a:t>
+              <a:t>    </a:t>
+            </a:r>
+            <a:r>
+              <a:rPr lang="en-US" altLang="zh-CN" sz="2000" b="1" dirty="0" err="1">
+                <a:solidFill>
+                  <a:srgbClr val="3333CC"/>
+                </a:solidFill>
+                <a:latin typeface="Courier New" panose="02070309020205020404" pitchFamily="49" charset="0"/>
+              </a:rPr>
+              <a:t>tempMap</a:t>
+            </a:r>
+            <a:r>
+              <a:rPr lang="en-US" altLang="zh-CN" sz="2000" b="1" dirty="0">
+                <a:solidFill>
+                  <a:srgbClr val="3333CC"/>
+                </a:solidFill>
+                <a:latin typeface="Courier New" panose="02070309020205020404" pitchFamily="49" charset="0"/>
+              </a:rPr>
+              <a:t> += </a:t>
+            </a:r>
+            <a:r>
+              <a:rPr lang="en-US" altLang="zh-CN" sz="2000" b="1" dirty="0" err="1">
+                <a:solidFill>
+                  <a:srgbClr val="3333CC"/>
+                </a:solidFill>
+                <a:latin typeface="Courier New" panose="02070309020205020404" pitchFamily="49" charset="0"/>
+              </a:rPr>
+              <a:t>allocStackSlot</a:t>
+            </a:r>
+            <a:r>
+              <a:rPr lang="en-US" altLang="zh-CN" sz="2000" b="1" dirty="0">
+                <a:solidFill>
+                  <a:srgbClr val="3333CC"/>
+                </a:solidFill>
+                <a:latin typeface="Courier New" panose="02070309020205020404" pitchFamily="49" charset="0"/>
+              </a:rPr>
+              <a:t>(x);</a:t>
             </a:r>
           </a:p>
           <a:p>
@@ -11864,7 +13217,7 @@
               <a:buFont typeface="Wingdings" pitchFamily="2" charset="0"/>
               <a:buNone/>
             </a:pPr>
-            <a:endParaRPr lang="en-US" altLang="zh-CN" sz="2000" b="1">
+            <a:endParaRPr lang="en-US" altLang="zh-CN" sz="2000" b="1" dirty="0">
               <a:solidFill>
                 <a:srgbClr val="3333CC"/>
               </a:solidFill>
@@ -11884,7 +13237,7 @@
               <a:buNone/>
             </a:pPr>
             <a:r>
-              <a:rPr lang="en-US" altLang="zh-CN" sz="2000" b="1">
+              <a:rPr lang="en-US" altLang="zh-CN" sz="2000" b="1" dirty="0">
                 <a:latin typeface="Courier New" panose="02070309020205020404" pitchFamily="49" charset="0"/>
               </a:rPr>
               <a:t>  // Step #2: rewriting</a:t>
@@ -11903,13 +13256,13 @@
               <a:buNone/>
             </a:pPr>
             <a:r>
-              <a:rPr lang="en-US" altLang="zh-CN" sz="2000" b="1">
+              <a:rPr lang="en-US" altLang="zh-CN" sz="2000" b="1" dirty="0">
                 <a:solidFill>
                   <a:srgbClr val="3333CC"/>
                 </a:solidFill>
                 <a:latin typeface="Courier New" panose="02070309020205020404" pitchFamily="49" charset="0"/>
               </a:rPr>
-              <a:t>  for(each instruction i in p)</a:t>
+              <a:t>  foreach(statement s in p)</a:t>
             </a:r>
           </a:p>
           <a:p>
@@ -11925,13 +13278,31 @@
               <a:buNone/>
             </a:pPr>
             <a:r>
-              <a:rPr lang="en-US" altLang="zh-CN" sz="2000" b="1">
+              <a:rPr lang="en-US" altLang="zh-CN" sz="2000" b="1" dirty="0">
                 <a:solidFill>
                   <a:srgbClr val="3333CC"/>
                 </a:solidFill>
                 <a:latin typeface="Courier New" panose="02070309020205020404" pitchFamily="49" charset="0"/>
               </a:rPr>
-              <a:t>    rewrite(tempMap, i);</a:t>
+              <a:t>    rewrite(</a:t>
+            </a:r>
+            <a:r>
+              <a:rPr lang="en-US" altLang="zh-CN" sz="2000" b="1" dirty="0" err="1">
+                <a:solidFill>
+                  <a:srgbClr val="3333CC"/>
+                </a:solidFill>
+                <a:latin typeface="Courier New" panose="02070309020205020404" pitchFamily="49" charset="0"/>
+              </a:rPr>
+              <a:t>tempMap</a:t>
+            </a:r>
+            <a:r>
+              <a:rPr lang="en-US" altLang="zh-CN" sz="2000" b="1" dirty="0">
+                <a:solidFill>
+                  <a:srgbClr val="3333CC"/>
+                </a:solidFill>
+                <a:latin typeface="Courier New" panose="02070309020205020404" pitchFamily="49" charset="0"/>
+              </a:rPr>
+              <a:t>, s);</a:t>
             </a:r>
           </a:p>
           <a:p>
@@ -11947,7 +13318,7 @@
               <a:buNone/>
             </a:pPr>
             <a:r>
-              <a:rPr lang="en-US" altLang="zh-CN" sz="2000" b="1">
+              <a:rPr lang="en-US" altLang="zh-CN" sz="2000" b="1" dirty="0">
                 <a:solidFill>
                   <a:srgbClr val="3333CC"/>
                 </a:solidFill>
@@ -15556,62 +16927,62 @@
           <a:lstStyle/>
           <a:p>
             <a:r>
-              <a:rPr lang="en-US" altLang="zh-CN"/>
-              <a:t>Better than lazy allocation</a:t>
+              <a:rPr lang="en-US" altLang="zh-CN" dirty="0"/>
+              <a:t>Better than stack allocation</a:t>
             </a:r>
           </a:p>
           <a:p>
             <a:pPr lvl="1"/>
             <a:r>
-              <a:rPr lang="en-US" altLang="zh-CN"/>
+              <a:rPr lang="en-US" altLang="zh-CN" dirty="0"/>
               <a:t>we used </a:t>
             </a:r>
             <a:r>
-              <a:rPr lang="en-US" altLang="zh-CN" i="1">
-                <a:solidFill>
-                  <a:srgbClr val="3333CC"/>
-                </a:solidFill>
-              </a:rPr>
-              <a:t>N-F</a:t>
-            </a:r>
-            <a:r>
-              <a:rPr lang="en-US" altLang="zh-CN"/>
-              <a:t> phisical regs</a:t>
-            </a:r>
-          </a:p>
-          <a:p>
-            <a:r>
-              <a:rPr lang="en-US" altLang="zh-CN"/>
+              <a:rPr lang="en-US" altLang="zh-CN" i="1" dirty="0">
+                <a:solidFill>
+                  <a:srgbClr val="0432FF"/>
+                </a:solidFill>
+              </a:rPr>
+              <a:t>N-E-F</a:t>
+            </a:r>
+            <a:r>
+              <a:rPr lang="en-US" altLang="zh-CN" dirty="0"/>
+              <a:t> physical regs</a:t>
+            </a:r>
+          </a:p>
+          <a:p>
+            <a:r>
+              <a:rPr lang="en-US" altLang="zh-CN" dirty="0"/>
               <a:t>Some heuristics to decide which vars should go into regs</a:t>
             </a:r>
           </a:p>
           <a:p>
             <a:pPr lvl="1"/>
             <a:r>
-              <a:rPr lang="en-US" altLang="zh-CN">
-                <a:solidFill>
-                  <a:srgbClr val="3333CC"/>
+              <a:rPr lang="en-US" altLang="zh-CN" dirty="0">
+                <a:solidFill>
+                  <a:srgbClr val="0432FF"/>
                 </a:solidFill>
               </a:rPr>
               <a:t>priority-based</a:t>
             </a:r>
             <a:r>
-              <a:rPr lang="en-US" altLang="zh-CN"/>
+              <a:rPr lang="en-US" altLang="zh-CN" dirty="0"/>
               <a:t>: the number of def-uses of a var</a:t>
             </a:r>
           </a:p>
           <a:p>
             <a:pPr lvl="1"/>
             <a:r>
-              <a:rPr lang="en-US" altLang="zh-CN">
-                <a:solidFill>
-                  <a:srgbClr val="3333CC"/>
+              <a:rPr lang="en-US" altLang="zh-CN" dirty="0">
+                <a:solidFill>
+                  <a:srgbClr val="0432FF"/>
                 </a:solidFill>
               </a:rPr>
               <a:t>position-based</a:t>
             </a:r>
             <a:r>
-              <a:rPr lang="en-US" altLang="zh-CN"/>
+              <a:rPr lang="en-US" altLang="zh-CN" dirty="0"/>
               <a:t>: vars used in loops, etc..</a:t>
             </a:r>
           </a:p>
@@ -15620,7 +16991,7 @@
               <a:buFont typeface="Wingdings" pitchFamily="2" charset="0"/>
               <a:buNone/>
             </a:pPr>
-            <a:endParaRPr lang="zh-CN" altLang="en-US"/>
+            <a:endParaRPr lang="zh-CN" altLang="en-US" dirty="0"/>
           </a:p>
         </p:txBody>
       </p:sp>
@@ -15947,10 +17318,10 @@
               <a:buNone/>
             </a:pPr>
             <a:r>
-              <a:rPr lang="en-US" altLang="zh-CN" sz="2000" b="1">
-                <a:latin typeface="Courier New" panose="02070309020205020404" pitchFamily="49" charset="0"/>
-              </a:rPr>
-              <a:t>// Suppose we have</a:t>
+              <a:rPr lang="en-US" altLang="zh-CN" sz="2000" b="1" dirty="0">
+                <a:latin typeface="Courier New" panose="02070309020205020404" pitchFamily="49" charset="0"/>
+              </a:rPr>
+              <a:t>// 8 physical regs: </a:t>
             </a:r>
           </a:p>
           <a:p>
@@ -15966,11 +17337,32 @@
               <a:buNone/>
             </a:pPr>
             <a:r>
-              <a:rPr lang="en-US" altLang="zh-CN" sz="2000" b="1">
-                <a:latin typeface="Courier New" panose="02070309020205020404" pitchFamily="49" charset="0"/>
-              </a:rPr>
-              <a:t>// 3 physical regs: </a:t>
-            </a:r>
+              <a:rPr lang="en-US" altLang="zh-CN" sz="2000" b="1" dirty="0">
+                <a:latin typeface="Courier New" panose="02070309020205020404" pitchFamily="49" charset="0"/>
+              </a:rPr>
+              <a:t>// r0-r7.</a:t>
+            </a:r>
+            <a:r>
+              <a:rPr lang="zh-CN" altLang="en-US" sz="2000" b="1" dirty="0">
+                <a:latin typeface="Courier New" panose="02070309020205020404" pitchFamily="49" charset="0"/>
+              </a:rPr>
+              <a:t> </a:t>
+            </a:r>
+            <a:r>
+              <a:rPr lang="en-US" altLang="zh-CN" sz="2000" b="1" dirty="0">
+                <a:latin typeface="Courier New" panose="02070309020205020404" pitchFamily="49" charset="0"/>
+              </a:rPr>
+              <a:t>r5-r7</a:t>
+            </a:r>
+            <a:r>
+              <a:rPr lang="zh-CN" altLang="en-US" sz="2000" b="1" dirty="0">
+                <a:latin typeface="Courier New" panose="02070309020205020404" pitchFamily="49" charset="0"/>
+              </a:rPr>
+              <a:t> </a:t>
+            </a:r>
+            <a:endParaRPr lang="en-US" altLang="zh-CN" sz="2000" b="1" dirty="0">
+              <a:latin typeface="Courier New" panose="02070309020205020404" pitchFamily="49" charset="0"/>
+            </a:endParaRPr>
           </a:p>
           <a:p>
             <a:pPr eaLnBrk="1" hangingPunct="1">
@@ -15985,10 +17377,22 @@
               <a:buNone/>
             </a:pPr>
             <a:r>
-              <a:rPr lang="en-US" altLang="zh-CN" sz="2000" b="1">
-                <a:latin typeface="Courier New" panose="02070309020205020404" pitchFamily="49" charset="0"/>
-              </a:rPr>
-              <a:t>// r0-r2.</a:t>
+              <a:rPr lang="en-US" altLang="zh-CN" sz="2000" b="1" dirty="0">
+                <a:latin typeface="Courier New" panose="02070309020205020404" pitchFamily="49" charset="0"/>
+              </a:rPr>
+              <a:t>//</a:t>
+            </a:r>
+            <a:r>
+              <a:rPr lang="zh-CN" altLang="en-US" sz="2000" b="1" dirty="0">
+                <a:latin typeface="Courier New" panose="02070309020205020404" pitchFamily="49" charset="0"/>
+              </a:rPr>
+              <a:t> </a:t>
+            </a:r>
+            <a:r>
+              <a:rPr lang="en-US" altLang="zh-CN" sz="2000" b="1" dirty="0">
+                <a:latin typeface="Courier New" panose="02070309020205020404" pitchFamily="49" charset="0"/>
+              </a:rPr>
+              <a:t>allocatable</a:t>
             </a:r>
           </a:p>
           <a:p>
@@ -16004,7 +17408,7 @@
               <a:buNone/>
             </a:pPr>
             <a:r>
-              <a:rPr lang="en-US" altLang="zh-CN" sz="2000" b="1">
+              <a:rPr lang="en-US" altLang="zh-CN" sz="2000" b="1" dirty="0">
                 <a:solidFill>
                   <a:schemeClr val="folHlink"/>
                 </a:solidFill>
@@ -16026,7 +17430,7 @@
               <a:buNone/>
             </a:pPr>
             <a:r>
-              <a:rPr lang="en-US" altLang="zh-CN" sz="2000" b="1">
+              <a:rPr lang="en-US" altLang="zh-CN" sz="2000" b="1" dirty="0">
                 <a:solidFill>
                   <a:schemeClr val="folHlink"/>
                 </a:solidFill>
@@ -16035,7 +17439,7 @@
               <a:t>  mov </a:t>
             </a:r>
             <a:r>
-              <a:rPr lang="en-US" altLang="zh-CN" sz="2000" b="1">
+              <a:rPr lang="en-US" altLang="zh-CN" sz="2000" b="1" dirty="0">
                 <a:solidFill>
                   <a:srgbClr val="FF0000"/>
                 </a:solidFill>
@@ -16044,7 +17448,7 @@
               <a:t>x1</a:t>
             </a:r>
             <a:r>
-              <a:rPr lang="en-US" altLang="zh-CN" sz="2000" b="1">
+              <a:rPr lang="en-US" altLang="zh-CN" sz="2000" b="1" dirty="0">
                 <a:solidFill>
                   <a:schemeClr val="folHlink"/>
                 </a:solidFill>
@@ -16066,7 +17470,7 @@
               <a:buNone/>
             </a:pPr>
             <a:r>
-              <a:rPr lang="en-US" altLang="zh-CN" sz="2000" b="1">
+              <a:rPr lang="en-US" altLang="zh-CN" sz="2000" b="1" dirty="0">
                 <a:solidFill>
                   <a:schemeClr val="folHlink"/>
                 </a:solidFill>
@@ -16075,7 +17479,7 @@
               <a:t>  mov </a:t>
             </a:r>
             <a:r>
-              <a:rPr lang="en-US" altLang="zh-CN" sz="2000" b="1">
+              <a:rPr lang="en-US" altLang="zh-CN" sz="2000" b="1" dirty="0">
                 <a:solidFill>
                   <a:srgbClr val="FF0000"/>
                 </a:solidFill>
@@ -16084,7 +17488,7 @@
               <a:t>x2</a:t>
             </a:r>
             <a:r>
-              <a:rPr lang="en-US" altLang="zh-CN" sz="2000" b="1">
+              <a:rPr lang="en-US" altLang="zh-CN" sz="2000" b="1" dirty="0">
                 <a:solidFill>
                   <a:schemeClr val="folHlink"/>
                 </a:solidFill>
@@ -16106,16 +17510,34 @@
               <a:buNone/>
             </a:pPr>
             <a:r>
-              <a:rPr lang="en-US" altLang="zh-CN" sz="2000" b="1">
+              <a:rPr lang="en-US" altLang="zh-CN" sz="2000" b="1" dirty="0">
                 <a:solidFill>
                   <a:schemeClr val="folHlink"/>
                 </a:solidFill>
                 <a:latin typeface="Courier New" panose="02070309020205020404" pitchFamily="49" charset="0"/>
               </a:rPr>
-              <a:t>  ld  </a:t>
-            </a:r>
-            <a:r>
-              <a:rPr lang="en-US" altLang="zh-CN" sz="2000" b="1">
+              <a:t>  </a:t>
+            </a:r>
+            <a:r>
+              <a:rPr lang="en-US" altLang="zh-CN" sz="2000" b="1" dirty="0" err="1">
+                <a:solidFill>
+                  <a:schemeClr val="folHlink"/>
+                </a:solidFill>
+                <a:latin typeface="Courier New" panose="02070309020205020404" pitchFamily="49" charset="0"/>
+              </a:rPr>
+              <a:t>ld</a:t>
+            </a:r>
+            <a:r>
+              <a:rPr lang="en-US" altLang="zh-CN" sz="2000" b="1" dirty="0">
+                <a:solidFill>
+                  <a:schemeClr val="folHlink"/>
+                </a:solidFill>
+                <a:latin typeface="Courier New" panose="02070309020205020404" pitchFamily="49" charset="0"/>
+              </a:rPr>
+              <a:t>  </a:t>
+            </a:r>
+            <a:r>
+              <a:rPr lang="en-US" altLang="zh-CN" sz="2000" b="1" dirty="0">
                 <a:solidFill>
                   <a:srgbClr val="FF0000"/>
                 </a:solidFill>
@@ -16124,7 +17546,7 @@
               <a:t>x5</a:t>
             </a:r>
             <a:r>
-              <a:rPr lang="en-US" altLang="zh-CN" sz="2000" b="1">
+              <a:rPr lang="en-US" altLang="zh-CN" sz="2000" b="1" dirty="0">
                 <a:solidFill>
                   <a:schemeClr val="folHlink"/>
                 </a:solidFill>
@@ -16133,7 +17555,7 @@
               <a:t>, [bp, </a:t>
             </a:r>
             <a:r>
-              <a:rPr lang="en-US" altLang="zh-CN" sz="2000" b="1">
+              <a:rPr lang="en-US" altLang="zh-CN" sz="2000" b="1" dirty="0">
                 <a:solidFill>
                   <a:srgbClr val="3333CC"/>
                 </a:solidFill>
@@ -16142,7 +17564,7 @@
               <a:t>8</a:t>
             </a:r>
             <a:r>
-              <a:rPr lang="en-US" altLang="zh-CN" sz="2000" b="1">
+              <a:rPr lang="en-US" altLang="zh-CN" sz="2000" b="1" dirty="0">
                 <a:solidFill>
                   <a:schemeClr val="folHlink"/>
                 </a:solidFill>
@@ -16164,16 +17586,34 @@
               <a:buNone/>
             </a:pPr>
             <a:r>
-              <a:rPr lang="en-US" altLang="zh-CN" sz="2000" b="1">
+              <a:rPr lang="en-US" altLang="zh-CN" sz="2000" b="1" dirty="0">
                 <a:solidFill>
                   <a:schemeClr val="folHlink"/>
                 </a:solidFill>
                 <a:latin typeface="Courier New" panose="02070309020205020404" pitchFamily="49" charset="0"/>
               </a:rPr>
-              <a:t>  ld  </a:t>
-            </a:r>
-            <a:r>
-              <a:rPr lang="en-US" altLang="zh-CN" sz="2000" b="1">
+              <a:t>  </a:t>
+            </a:r>
+            <a:r>
+              <a:rPr lang="en-US" altLang="zh-CN" sz="2000" b="1" dirty="0" err="1">
+                <a:solidFill>
+                  <a:schemeClr val="folHlink"/>
+                </a:solidFill>
+                <a:latin typeface="Courier New" panose="02070309020205020404" pitchFamily="49" charset="0"/>
+              </a:rPr>
+              <a:t>ld</a:t>
+            </a:r>
+            <a:r>
+              <a:rPr lang="en-US" altLang="zh-CN" sz="2000" b="1" dirty="0">
+                <a:solidFill>
+                  <a:schemeClr val="folHlink"/>
+                </a:solidFill>
+                <a:latin typeface="Courier New" panose="02070309020205020404" pitchFamily="49" charset="0"/>
+              </a:rPr>
+              <a:t>  </a:t>
+            </a:r>
+            <a:r>
+              <a:rPr lang="en-US" altLang="zh-CN" sz="2000" b="1" dirty="0">
                 <a:solidFill>
                   <a:srgbClr val="FF0000"/>
                 </a:solidFill>
@@ -16182,7 +17622,7 @@
               <a:t>x6</a:t>
             </a:r>
             <a:r>
-              <a:rPr lang="en-US" altLang="zh-CN" sz="2000" b="1">
+              <a:rPr lang="en-US" altLang="zh-CN" sz="2000" b="1" dirty="0">
                 <a:solidFill>
                   <a:schemeClr val="folHlink"/>
                 </a:solidFill>
@@ -16191,16 +17631,16 @@
               <a:t>, [bp, </a:t>
             </a:r>
             <a:r>
-              <a:rPr lang="en-US" altLang="zh-CN" sz="2000" b="1">
+              <a:rPr lang="en-US" altLang="zh-CN" sz="2000" b="1" dirty="0">
                 <a:solidFill>
                   <a:srgbClr val="3333CC"/>
                 </a:solidFill>
                 <a:latin typeface="Courier New" panose="02070309020205020404" pitchFamily="49" charset="0"/>
               </a:rPr>
-              <a:t>12</a:t>
-            </a:r>
-            <a:r>
-              <a:rPr lang="en-US" altLang="zh-CN" sz="2000" b="1">
+              <a:t>16</a:t>
+            </a:r>
+            <a:r>
+              <a:rPr lang="en-US" altLang="zh-CN" sz="2000" b="1" dirty="0">
                 <a:solidFill>
                   <a:schemeClr val="folHlink"/>
                 </a:solidFill>
@@ -16222,7 +17662,7 @@
               <a:buNone/>
             </a:pPr>
             <a:r>
-              <a:rPr lang="en-US" altLang="zh-CN" sz="2000" b="1">
+              <a:rPr lang="en-US" altLang="zh-CN" sz="2000" b="1" dirty="0">
                 <a:solidFill>
                   <a:schemeClr val="folHlink"/>
                 </a:solidFill>
@@ -16231,7 +17671,7 @@
               <a:t>  add </a:t>
             </a:r>
             <a:r>
-              <a:rPr lang="en-US" altLang="zh-CN" sz="2000" b="1">
+              <a:rPr lang="en-US" altLang="zh-CN" sz="2000" b="1" dirty="0">
                 <a:solidFill>
                   <a:srgbClr val="FF0000"/>
                 </a:solidFill>
@@ -16240,7 +17680,7 @@
               <a:t>x8</a:t>
             </a:r>
             <a:r>
-              <a:rPr lang="en-US" altLang="zh-CN" sz="2000" b="1">
+              <a:rPr lang="en-US" altLang="zh-CN" sz="2000" b="1" dirty="0">
                 <a:solidFill>
                   <a:schemeClr val="folHlink"/>
                 </a:solidFill>
@@ -16249,7 +17689,7 @@
               <a:t>, </a:t>
             </a:r>
             <a:r>
-              <a:rPr lang="en-US" altLang="zh-CN" sz="2000" b="1">
+              <a:rPr lang="en-US" altLang="zh-CN" sz="2000" b="1" dirty="0">
                 <a:solidFill>
                   <a:srgbClr val="FF0000"/>
                 </a:solidFill>
@@ -16258,7 +17698,7 @@
               <a:t>x1</a:t>
             </a:r>
             <a:r>
-              <a:rPr lang="en-US" altLang="zh-CN" sz="2000" b="1">
+              <a:rPr lang="en-US" altLang="zh-CN" sz="2000" b="1" dirty="0">
                 <a:solidFill>
                   <a:schemeClr val="folHlink"/>
                 </a:solidFill>
@@ -16267,7 +17707,7 @@
               <a:t>, </a:t>
             </a:r>
             <a:r>
-              <a:rPr lang="en-US" altLang="zh-CN" sz="2000" b="1">
+              <a:rPr lang="en-US" altLang="zh-CN" sz="2000" b="1" dirty="0">
                 <a:solidFill>
                   <a:srgbClr val="FF0000"/>
                 </a:solidFill>
@@ -16289,7 +17729,7 @@
               <a:buNone/>
             </a:pPr>
             <a:r>
-              <a:rPr lang="en-US" altLang="zh-CN" sz="2000" b="1">
+              <a:rPr lang="en-US" altLang="zh-CN" sz="2000" b="1" dirty="0">
                 <a:solidFill>
                   <a:schemeClr val="folHlink"/>
                 </a:solidFill>
@@ -16298,7 +17738,7 @@
               <a:t>  div </a:t>
             </a:r>
             <a:r>
-              <a:rPr lang="en-US" altLang="zh-CN" sz="2000" b="1">
+              <a:rPr lang="en-US" altLang="zh-CN" sz="2000" b="1" dirty="0">
                 <a:solidFill>
                   <a:srgbClr val="FF0000"/>
                 </a:solidFill>
@@ -16307,7 +17747,7 @@
               <a:t>x9</a:t>
             </a:r>
             <a:r>
-              <a:rPr lang="en-US" altLang="zh-CN" sz="2000" b="1">
+              <a:rPr lang="en-US" altLang="zh-CN" sz="2000" b="1" dirty="0">
                 <a:solidFill>
                   <a:schemeClr val="folHlink"/>
                 </a:solidFill>
@@ -16316,7 +17756,7 @@
               <a:t>, </a:t>
             </a:r>
             <a:r>
-              <a:rPr lang="en-US" altLang="zh-CN" sz="2000" b="1">
+              <a:rPr lang="en-US" altLang="zh-CN" sz="2000" b="1" dirty="0">
                 <a:solidFill>
                   <a:srgbClr val="FF0000"/>
                 </a:solidFill>
@@ -16325,7 +17765,7 @@
               <a:t>x5</a:t>
             </a:r>
             <a:r>
-              <a:rPr lang="en-US" altLang="zh-CN" sz="2000" b="1">
+              <a:rPr lang="en-US" altLang="zh-CN" sz="2000" b="1" dirty="0">
                 <a:solidFill>
                   <a:schemeClr val="folHlink"/>
                 </a:solidFill>
@@ -16334,7 +17774,7 @@
               <a:t>, </a:t>
             </a:r>
             <a:r>
-              <a:rPr lang="en-US" altLang="zh-CN" sz="2000" b="1">
+              <a:rPr lang="en-US" altLang="zh-CN" sz="2000" b="1" dirty="0">
                 <a:solidFill>
                   <a:srgbClr val="FF0000"/>
                 </a:solidFill>
@@ -16356,7 +17796,7 @@
               <a:buNone/>
             </a:pPr>
             <a:r>
-              <a:rPr lang="en-US" altLang="zh-CN" sz="2000" b="1">
+              <a:rPr lang="en-US" altLang="zh-CN" sz="2000" b="1" dirty="0">
                 <a:solidFill>
                   <a:schemeClr val="folHlink"/>
                 </a:solidFill>
@@ -16365,7 +17805,7 @@
               <a:t>  mov r0, </a:t>
             </a:r>
             <a:r>
-              <a:rPr lang="en-US" altLang="zh-CN" sz="2000" b="1">
+              <a:rPr lang="en-US" altLang="zh-CN" sz="2000" b="1" dirty="0">
                 <a:solidFill>
                   <a:srgbClr val="FF0000"/>
                 </a:solidFill>
@@ -16387,7 +17827,7 @@
               <a:buNone/>
             </a:pPr>
             <a:r>
-              <a:rPr lang="en-US" altLang="zh-CN" sz="2000" b="1">
+              <a:rPr lang="en-US" altLang="zh-CN" sz="2000" b="1" dirty="0">
                 <a:solidFill>
                   <a:schemeClr val="folHlink"/>
                 </a:solidFill>
@@ -16396,7 +17836,7 @@
               <a:t>  </a:t>
             </a:r>
             <a:r>
-              <a:rPr lang="en-US" altLang="zh-CN" sz="2000" b="1">
+              <a:rPr lang="en-US" altLang="zh-CN" sz="2000" b="1" dirty="0">
                 <a:solidFill>
                   <a:srgbClr val="3333CC"/>
                 </a:solidFill>
@@ -16419,7 +17859,13 @@
           <p:cNvGraphicFramePr>
             <a:graphicFrameLocks noGrp="1"/>
           </p:cNvGraphicFramePr>
-          <p:nvPr/>
+          <p:nvPr>
+            <p:extLst>
+              <p:ext uri="{D42A27DB-BD31-4B8C-83A1-F6EECF244321}">
+                <p14:modId xmlns:p14="http://schemas.microsoft.com/office/powerpoint/2010/main" val="3537075334"/>
+              </p:ext>
+            </p:extLst>
+          </p:nvPr>
         </p:nvGraphicFramePr>
         <p:xfrm>
           <a:off x="3581400" y="1981200"/>
@@ -16455,7 +17901,7 @@
                     <a:p>
                       <a:r>
                         <a:rPr lang="en-US" altLang="zh-CN" dirty="0"/>
-                        <a:t>V-reg</a:t>
+                        <a:t>Var</a:t>
                       </a:r>
                       <a:endParaRPr lang="zh-CN" altLang="en-US" dirty="0"/>
                     </a:p>
@@ -16469,7 +17915,7 @@
                     <a:p>
                       <a:r>
                         <a:rPr lang="en-US" altLang="zh-CN" dirty="0"/>
-                        <a:t>P-reg</a:t>
+                        <a:t>Reg</a:t>
                       </a:r>
                       <a:endParaRPr lang="zh-CN" altLang="en-US" dirty="0"/>
                     </a:p>
@@ -16991,8 +18437,8 @@
           <a:p>
             <a:pPr algn="ctr" eaLnBrk="1" hangingPunct="1"/>
             <a:r>
-              <a:rPr lang="en-US" altLang="zh-CN" sz="2000"/>
-              <a:t>r2</a:t>
+              <a:rPr lang="en-US" altLang="zh-CN" sz="2000" dirty="0"/>
+              <a:t>r5</a:t>
             </a:r>
           </a:p>
         </p:txBody>
@@ -17150,8 +18596,8 @@
           <a:p>
             <a:pPr algn="ctr" eaLnBrk="1" hangingPunct="1"/>
             <a:r>
-              <a:rPr lang="en-US" altLang="zh-CN" sz="2000"/>
-              <a:t>r1</a:t>
+              <a:rPr lang="en-US" altLang="zh-CN" sz="2000" dirty="0"/>
+              <a:t>r6</a:t>
             </a:r>
           </a:p>
         </p:txBody>
@@ -17356,8 +18802,8 @@
           <a:p>
             <a:pPr algn="ctr" eaLnBrk="1" hangingPunct="1"/>
             <a:r>
-              <a:rPr lang="en-US" altLang="zh-CN" sz="2000"/>
-              <a:t>r0</a:t>
+              <a:rPr lang="en-US" altLang="zh-CN" sz="2000" dirty="0"/>
+              <a:t>r7</a:t>
             </a:r>
           </a:p>
         </p:txBody>
@@ -17522,10 +18968,26 @@
           <a:p>
             <a:pPr eaLnBrk="1" hangingPunct="1"/>
             <a:r>
-              <a:rPr lang="en-US" altLang="zh-CN"/>
-              <a:t>Available phy. regs. in a stack.</a:t>
-            </a:r>
-            <a:endParaRPr lang="zh-CN" altLang="en-US"/>
+              <a:rPr lang="en-US" altLang="zh-CN" dirty="0"/>
+              <a:t>Available </a:t>
+            </a:r>
+            <a:r>
+              <a:rPr lang="en-US" altLang="zh-CN" dirty="0" err="1"/>
+              <a:t>phy</a:t>
+            </a:r>
+            <a:r>
+              <a:rPr lang="en-US" altLang="zh-CN" dirty="0"/>
+              <a:t>. regs.</a:t>
+            </a:r>
+            <a:r>
+              <a:rPr lang="zh-CN" altLang="en-US" dirty="0"/>
+              <a:t> </a:t>
+            </a:r>
+            <a:r>
+              <a:rPr lang="en-US" altLang="zh-CN" dirty="0"/>
+              <a:t>(r5-r7) in a stack.</a:t>
+            </a:r>
+            <a:endParaRPr lang="zh-CN" altLang="en-US" dirty="0"/>
           </a:p>
         </p:txBody>
       </p:sp>
@@ -17682,8 +19144,8 @@
           <a:p>
             <a:pPr algn="ctr" eaLnBrk="1" hangingPunct="1"/>
             <a:r>
-              <a:rPr lang="en-US" altLang="zh-CN" sz="2000"/>
-              <a:t>r0</a:t>
+              <a:rPr lang="en-US" altLang="zh-CN" sz="2000" dirty="0"/>
+              <a:t>r7</a:t>
             </a:r>
           </a:p>
         </p:txBody>
@@ -17841,8 +19303,8 @@
           <a:p>
             <a:pPr algn="ctr" eaLnBrk="1" hangingPunct="1"/>
             <a:r>
-              <a:rPr lang="en-US" altLang="zh-CN" sz="2000"/>
-              <a:t>r1</a:t>
+              <a:rPr lang="en-US" altLang="zh-CN" sz="2000" dirty="0"/>
+              <a:t>r6</a:t>
             </a:r>
           </a:p>
         </p:txBody>
@@ -18000,8 +19462,8 @@
           <a:p>
             <a:pPr algn="ctr" eaLnBrk="1" hangingPunct="1"/>
             <a:r>
-              <a:rPr lang="en-US" altLang="zh-CN" sz="2000"/>
-              <a:t>r2</a:t>
+              <a:rPr lang="en-US" altLang="zh-CN" sz="2000" dirty="0"/>
+              <a:t>r5</a:t>
             </a:r>
           </a:p>
         </p:txBody>
@@ -18620,7 +20082,7 @@
         </p:nvSpPr>
         <p:spPr bwMode="auto">
           <a:xfrm>
-            <a:off x="4724400" y="3124200"/>
+            <a:off x="4648200" y="3124200"/>
             <a:ext cx="457200" cy="381000"/>
           </a:xfrm>
           <a:prstGeom prst="rect">
@@ -18764,10 +20226,10 @@
           <a:p>
             <a:pPr eaLnBrk="1" hangingPunct="1"/>
             <a:r>
-              <a:rPr lang="en-US" altLang="zh-CN"/>
-              <a:t>-4</a:t>
-            </a:r>
-            <a:endParaRPr lang="zh-CN" altLang="en-US"/>
+              <a:rPr lang="en-US" altLang="zh-CN" dirty="0"/>
+              <a:t>-8</a:t>
+            </a:r>
+            <a:endParaRPr lang="zh-CN" altLang="en-US" dirty="0"/>
           </a:p>
         </p:txBody>
       </p:sp>
@@ -18931,16 +20393,26 @@
           <a:p>
             <a:pPr eaLnBrk="1" hangingPunct="1"/>
             <a:r>
-              <a:rPr lang="en-US" altLang="zh-CN" sz="1400" b="1">
+              <a:rPr lang="en-US" altLang="zh-CN" sz="1400" b="1" dirty="0" err="1">
                 <a:solidFill>
                   <a:srgbClr val="3333CC"/>
                 </a:solidFill>
                 <a:latin typeface="Courier New" panose="02070309020205020404" pitchFamily="49" charset="0"/>
                 <a:cs typeface="Courier New" panose="02070309020205020404" pitchFamily="49" charset="0"/>
               </a:rPr>
-              <a:t>st [bp, -4], r2</a:t>
-            </a:r>
-            <a:endParaRPr lang="zh-CN" altLang="en-US" sz="1400" b="1">
+              <a:t>st</a:t>
+            </a:r>
+            <a:r>
+              <a:rPr lang="en-US" altLang="zh-CN" sz="1400" b="1" dirty="0">
+                <a:solidFill>
+                  <a:srgbClr val="3333CC"/>
+                </a:solidFill>
+                <a:latin typeface="Courier New" panose="02070309020205020404" pitchFamily="49" charset="0"/>
+                <a:cs typeface="Courier New" panose="02070309020205020404" pitchFamily="49" charset="0"/>
+              </a:rPr>
+              <a:t> [bp, -8], r5</a:t>
+            </a:r>
+            <a:endParaRPr lang="zh-CN" altLang="en-US" sz="1400" b="1" dirty="0">
               <a:solidFill>
                 <a:srgbClr val="3333CC"/>
               </a:solidFill>
@@ -19102,10 +20574,7 @@
           </a:lstStyle>
           <a:p>
             <a:pPr algn="ctr" eaLnBrk="1" hangingPunct="1"/>
-            <a:r>
-              <a:rPr lang="en-US" altLang="zh-CN" sz="2000"/>
-              <a:t>r2</a:t>
-            </a:r>
+            <a:endParaRPr lang="en-US" altLang="zh-CN" sz="2000" dirty="0"/>
           </a:p>
         </p:txBody>
       </p:sp>
@@ -20855,10 +22324,10 @@
               <a:buNone/>
             </a:pPr>
             <a:r>
-              <a:rPr lang="en-US" altLang="zh-CN" sz="2000" b="1">
-                <a:latin typeface="Courier New" panose="02070309020205020404" pitchFamily="49" charset="0"/>
-              </a:rPr>
-              <a:t>// Suppose we have</a:t>
+              <a:rPr lang="en-US" altLang="zh-CN" sz="2000" b="1" dirty="0">
+                <a:latin typeface="Courier New" panose="02070309020205020404" pitchFamily="49" charset="0"/>
+              </a:rPr>
+              <a:t>// 8 physical regs: </a:t>
             </a:r>
           </a:p>
           <a:p>
@@ -20874,11 +22343,32 @@
               <a:buNone/>
             </a:pPr>
             <a:r>
-              <a:rPr lang="en-US" altLang="zh-CN" sz="2000" b="1">
-                <a:latin typeface="Courier New" panose="02070309020205020404" pitchFamily="49" charset="0"/>
-              </a:rPr>
-              <a:t>// 3 physical regs: </a:t>
-            </a:r>
+              <a:rPr lang="en-US" altLang="zh-CN" sz="2000" b="1" dirty="0">
+                <a:latin typeface="Courier New" panose="02070309020205020404" pitchFamily="49" charset="0"/>
+              </a:rPr>
+              <a:t>// r0-r7.</a:t>
+            </a:r>
+            <a:r>
+              <a:rPr lang="zh-CN" altLang="en-US" sz="2000" b="1" dirty="0">
+                <a:latin typeface="Courier New" panose="02070309020205020404" pitchFamily="49" charset="0"/>
+              </a:rPr>
+              <a:t> </a:t>
+            </a:r>
+            <a:r>
+              <a:rPr lang="en-US" altLang="zh-CN" sz="2000" b="1" dirty="0">
+                <a:latin typeface="Courier New" panose="02070309020205020404" pitchFamily="49" charset="0"/>
+              </a:rPr>
+              <a:t>r5-r7</a:t>
+            </a:r>
+            <a:r>
+              <a:rPr lang="zh-CN" altLang="en-US" sz="2000" b="1" dirty="0">
+                <a:latin typeface="Courier New" panose="02070309020205020404" pitchFamily="49" charset="0"/>
+              </a:rPr>
+              <a:t> </a:t>
+            </a:r>
+            <a:endParaRPr lang="en-US" altLang="zh-CN" sz="2000" b="1" dirty="0">
+              <a:latin typeface="Courier New" panose="02070309020205020404" pitchFamily="49" charset="0"/>
+            </a:endParaRPr>
           </a:p>
           <a:p>
             <a:pPr eaLnBrk="1" hangingPunct="1">
@@ -20893,10 +22383,22 @@
               <a:buNone/>
             </a:pPr>
             <a:r>
-              <a:rPr lang="en-US" altLang="zh-CN" sz="2000" b="1">
-                <a:latin typeface="Courier New" panose="02070309020205020404" pitchFamily="49" charset="0"/>
-              </a:rPr>
-              <a:t>// r0-r2.</a:t>
+              <a:rPr lang="en-US" altLang="zh-CN" sz="2000" b="1" dirty="0">
+                <a:latin typeface="Courier New" panose="02070309020205020404" pitchFamily="49" charset="0"/>
+              </a:rPr>
+              <a:t>//</a:t>
+            </a:r>
+            <a:r>
+              <a:rPr lang="zh-CN" altLang="en-US" sz="2000" b="1" dirty="0">
+                <a:latin typeface="Courier New" panose="02070309020205020404" pitchFamily="49" charset="0"/>
+              </a:rPr>
+              <a:t> </a:t>
+            </a:r>
+            <a:r>
+              <a:rPr lang="en-US" altLang="zh-CN" sz="2000" b="1" dirty="0">
+                <a:latin typeface="Courier New" panose="02070309020205020404" pitchFamily="49" charset="0"/>
+              </a:rPr>
+              <a:t>allocatable.</a:t>
             </a:r>
           </a:p>
           <a:p>
@@ -20912,7 +22414,7 @@
               <a:buNone/>
             </a:pPr>
             <a:r>
-              <a:rPr lang="en-US" altLang="zh-CN" sz="2000" b="1">
+              <a:rPr lang="en-US" altLang="zh-CN" sz="2000" b="1" dirty="0">
                 <a:solidFill>
                   <a:schemeClr val="folHlink"/>
                 </a:solidFill>
@@ -20934,7 +22436,7 @@
               <a:buNone/>
             </a:pPr>
             <a:r>
-              <a:rPr lang="en-US" altLang="zh-CN" sz="2000" b="1">
+              <a:rPr lang="en-US" altLang="zh-CN" sz="2000" b="1" dirty="0">
                 <a:solidFill>
                   <a:schemeClr val="folHlink"/>
                 </a:solidFill>
@@ -20943,7 +22445,7 @@
               <a:t>  mov </a:t>
             </a:r>
             <a:r>
-              <a:rPr lang="en-US" altLang="zh-CN" sz="2000" b="1">
+              <a:rPr lang="en-US" altLang="zh-CN" sz="2000" b="1" dirty="0">
                 <a:solidFill>
                   <a:srgbClr val="FF0000"/>
                 </a:solidFill>
@@ -20952,7 +22454,7 @@
               <a:t>x1</a:t>
             </a:r>
             <a:r>
-              <a:rPr lang="en-US" altLang="zh-CN" sz="2000" b="1">
+              <a:rPr lang="en-US" altLang="zh-CN" sz="2000" b="1" dirty="0">
                 <a:solidFill>
                   <a:schemeClr val="folHlink"/>
                 </a:solidFill>
@@ -20974,7 +22476,7 @@
               <a:buNone/>
             </a:pPr>
             <a:r>
-              <a:rPr lang="en-US" altLang="zh-CN" sz="2000" b="1">
+              <a:rPr lang="en-US" altLang="zh-CN" sz="2000" b="1" dirty="0">
                 <a:solidFill>
                   <a:schemeClr val="folHlink"/>
                 </a:solidFill>
@@ -20983,7 +22485,7 @@
               <a:t>  mov </a:t>
             </a:r>
             <a:r>
-              <a:rPr lang="en-US" altLang="zh-CN" sz="2000" b="1">
+              <a:rPr lang="en-US" altLang="zh-CN" sz="2000" b="1" dirty="0">
                 <a:solidFill>
                   <a:srgbClr val="FF0000"/>
                 </a:solidFill>
@@ -20992,7 +22494,7 @@
               <a:t>x2</a:t>
             </a:r>
             <a:r>
-              <a:rPr lang="en-US" altLang="zh-CN" sz="2000" b="1">
+              <a:rPr lang="en-US" altLang="zh-CN" sz="2000" b="1" dirty="0">
                 <a:solidFill>
                   <a:schemeClr val="folHlink"/>
                 </a:solidFill>
@@ -21014,16 +22516,34 @@
               <a:buNone/>
             </a:pPr>
             <a:r>
-              <a:rPr lang="en-US" altLang="zh-CN" sz="2000" b="1">
+              <a:rPr lang="en-US" altLang="zh-CN" sz="2000" b="1" dirty="0">
                 <a:solidFill>
                   <a:schemeClr val="folHlink"/>
                 </a:solidFill>
                 <a:latin typeface="Courier New" panose="02070309020205020404" pitchFamily="49" charset="0"/>
               </a:rPr>
-              <a:t>  ld  </a:t>
-            </a:r>
-            <a:r>
-              <a:rPr lang="en-US" altLang="zh-CN" sz="2000" b="1">
+              <a:t>  </a:t>
+            </a:r>
+            <a:r>
+              <a:rPr lang="en-US" altLang="zh-CN" sz="2000" b="1" dirty="0" err="1">
+                <a:solidFill>
+                  <a:schemeClr val="folHlink"/>
+                </a:solidFill>
+                <a:latin typeface="Courier New" panose="02070309020205020404" pitchFamily="49" charset="0"/>
+              </a:rPr>
+              <a:t>ld</a:t>
+            </a:r>
+            <a:r>
+              <a:rPr lang="en-US" altLang="zh-CN" sz="2000" b="1" dirty="0">
+                <a:solidFill>
+                  <a:schemeClr val="folHlink"/>
+                </a:solidFill>
+                <a:latin typeface="Courier New" panose="02070309020205020404" pitchFamily="49" charset="0"/>
+              </a:rPr>
+              <a:t>  </a:t>
+            </a:r>
+            <a:r>
+              <a:rPr lang="en-US" altLang="zh-CN" sz="2000" b="1" dirty="0">
                 <a:solidFill>
                   <a:srgbClr val="FF0000"/>
                 </a:solidFill>
@@ -21032,7 +22552,7 @@
               <a:t>x5</a:t>
             </a:r>
             <a:r>
-              <a:rPr lang="en-US" altLang="zh-CN" sz="2000" b="1">
+              <a:rPr lang="en-US" altLang="zh-CN" sz="2000" b="1" dirty="0">
                 <a:solidFill>
                   <a:schemeClr val="folHlink"/>
                 </a:solidFill>
@@ -21041,7 +22561,7 @@
               <a:t>, [bp, </a:t>
             </a:r>
             <a:r>
-              <a:rPr lang="en-US" altLang="zh-CN" sz="2000" b="1">
+              <a:rPr lang="en-US" altLang="zh-CN" sz="2000" b="1" dirty="0">
                 <a:solidFill>
                   <a:srgbClr val="3333CC"/>
                 </a:solidFill>
@@ -21050,7 +22570,7 @@
               <a:t>8</a:t>
             </a:r>
             <a:r>
-              <a:rPr lang="en-US" altLang="zh-CN" sz="2000" b="1">
+              <a:rPr lang="en-US" altLang="zh-CN" sz="2000" b="1" dirty="0">
                 <a:solidFill>
                   <a:schemeClr val="folHlink"/>
                 </a:solidFill>
@@ -21072,16 +22592,34 @@
               <a:buNone/>
             </a:pPr>
             <a:r>
-              <a:rPr lang="en-US" altLang="zh-CN" sz="2000" b="1">
+              <a:rPr lang="en-US" altLang="zh-CN" sz="2000" b="1" dirty="0">
                 <a:solidFill>
                   <a:schemeClr val="folHlink"/>
                 </a:solidFill>
                 <a:latin typeface="Courier New" panose="02070309020205020404" pitchFamily="49" charset="0"/>
               </a:rPr>
-              <a:t>  ld  </a:t>
-            </a:r>
-            <a:r>
-              <a:rPr lang="en-US" altLang="zh-CN" sz="2000" b="1">
+              <a:t>  </a:t>
+            </a:r>
+            <a:r>
+              <a:rPr lang="en-US" altLang="zh-CN" sz="2000" b="1" dirty="0" err="1">
+                <a:solidFill>
+                  <a:schemeClr val="folHlink"/>
+                </a:solidFill>
+                <a:latin typeface="Courier New" panose="02070309020205020404" pitchFamily="49" charset="0"/>
+              </a:rPr>
+              <a:t>ld</a:t>
+            </a:r>
+            <a:r>
+              <a:rPr lang="en-US" altLang="zh-CN" sz="2000" b="1" dirty="0">
+                <a:solidFill>
+                  <a:schemeClr val="folHlink"/>
+                </a:solidFill>
+                <a:latin typeface="Courier New" panose="02070309020205020404" pitchFamily="49" charset="0"/>
+              </a:rPr>
+              <a:t>  </a:t>
+            </a:r>
+            <a:r>
+              <a:rPr lang="en-US" altLang="zh-CN" sz="2000" b="1" dirty="0">
                 <a:solidFill>
                   <a:srgbClr val="FF0000"/>
                 </a:solidFill>
@@ -21090,7 +22628,7 @@
               <a:t>x6</a:t>
             </a:r>
             <a:r>
-              <a:rPr lang="en-US" altLang="zh-CN" sz="2000" b="1">
+              <a:rPr lang="en-US" altLang="zh-CN" sz="2000" b="1" dirty="0">
                 <a:solidFill>
                   <a:schemeClr val="folHlink"/>
                 </a:solidFill>
@@ -21099,16 +22637,16 @@
               <a:t>, [bp, </a:t>
             </a:r>
             <a:r>
-              <a:rPr lang="en-US" altLang="zh-CN" sz="2000" b="1">
+              <a:rPr lang="en-US" altLang="zh-CN" sz="2000" b="1" dirty="0">
                 <a:solidFill>
                   <a:srgbClr val="3333CC"/>
                 </a:solidFill>
                 <a:latin typeface="Courier New" panose="02070309020205020404" pitchFamily="49" charset="0"/>
               </a:rPr>
-              <a:t>12</a:t>
-            </a:r>
-            <a:r>
-              <a:rPr lang="en-US" altLang="zh-CN" sz="2000" b="1">
+              <a:t>16</a:t>
+            </a:r>
+            <a:r>
+              <a:rPr lang="en-US" altLang="zh-CN" sz="2000" b="1" dirty="0">
                 <a:solidFill>
                   <a:schemeClr val="folHlink"/>
                 </a:solidFill>
@@ -21130,7 +22668,7 @@
               <a:buNone/>
             </a:pPr>
             <a:r>
-              <a:rPr lang="en-US" altLang="zh-CN" sz="2000" b="1">
+              <a:rPr lang="en-US" altLang="zh-CN" sz="2000" b="1" dirty="0">
                 <a:solidFill>
                   <a:schemeClr val="folHlink"/>
                 </a:solidFill>
@@ -21139,7 +22677,7 @@
               <a:t>  add </a:t>
             </a:r>
             <a:r>
-              <a:rPr lang="en-US" altLang="zh-CN" sz="2000" b="1">
+              <a:rPr lang="en-US" altLang="zh-CN" sz="2000" b="1" dirty="0">
                 <a:solidFill>
                   <a:srgbClr val="FF0000"/>
                 </a:solidFill>
@@ -21148,7 +22686,7 @@
               <a:t>x8</a:t>
             </a:r>
             <a:r>
-              <a:rPr lang="en-US" altLang="zh-CN" sz="2000" b="1">
+              <a:rPr lang="en-US" altLang="zh-CN" sz="2000" b="1" dirty="0">
                 <a:solidFill>
                   <a:schemeClr val="folHlink"/>
                 </a:solidFill>
@@ -21157,7 +22695,7 @@
               <a:t>, </a:t>
             </a:r>
             <a:r>
-              <a:rPr lang="en-US" altLang="zh-CN" sz="2000" b="1">
+              <a:rPr lang="en-US" altLang="zh-CN" sz="2000" b="1" dirty="0">
                 <a:solidFill>
                   <a:srgbClr val="FF0000"/>
                 </a:solidFill>
@@ -21166,7 +22704,7 @@
               <a:t>x1</a:t>
             </a:r>
             <a:r>
-              <a:rPr lang="en-US" altLang="zh-CN" sz="2000" b="1">
+              <a:rPr lang="en-US" altLang="zh-CN" sz="2000" b="1" dirty="0">
                 <a:solidFill>
                   <a:schemeClr val="folHlink"/>
                 </a:solidFill>
@@ -21175,7 +22713,7 @@
               <a:t>, </a:t>
             </a:r>
             <a:r>
-              <a:rPr lang="en-US" altLang="zh-CN" sz="2000" b="1">
+              <a:rPr lang="en-US" altLang="zh-CN" sz="2000" b="1" dirty="0">
                 <a:solidFill>
                   <a:srgbClr val="FF0000"/>
                 </a:solidFill>
@@ -21197,7 +22735,7 @@
               <a:buNone/>
             </a:pPr>
             <a:r>
-              <a:rPr lang="en-US" altLang="zh-CN" sz="2000" b="1">
+              <a:rPr lang="en-US" altLang="zh-CN" sz="2000" b="1" dirty="0">
                 <a:solidFill>
                   <a:schemeClr val="folHlink"/>
                 </a:solidFill>
@@ -21206,7 +22744,7 @@
               <a:t>  div </a:t>
             </a:r>
             <a:r>
-              <a:rPr lang="en-US" altLang="zh-CN" sz="2000" b="1">
+              <a:rPr lang="en-US" altLang="zh-CN" sz="2000" b="1" dirty="0">
                 <a:solidFill>
                   <a:srgbClr val="FF0000"/>
                 </a:solidFill>
@@ -21215,7 +22753,7 @@
               <a:t>x9</a:t>
             </a:r>
             <a:r>
-              <a:rPr lang="en-US" altLang="zh-CN" sz="2000" b="1">
+              <a:rPr lang="en-US" altLang="zh-CN" sz="2000" b="1" dirty="0">
                 <a:solidFill>
                   <a:schemeClr val="folHlink"/>
                 </a:solidFill>
@@ -21224,7 +22762,7 @@
               <a:t>, </a:t>
             </a:r>
             <a:r>
-              <a:rPr lang="en-US" altLang="zh-CN" sz="2000" b="1">
+              <a:rPr lang="en-US" altLang="zh-CN" sz="2000" b="1" dirty="0">
                 <a:solidFill>
                   <a:srgbClr val="FF0000"/>
                 </a:solidFill>
@@ -21233,7 +22771,7 @@
               <a:t>x5</a:t>
             </a:r>
             <a:r>
-              <a:rPr lang="en-US" altLang="zh-CN" sz="2000" b="1">
+              <a:rPr lang="en-US" altLang="zh-CN" sz="2000" b="1" dirty="0">
                 <a:solidFill>
                   <a:schemeClr val="folHlink"/>
                 </a:solidFill>
@@ -21242,7 +22780,7 @@
               <a:t>, </a:t>
             </a:r>
             <a:r>
-              <a:rPr lang="en-US" altLang="zh-CN" sz="2000" b="1">
+              <a:rPr lang="en-US" altLang="zh-CN" sz="2000" b="1" dirty="0">
                 <a:solidFill>
                   <a:srgbClr val="FF0000"/>
                 </a:solidFill>
@@ -21264,7 +22802,7 @@
               <a:buNone/>
             </a:pPr>
             <a:r>
-              <a:rPr lang="en-US" altLang="zh-CN" sz="2000" b="1">
+              <a:rPr lang="en-US" altLang="zh-CN" sz="2000" b="1" dirty="0">
                 <a:solidFill>
                   <a:schemeClr val="folHlink"/>
                 </a:solidFill>
@@ -21273,7 +22811,7 @@
               <a:t>  mov r0, </a:t>
             </a:r>
             <a:r>
-              <a:rPr lang="en-US" altLang="zh-CN" sz="2000" b="1">
+              <a:rPr lang="en-US" altLang="zh-CN" sz="2000" b="1" dirty="0">
                 <a:solidFill>
                   <a:srgbClr val="FF0000"/>
                 </a:solidFill>
@@ -21295,7 +22833,7 @@
               <a:buNone/>
             </a:pPr>
             <a:r>
-              <a:rPr lang="en-US" altLang="zh-CN" sz="2000" b="1">
+              <a:rPr lang="en-US" altLang="zh-CN" sz="2000" b="1" dirty="0">
                 <a:solidFill>
                   <a:schemeClr val="folHlink"/>
                 </a:solidFill>
@@ -21304,7 +22842,7 @@
               <a:t>  </a:t>
             </a:r>
             <a:r>
-              <a:rPr lang="en-US" altLang="zh-CN" sz="2000" b="1">
+              <a:rPr lang="en-US" altLang="zh-CN" sz="2000" b="1" dirty="0">
                 <a:solidFill>
                   <a:srgbClr val="3333CC"/>
                 </a:solidFill>
@@ -21899,8 +23437,8 @@
           <a:p>
             <a:pPr algn="ctr" eaLnBrk="1" hangingPunct="1"/>
             <a:r>
-              <a:rPr lang="en-US" altLang="zh-CN" sz="2000"/>
-              <a:t>r2</a:t>
+              <a:rPr lang="en-US" altLang="zh-CN" sz="2000" dirty="0"/>
+              <a:t>r5</a:t>
             </a:r>
           </a:p>
         </p:txBody>
@@ -22272,8 +23810,8 @@
           <a:p>
             <a:pPr algn="ctr" eaLnBrk="1" hangingPunct="1"/>
             <a:r>
-              <a:rPr lang="en-US" altLang="zh-CN" sz="2000"/>
-              <a:t>r1</a:t>
+              <a:rPr lang="en-US" altLang="zh-CN" sz="2000" dirty="0"/>
+              <a:t>r6</a:t>
             </a:r>
           </a:p>
         </p:txBody>
@@ -22431,8 +23969,8 @@
           <a:p>
             <a:pPr algn="ctr" eaLnBrk="1" hangingPunct="1"/>
             <a:r>
-              <a:rPr lang="en-US" altLang="zh-CN" sz="2000"/>
-              <a:t>r0</a:t>
+              <a:rPr lang="en-US" altLang="zh-CN" sz="2000" dirty="0"/>
+              <a:t>r7</a:t>
             </a:r>
           </a:p>
         </p:txBody>
@@ -22837,10 +24375,10 @@
           <a:p>
             <a:pPr eaLnBrk="1" hangingPunct="1"/>
             <a:r>
-              <a:rPr lang="en-US" altLang="zh-CN"/>
-              <a:t>-4</a:t>
-            </a:r>
-            <a:endParaRPr lang="zh-CN" altLang="en-US"/>
+              <a:rPr lang="en-US" altLang="zh-CN" dirty="0"/>
+              <a:t>-8</a:t>
+            </a:r>
+            <a:endParaRPr lang="zh-CN" altLang="en-US" dirty="0"/>
           </a:p>
         </p:txBody>
       </p:sp>
@@ -23004,16 +24542,26 @@
           <a:p>
             <a:pPr eaLnBrk="1" hangingPunct="1"/>
             <a:r>
-              <a:rPr lang="en-US" altLang="zh-CN" sz="1400" b="1">
+              <a:rPr lang="en-US" altLang="zh-CN" sz="1400" b="1" dirty="0" err="1">
                 <a:solidFill>
                   <a:srgbClr val="3333CC"/>
                 </a:solidFill>
                 <a:latin typeface="Courier New" panose="02070309020205020404" pitchFamily="49" charset="0"/>
                 <a:cs typeface="Courier New" panose="02070309020205020404" pitchFamily="49" charset="0"/>
               </a:rPr>
-              <a:t>st [bp, -4], r2</a:t>
-            </a:r>
-            <a:endParaRPr lang="zh-CN" altLang="en-US" sz="1400" b="1">
+              <a:t>st</a:t>
+            </a:r>
+            <a:r>
+              <a:rPr lang="en-US" altLang="zh-CN" sz="1400" b="1" dirty="0">
+                <a:solidFill>
+                  <a:srgbClr val="3333CC"/>
+                </a:solidFill>
+                <a:latin typeface="Courier New" panose="02070309020205020404" pitchFamily="49" charset="0"/>
+                <a:cs typeface="Courier New" panose="02070309020205020404" pitchFamily="49" charset="0"/>
+              </a:rPr>
+              <a:t> [bp, -8], r5</a:t>
+            </a:r>
+            <a:endParaRPr lang="zh-CN" altLang="en-US" sz="1400" b="1" dirty="0">
               <a:solidFill>
                 <a:srgbClr val="3333CC"/>
               </a:solidFill>
@@ -23176,8 +24724,8 @@
           <a:p>
             <a:pPr algn="ctr" eaLnBrk="1" hangingPunct="1"/>
             <a:r>
-              <a:rPr lang="en-US" altLang="zh-CN" sz="2000"/>
-              <a:t>r0</a:t>
+              <a:rPr lang="en-US" altLang="zh-CN" sz="2000" dirty="0"/>
+              <a:t>r7</a:t>
             </a:r>
           </a:p>
         </p:txBody>
@@ -23335,8 +24883,8 @@
           <a:p>
             <a:pPr algn="ctr" eaLnBrk="1" hangingPunct="1"/>
             <a:r>
-              <a:rPr lang="en-US" altLang="zh-CN" sz="2000"/>
-              <a:t>r1</a:t>
+              <a:rPr lang="en-US" altLang="zh-CN" sz="2000" dirty="0"/>
+              <a:t>r6</a:t>
             </a:r>
           </a:p>
         </p:txBody>
@@ -23494,8 +25042,8 @@
           <a:p>
             <a:pPr algn="ctr" eaLnBrk="1" hangingPunct="1"/>
             <a:r>
-              <a:rPr lang="en-US" altLang="zh-CN" sz="2000"/>
-              <a:t>r2</a:t>
+              <a:rPr lang="en-US" altLang="zh-CN" sz="2000" dirty="0"/>
+              <a:t>r5</a:t>
             </a:r>
           </a:p>
         </p:txBody>
@@ -23868,8 +25416,8 @@
           <a:p>
             <a:pPr algn="ctr" eaLnBrk="1" hangingPunct="1"/>
             <a:r>
-              <a:rPr lang="en-US" altLang="zh-CN" sz="2000"/>
-              <a:t>r0</a:t>
+              <a:rPr lang="en-US" altLang="zh-CN" sz="2000" dirty="0"/>
+              <a:t>r7</a:t>
             </a:r>
           </a:p>
         </p:txBody>
@@ -24027,8 +25575,8 @@
           <a:p>
             <a:pPr algn="ctr" eaLnBrk="1" hangingPunct="1"/>
             <a:r>
-              <a:rPr lang="en-US" altLang="zh-CN" sz="2000"/>
-              <a:t>r1</a:t>
+              <a:rPr lang="en-US" altLang="zh-CN" sz="2000" dirty="0"/>
+              <a:t>r6</a:t>
             </a:r>
           </a:p>
         </p:txBody>
@@ -24186,8 +25734,8 @@
           <a:p>
             <a:pPr algn="ctr" eaLnBrk="1" hangingPunct="1"/>
             <a:r>
-              <a:rPr lang="en-US" altLang="zh-CN" sz="2000"/>
-              <a:t>r2</a:t>
+              <a:rPr lang="en-US" altLang="zh-CN" sz="2000" dirty="0"/>
+              <a:t>r5</a:t>
             </a:r>
           </a:p>
         </p:txBody>
@@ -24847,10 +26395,10 @@
               <a:buNone/>
             </a:pPr>
             <a:r>
-              <a:rPr lang="en-US" altLang="zh-CN" sz="2000" b="1">
-                <a:latin typeface="Courier New" panose="02070309020205020404" pitchFamily="49" charset="0"/>
-              </a:rPr>
-              <a:t>// Suppose we have</a:t>
+              <a:rPr lang="en-US" altLang="zh-CN" sz="2000" b="1" dirty="0">
+                <a:latin typeface="Courier New" panose="02070309020205020404" pitchFamily="49" charset="0"/>
+              </a:rPr>
+              <a:t>// 8 physical regs: </a:t>
             </a:r>
           </a:p>
           <a:p>
@@ -24866,11 +26414,32 @@
               <a:buNone/>
             </a:pPr>
             <a:r>
-              <a:rPr lang="en-US" altLang="zh-CN" sz="2000" b="1">
-                <a:latin typeface="Courier New" panose="02070309020205020404" pitchFamily="49" charset="0"/>
-              </a:rPr>
-              <a:t>// 3 physical regs: </a:t>
-            </a:r>
+              <a:rPr lang="en-US" altLang="zh-CN" sz="2000" b="1" dirty="0">
+                <a:latin typeface="Courier New" panose="02070309020205020404" pitchFamily="49" charset="0"/>
+              </a:rPr>
+              <a:t>// r0-r7.</a:t>
+            </a:r>
+            <a:r>
+              <a:rPr lang="zh-CN" altLang="en-US" sz="2000" b="1" dirty="0">
+                <a:latin typeface="Courier New" panose="02070309020205020404" pitchFamily="49" charset="0"/>
+              </a:rPr>
+              <a:t> </a:t>
+            </a:r>
+            <a:r>
+              <a:rPr lang="en-US" altLang="zh-CN" sz="2000" b="1" dirty="0">
+                <a:latin typeface="Courier New" panose="02070309020205020404" pitchFamily="49" charset="0"/>
+              </a:rPr>
+              <a:t>r5-r7</a:t>
+            </a:r>
+            <a:r>
+              <a:rPr lang="zh-CN" altLang="en-US" sz="2000" b="1" dirty="0">
+                <a:latin typeface="Courier New" panose="02070309020205020404" pitchFamily="49" charset="0"/>
+              </a:rPr>
+              <a:t> </a:t>
+            </a:r>
+            <a:endParaRPr lang="en-US" altLang="zh-CN" sz="2000" b="1" dirty="0">
+              <a:latin typeface="Courier New" panose="02070309020205020404" pitchFamily="49" charset="0"/>
+            </a:endParaRPr>
           </a:p>
           <a:p>
             <a:pPr eaLnBrk="1" hangingPunct="1">
@@ -24885,10 +26454,22 @@
               <a:buNone/>
             </a:pPr>
             <a:r>
-              <a:rPr lang="en-US" altLang="zh-CN" sz="2000" b="1">
-                <a:latin typeface="Courier New" panose="02070309020205020404" pitchFamily="49" charset="0"/>
-              </a:rPr>
-              <a:t>// r0-r2.</a:t>
+              <a:rPr lang="en-US" altLang="zh-CN" sz="2000" b="1" dirty="0">
+                <a:latin typeface="Courier New" panose="02070309020205020404" pitchFamily="49" charset="0"/>
+              </a:rPr>
+              <a:t>//</a:t>
+            </a:r>
+            <a:r>
+              <a:rPr lang="zh-CN" altLang="en-US" sz="2000" b="1" dirty="0">
+                <a:latin typeface="Courier New" panose="02070309020205020404" pitchFamily="49" charset="0"/>
+              </a:rPr>
+              <a:t> </a:t>
+            </a:r>
+            <a:r>
+              <a:rPr lang="en-US" altLang="zh-CN" sz="2000" b="1" dirty="0">
+                <a:latin typeface="Courier New" panose="02070309020205020404" pitchFamily="49" charset="0"/>
+              </a:rPr>
+              <a:t>allocatable.</a:t>
             </a:r>
           </a:p>
           <a:p>
@@ -24904,7 +26485,7 @@
               <a:buNone/>
             </a:pPr>
             <a:r>
-              <a:rPr lang="en-US" altLang="zh-CN" sz="2000" b="1">
+              <a:rPr lang="en-US" altLang="zh-CN" sz="2000" b="1" dirty="0">
                 <a:solidFill>
                   <a:schemeClr val="folHlink"/>
                 </a:solidFill>
@@ -24926,7 +26507,7 @@
               <a:buNone/>
             </a:pPr>
             <a:r>
-              <a:rPr lang="en-US" altLang="zh-CN" sz="2000" b="1">
+              <a:rPr lang="en-US" altLang="zh-CN" sz="2000" b="1" dirty="0">
                 <a:solidFill>
                   <a:schemeClr val="folHlink"/>
                 </a:solidFill>
@@ -24935,7 +26516,7 @@
               <a:t>  mov </a:t>
             </a:r>
             <a:r>
-              <a:rPr lang="en-US" altLang="zh-CN" sz="2000" b="1">
+              <a:rPr lang="en-US" altLang="zh-CN" sz="2000" b="1" dirty="0">
                 <a:solidFill>
                   <a:srgbClr val="FF0000"/>
                 </a:solidFill>
@@ -24944,7 +26525,7 @@
               <a:t>x1</a:t>
             </a:r>
             <a:r>
-              <a:rPr lang="en-US" altLang="zh-CN" sz="2000" b="1">
+              <a:rPr lang="en-US" altLang="zh-CN" sz="2000" b="1" dirty="0">
                 <a:solidFill>
                   <a:schemeClr val="folHlink"/>
                 </a:solidFill>
@@ -24966,7 +26547,7 @@
               <a:buNone/>
             </a:pPr>
             <a:r>
-              <a:rPr lang="en-US" altLang="zh-CN" sz="2000" b="1">
+              <a:rPr lang="en-US" altLang="zh-CN" sz="2000" b="1" dirty="0">
                 <a:solidFill>
                   <a:schemeClr val="folHlink"/>
                 </a:solidFill>
@@ -24975,7 +26556,7 @@
               <a:t>  mov </a:t>
             </a:r>
             <a:r>
-              <a:rPr lang="en-US" altLang="zh-CN" sz="2000" b="1">
+              <a:rPr lang="en-US" altLang="zh-CN" sz="2000" b="1" dirty="0">
                 <a:solidFill>
                   <a:srgbClr val="FF0000"/>
                 </a:solidFill>
@@ -24984,7 +26565,7 @@
               <a:t>x2</a:t>
             </a:r>
             <a:r>
-              <a:rPr lang="en-US" altLang="zh-CN" sz="2000" b="1">
+              <a:rPr lang="en-US" altLang="zh-CN" sz="2000" b="1" dirty="0">
                 <a:solidFill>
                   <a:schemeClr val="folHlink"/>
                 </a:solidFill>
@@ -25006,16 +26587,34 @@
               <a:buNone/>
             </a:pPr>
             <a:r>
-              <a:rPr lang="en-US" altLang="zh-CN" sz="2000" b="1">
+              <a:rPr lang="en-US" altLang="zh-CN" sz="2000" b="1" dirty="0">
                 <a:solidFill>
                   <a:schemeClr val="folHlink"/>
                 </a:solidFill>
                 <a:latin typeface="Courier New" panose="02070309020205020404" pitchFamily="49" charset="0"/>
               </a:rPr>
-              <a:t>  ld  </a:t>
-            </a:r>
-            <a:r>
-              <a:rPr lang="en-US" altLang="zh-CN" sz="2000" b="1">
+              <a:t>  </a:t>
+            </a:r>
+            <a:r>
+              <a:rPr lang="en-US" altLang="zh-CN" sz="2000" b="1" dirty="0" err="1">
+                <a:solidFill>
+                  <a:schemeClr val="folHlink"/>
+                </a:solidFill>
+                <a:latin typeface="Courier New" panose="02070309020205020404" pitchFamily="49" charset="0"/>
+              </a:rPr>
+              <a:t>ld</a:t>
+            </a:r>
+            <a:r>
+              <a:rPr lang="en-US" altLang="zh-CN" sz="2000" b="1" dirty="0">
+                <a:solidFill>
+                  <a:schemeClr val="folHlink"/>
+                </a:solidFill>
+                <a:latin typeface="Courier New" panose="02070309020205020404" pitchFamily="49" charset="0"/>
+              </a:rPr>
+              <a:t>  </a:t>
+            </a:r>
+            <a:r>
+              <a:rPr lang="en-US" altLang="zh-CN" sz="2000" b="1" dirty="0">
                 <a:solidFill>
                   <a:srgbClr val="FF0000"/>
                 </a:solidFill>
@@ -25024,7 +26623,7 @@
               <a:t>x5</a:t>
             </a:r>
             <a:r>
-              <a:rPr lang="en-US" altLang="zh-CN" sz="2000" b="1">
+              <a:rPr lang="en-US" altLang="zh-CN" sz="2000" b="1" dirty="0">
                 <a:solidFill>
                   <a:schemeClr val="folHlink"/>
                 </a:solidFill>
@@ -25033,7 +26632,7 @@
               <a:t>, [bp, </a:t>
             </a:r>
             <a:r>
-              <a:rPr lang="en-US" altLang="zh-CN" sz="2000" b="1">
+              <a:rPr lang="en-US" altLang="zh-CN" sz="2000" b="1" dirty="0">
                 <a:solidFill>
                   <a:srgbClr val="3333CC"/>
                 </a:solidFill>
@@ -25042,7 +26641,7 @@
               <a:t>8</a:t>
             </a:r>
             <a:r>
-              <a:rPr lang="en-US" altLang="zh-CN" sz="2000" b="1">
+              <a:rPr lang="en-US" altLang="zh-CN" sz="2000" b="1" dirty="0">
                 <a:solidFill>
                   <a:schemeClr val="folHlink"/>
                 </a:solidFill>
@@ -25064,16 +26663,34 @@
               <a:buNone/>
             </a:pPr>
             <a:r>
-              <a:rPr lang="en-US" altLang="zh-CN" sz="2000" b="1">
+              <a:rPr lang="en-US" altLang="zh-CN" sz="2000" b="1" dirty="0">
                 <a:solidFill>
                   <a:schemeClr val="folHlink"/>
                 </a:solidFill>
                 <a:latin typeface="Courier New" panose="02070309020205020404" pitchFamily="49" charset="0"/>
               </a:rPr>
-              <a:t>  ld  </a:t>
-            </a:r>
-            <a:r>
-              <a:rPr lang="en-US" altLang="zh-CN" sz="2000" b="1">
+              <a:t>  </a:t>
+            </a:r>
+            <a:r>
+              <a:rPr lang="en-US" altLang="zh-CN" sz="2000" b="1" dirty="0" err="1">
+                <a:solidFill>
+                  <a:schemeClr val="folHlink"/>
+                </a:solidFill>
+                <a:latin typeface="Courier New" panose="02070309020205020404" pitchFamily="49" charset="0"/>
+              </a:rPr>
+              <a:t>ld</a:t>
+            </a:r>
+            <a:r>
+              <a:rPr lang="en-US" altLang="zh-CN" sz="2000" b="1" dirty="0">
+                <a:solidFill>
+                  <a:schemeClr val="folHlink"/>
+                </a:solidFill>
+                <a:latin typeface="Courier New" panose="02070309020205020404" pitchFamily="49" charset="0"/>
+              </a:rPr>
+              <a:t>  </a:t>
+            </a:r>
+            <a:r>
+              <a:rPr lang="en-US" altLang="zh-CN" sz="2000" b="1" dirty="0">
                 <a:solidFill>
                   <a:srgbClr val="FF0000"/>
                 </a:solidFill>
@@ -25082,7 +26699,7 @@
               <a:t>x6</a:t>
             </a:r>
             <a:r>
-              <a:rPr lang="en-US" altLang="zh-CN" sz="2000" b="1">
+              <a:rPr lang="en-US" altLang="zh-CN" sz="2000" b="1" dirty="0">
                 <a:solidFill>
                   <a:schemeClr val="folHlink"/>
                 </a:solidFill>
@@ -25091,7 +26708,7 @@
               <a:t>, [bp, </a:t>
             </a:r>
             <a:r>
-              <a:rPr lang="en-US" altLang="zh-CN" sz="2000" b="1">
+              <a:rPr lang="en-US" altLang="zh-CN" sz="2000" b="1" dirty="0">
                 <a:solidFill>
                   <a:srgbClr val="3333CC"/>
                 </a:solidFill>
@@ -25100,7 +26717,7 @@
               <a:t>12</a:t>
             </a:r>
             <a:r>
-              <a:rPr lang="en-US" altLang="zh-CN" sz="2000" b="1">
+              <a:rPr lang="en-US" altLang="zh-CN" sz="2000" b="1" dirty="0">
                 <a:solidFill>
                   <a:schemeClr val="folHlink"/>
                 </a:solidFill>
@@ -25122,7 +26739,7 @@
               <a:buNone/>
             </a:pPr>
             <a:r>
-              <a:rPr lang="en-US" altLang="zh-CN" sz="2000" b="1">
+              <a:rPr lang="en-US" altLang="zh-CN" sz="2000" b="1" dirty="0">
                 <a:solidFill>
                   <a:schemeClr val="folHlink"/>
                 </a:solidFill>
@@ -25131,7 +26748,7 @@
               <a:t>  add </a:t>
             </a:r>
             <a:r>
-              <a:rPr lang="en-US" altLang="zh-CN" sz="2000" b="1">
+              <a:rPr lang="en-US" altLang="zh-CN" sz="2000" b="1" dirty="0">
                 <a:solidFill>
                   <a:srgbClr val="FF0000"/>
                 </a:solidFill>
@@ -25140,7 +26757,7 @@
               <a:t>x8</a:t>
             </a:r>
             <a:r>
-              <a:rPr lang="en-US" altLang="zh-CN" sz="2000" b="1">
+              <a:rPr lang="en-US" altLang="zh-CN" sz="2000" b="1" dirty="0">
                 <a:solidFill>
                   <a:schemeClr val="folHlink"/>
                 </a:solidFill>
@@ -25149,7 +26766,7 @@
               <a:t>, </a:t>
             </a:r>
             <a:r>
-              <a:rPr lang="en-US" altLang="zh-CN" sz="2000" b="1">
+              <a:rPr lang="en-US" altLang="zh-CN" sz="2000" b="1" dirty="0">
                 <a:solidFill>
                   <a:srgbClr val="FF0000"/>
                 </a:solidFill>
@@ -25158,7 +26775,7 @@
               <a:t>x1</a:t>
             </a:r>
             <a:r>
-              <a:rPr lang="en-US" altLang="zh-CN" sz="2000" b="1">
+              <a:rPr lang="en-US" altLang="zh-CN" sz="2000" b="1" dirty="0">
                 <a:solidFill>
                   <a:schemeClr val="folHlink"/>
                 </a:solidFill>
@@ -25167,7 +26784,7 @@
               <a:t>, </a:t>
             </a:r>
             <a:r>
-              <a:rPr lang="en-US" altLang="zh-CN" sz="2000" b="1">
+              <a:rPr lang="en-US" altLang="zh-CN" sz="2000" b="1" dirty="0">
                 <a:solidFill>
                   <a:srgbClr val="FF0000"/>
                 </a:solidFill>
@@ -25189,7 +26806,7 @@
               <a:buNone/>
             </a:pPr>
             <a:r>
-              <a:rPr lang="en-US" altLang="zh-CN" sz="2000" b="1">
+              <a:rPr lang="en-US" altLang="zh-CN" sz="2000" b="1" dirty="0">
                 <a:solidFill>
                   <a:schemeClr val="folHlink"/>
                 </a:solidFill>
@@ -25198,7 +26815,7 @@
               <a:t>  div </a:t>
             </a:r>
             <a:r>
-              <a:rPr lang="en-US" altLang="zh-CN" sz="2000" b="1">
+              <a:rPr lang="en-US" altLang="zh-CN" sz="2000" b="1" dirty="0">
                 <a:solidFill>
                   <a:srgbClr val="FF0000"/>
                 </a:solidFill>
@@ -25207,7 +26824,7 @@
               <a:t>x9</a:t>
             </a:r>
             <a:r>
-              <a:rPr lang="en-US" altLang="zh-CN" sz="2000" b="1">
+              <a:rPr lang="en-US" altLang="zh-CN" sz="2000" b="1" dirty="0">
                 <a:solidFill>
                   <a:schemeClr val="folHlink"/>
                 </a:solidFill>
@@ -25216,7 +26833,7 @@
               <a:t>, </a:t>
             </a:r>
             <a:r>
-              <a:rPr lang="en-US" altLang="zh-CN" sz="2000" b="1">
+              <a:rPr lang="en-US" altLang="zh-CN" sz="2000" b="1" dirty="0">
                 <a:solidFill>
                   <a:srgbClr val="FF0000"/>
                 </a:solidFill>
@@ -25225,7 +26842,7 @@
               <a:t>x5</a:t>
             </a:r>
             <a:r>
-              <a:rPr lang="en-US" altLang="zh-CN" sz="2000" b="1">
+              <a:rPr lang="en-US" altLang="zh-CN" sz="2000" b="1" dirty="0">
                 <a:solidFill>
                   <a:schemeClr val="folHlink"/>
                 </a:solidFill>
@@ -25234,7 +26851,7 @@
               <a:t>, </a:t>
             </a:r>
             <a:r>
-              <a:rPr lang="en-US" altLang="zh-CN" sz="2000" b="1">
+              <a:rPr lang="en-US" altLang="zh-CN" sz="2000" b="1" dirty="0">
                 <a:solidFill>
                   <a:srgbClr val="FF0000"/>
                 </a:solidFill>
@@ -25256,7 +26873,7 @@
               <a:buNone/>
             </a:pPr>
             <a:r>
-              <a:rPr lang="en-US" altLang="zh-CN" sz="2000" b="1">
+              <a:rPr lang="en-US" altLang="zh-CN" sz="2000" b="1" dirty="0">
                 <a:solidFill>
                   <a:schemeClr val="folHlink"/>
                 </a:solidFill>
@@ -25265,7 +26882,7 @@
               <a:t>  mov r0, </a:t>
             </a:r>
             <a:r>
-              <a:rPr lang="en-US" altLang="zh-CN" sz="2000" b="1">
+              <a:rPr lang="en-US" altLang="zh-CN" sz="2000" b="1" dirty="0">
                 <a:solidFill>
                   <a:srgbClr val="FF0000"/>
                 </a:solidFill>
@@ -25287,7 +26904,7 @@
               <a:buNone/>
             </a:pPr>
             <a:r>
-              <a:rPr lang="en-US" altLang="zh-CN" sz="2000" b="1">
+              <a:rPr lang="en-US" altLang="zh-CN" sz="2000" b="1" dirty="0">
                 <a:solidFill>
                   <a:schemeClr val="folHlink"/>
                 </a:solidFill>
@@ -25296,7 +26913,7 @@
               <a:t>  </a:t>
             </a:r>
             <a:r>
-              <a:rPr lang="en-US" altLang="zh-CN" sz="2000" b="1">
+              <a:rPr lang="en-US" altLang="zh-CN" sz="2000" b="1" dirty="0">
                 <a:solidFill>
                   <a:srgbClr val="3333CC"/>
                 </a:solidFill>
@@ -25891,8 +27508,8 @@
           <a:p>
             <a:pPr algn="ctr" eaLnBrk="1" hangingPunct="1"/>
             <a:r>
-              <a:rPr lang="en-US" altLang="zh-CN" sz="2000"/>
-              <a:t>r1</a:t>
+              <a:rPr lang="en-US" altLang="zh-CN" sz="2000" dirty="0"/>
+              <a:t>r6</a:t>
             </a:r>
           </a:p>
         </p:txBody>
@@ -26264,8 +27881,8 @@
           <a:p>
             <a:pPr algn="ctr" eaLnBrk="1" hangingPunct="1"/>
             <a:r>
-              <a:rPr lang="en-US" altLang="zh-CN" sz="2000"/>
-              <a:t>r0</a:t>
+              <a:rPr lang="en-US" altLang="zh-CN" sz="2000" dirty="0"/>
+              <a:t>r7</a:t>
             </a:r>
           </a:p>
         </p:txBody>
@@ -26670,10 +28287,10 @@
           <a:p>
             <a:pPr eaLnBrk="1" hangingPunct="1"/>
             <a:r>
-              <a:rPr lang="en-US" altLang="zh-CN"/>
-              <a:t>-4</a:t>
-            </a:r>
-            <a:endParaRPr lang="zh-CN" altLang="en-US"/>
+              <a:rPr lang="en-US" altLang="zh-CN" dirty="0"/>
+              <a:t>-8</a:t>
+            </a:r>
+            <a:endParaRPr lang="zh-CN" altLang="en-US" dirty="0"/>
           </a:p>
         </p:txBody>
       </p:sp>
@@ -26837,16 +28454,26 @@
           <a:p>
             <a:pPr eaLnBrk="1" hangingPunct="1"/>
             <a:r>
-              <a:rPr lang="en-US" altLang="zh-CN" sz="1400" b="1">
+              <a:rPr lang="en-US" altLang="zh-CN" sz="1400" b="1" dirty="0" err="1">
                 <a:solidFill>
                   <a:srgbClr val="3333CC"/>
                 </a:solidFill>
                 <a:latin typeface="Courier New" panose="02070309020205020404" pitchFamily="49" charset="0"/>
                 <a:cs typeface="Courier New" panose="02070309020205020404" pitchFamily="49" charset="0"/>
               </a:rPr>
-              <a:t>st [bp, -4], r2</a:t>
-            </a:r>
-            <a:endParaRPr lang="zh-CN" altLang="en-US" sz="1400" b="1">
+              <a:t>st</a:t>
+            </a:r>
+            <a:r>
+              <a:rPr lang="en-US" altLang="zh-CN" sz="1400" b="1" dirty="0">
+                <a:solidFill>
+                  <a:srgbClr val="3333CC"/>
+                </a:solidFill>
+                <a:latin typeface="Courier New" panose="02070309020205020404" pitchFamily="49" charset="0"/>
+                <a:cs typeface="Courier New" panose="02070309020205020404" pitchFamily="49" charset="0"/>
+              </a:rPr>
+              <a:t> [bp, -8], r5</a:t>
+            </a:r>
+            <a:endParaRPr lang="zh-CN" altLang="en-US" sz="1400" b="1" dirty="0">
               <a:solidFill>
                 <a:srgbClr val="3333CC"/>
               </a:solidFill>
@@ -27009,8 +28636,8 @@
           <a:p>
             <a:pPr algn="ctr" eaLnBrk="1" hangingPunct="1"/>
             <a:r>
-              <a:rPr lang="en-US" altLang="zh-CN" sz="2000"/>
-              <a:t>r0</a:t>
+              <a:rPr lang="en-US" altLang="zh-CN" sz="2000" dirty="0"/>
+              <a:t>r7</a:t>
             </a:r>
           </a:p>
         </p:txBody>
@@ -27168,8 +28795,8 @@
           <a:p>
             <a:pPr algn="ctr" eaLnBrk="1" hangingPunct="1"/>
             <a:r>
-              <a:rPr lang="en-US" altLang="zh-CN" sz="2000"/>
-              <a:t>r1</a:t>
+              <a:rPr lang="en-US" altLang="zh-CN" sz="2000" dirty="0"/>
+              <a:t>r6</a:t>
             </a:r>
           </a:p>
         </p:txBody>
@@ -27327,8 +28954,8 @@
           <a:p>
             <a:pPr algn="ctr" eaLnBrk="1" hangingPunct="1"/>
             <a:r>
-              <a:rPr lang="en-US" altLang="zh-CN" sz="2000"/>
-              <a:t>r2</a:t>
+              <a:rPr lang="en-US" altLang="zh-CN" sz="2000" dirty="0"/>
+              <a:t>r5</a:t>
             </a:r>
           </a:p>
         </p:txBody>
@@ -27701,8 +29328,8 @@
           <a:p>
             <a:pPr algn="ctr" eaLnBrk="1" hangingPunct="1"/>
             <a:r>
-              <a:rPr lang="en-US" altLang="zh-CN" sz="2000"/>
-              <a:t>r0</a:t>
+              <a:rPr lang="en-US" altLang="zh-CN" sz="2000" dirty="0"/>
+              <a:t>r7</a:t>
             </a:r>
           </a:p>
         </p:txBody>
@@ -27860,8 +29487,8 @@
           <a:p>
             <a:pPr algn="ctr" eaLnBrk="1" hangingPunct="1"/>
             <a:r>
-              <a:rPr lang="en-US" altLang="zh-CN" sz="2000"/>
-              <a:t>r1</a:t>
+              <a:rPr lang="en-US" altLang="zh-CN" sz="2000" dirty="0"/>
+              <a:t>r6</a:t>
             </a:r>
           </a:p>
         </p:txBody>
@@ -28019,8 +29646,8 @@
           <a:p>
             <a:pPr algn="ctr" eaLnBrk="1" hangingPunct="1"/>
             <a:r>
-              <a:rPr lang="en-US" altLang="zh-CN" sz="2000"/>
-              <a:t>r2</a:t>
+              <a:rPr lang="en-US" altLang="zh-CN" sz="2000" dirty="0"/>
+              <a:t>r5</a:t>
             </a:r>
           </a:p>
         </p:txBody>
@@ -28178,8 +29805,8 @@
           <a:p>
             <a:pPr algn="ctr" eaLnBrk="1" hangingPunct="1"/>
             <a:r>
-              <a:rPr lang="en-US" altLang="zh-CN" sz="2000"/>
-              <a:t>r2</a:t>
+              <a:rPr lang="en-US" altLang="zh-CN" sz="2000" dirty="0"/>
+              <a:t>r5</a:t>
             </a:r>
           </a:p>
         </p:txBody>
@@ -28392,6 +30019,16 @@
           <a:p>
             <a:pPr eaLnBrk="1" hangingPunct="1"/>
             <a:r>
+              <a:rPr lang="en-US" altLang="zh-CN" sz="1400" b="1" dirty="0" err="1">
+                <a:solidFill>
+                  <a:srgbClr val="3333CC"/>
+                </a:solidFill>
+                <a:latin typeface="Courier New" panose="02070309020205020404" pitchFamily="49" charset="0"/>
+                <a:cs typeface="Courier New" panose="02070309020205020404" pitchFamily="49" charset="0"/>
+              </a:rPr>
+              <a:t>ld</a:t>
+            </a:r>
+            <a:r>
               <a:rPr lang="en-US" altLang="zh-CN" sz="1400" b="1">
                 <a:solidFill>
                   <a:srgbClr val="3333CC"/>
@@ -28399,9 +30036,19 @@
                 <a:latin typeface="Courier New" panose="02070309020205020404" pitchFamily="49" charset="0"/>
                 <a:cs typeface="Courier New" panose="02070309020205020404" pitchFamily="49" charset="0"/>
               </a:rPr>
-              <a:t>ld r1, [bp, -4]</a:t>
-            </a:r>
-            <a:endParaRPr lang="zh-CN" altLang="en-US" sz="1400" b="1">
+              <a:t> r6, </a:t>
+            </a:r>
+            <a:r>
+              <a:rPr lang="en-US" altLang="zh-CN" sz="1400" b="1" dirty="0">
+                <a:solidFill>
+                  <a:srgbClr val="3333CC"/>
+                </a:solidFill>
+                <a:latin typeface="Courier New" panose="02070309020205020404" pitchFamily="49" charset="0"/>
+                <a:cs typeface="Courier New" panose="02070309020205020404" pitchFamily="49" charset="0"/>
+              </a:rPr>
+              <a:t>[bp, -8]</a:t>
+            </a:r>
+            <a:endParaRPr lang="zh-CN" altLang="en-US" sz="1400" b="1" dirty="0">
               <a:solidFill>
                 <a:srgbClr val="3333CC"/>
               </a:solidFill>
@@ -28427,7 +30074,7 @@
         </p:nvSpPr>
         <p:spPr bwMode="auto">
           <a:xfrm>
-            <a:off x="4648200" y="3048000"/>
+            <a:off x="4648200" y="2971800"/>
             <a:ext cx="457200" cy="457200"/>
           </a:xfrm>
           <a:prstGeom prst="ellipse">
@@ -28564,8 +30211,8 @@
           <a:p>
             <a:pPr algn="ctr" eaLnBrk="1" hangingPunct="1"/>
             <a:r>
-              <a:rPr lang="en-US" altLang="zh-CN" sz="2000"/>
-              <a:t>r1</a:t>
+              <a:rPr lang="en-US" altLang="zh-CN" sz="2000" dirty="0"/>
+              <a:t>r5</a:t>
             </a:r>
           </a:p>
         </p:txBody>
@@ -28723,8 +30370,8 @@
           <a:p>
             <a:pPr algn="ctr" eaLnBrk="1" hangingPunct="1"/>
             <a:r>
-              <a:rPr lang="en-US" altLang="zh-CN" sz="2000"/>
-              <a:t>r1</a:t>
+              <a:rPr lang="en-US" altLang="zh-CN" sz="2000" dirty="0"/>
+              <a:t>r6</a:t>
             </a:r>
           </a:p>
         </p:txBody>
@@ -28882,8 +30529,8 @@
           <a:p>
             <a:pPr algn="ctr" eaLnBrk="1" hangingPunct="1"/>
             <a:r>
-              <a:rPr lang="en-US" altLang="zh-CN" sz="2000"/>
-              <a:t>r2</a:t>
+              <a:rPr lang="en-US" altLang="zh-CN" sz="2000" dirty="0"/>
+              <a:t>r7</a:t>
             </a:r>
           </a:p>
         </p:txBody>
@@ -29041,8 +30688,8 @@
           <a:p>
             <a:pPr algn="ctr" eaLnBrk="1" hangingPunct="1"/>
             <a:r>
-              <a:rPr lang="en-US" altLang="zh-CN" sz="2000"/>
-              <a:t>r1</a:t>
+              <a:rPr lang="en-US" altLang="zh-CN" sz="2000" dirty="0"/>
+              <a:t>r7</a:t>
             </a:r>
           </a:p>
         </p:txBody>
@@ -29200,8 +30847,8 @@
           <a:p>
             <a:pPr algn="ctr" eaLnBrk="1" hangingPunct="1"/>
             <a:r>
-              <a:rPr lang="en-US" altLang="zh-CN" sz="2000"/>
-              <a:t>r1</a:t>
+              <a:rPr lang="en-US" altLang="zh-CN" sz="2000" dirty="0"/>
+              <a:t>r7</a:t>
             </a:r>
           </a:p>
         </p:txBody>
@@ -29840,62 +31487,62 @@
           <a:lstStyle/>
           <a:p>
             <a:r>
-              <a:rPr lang="en-US" altLang="zh-CN"/>
+              <a:rPr lang="en-US" altLang="zh-CN" dirty="0"/>
               <a:t>Bottom-up allocator is easy to engineer</a:t>
             </a:r>
           </a:p>
           <a:p>
             <a:pPr lvl="1"/>
             <a:r>
-              <a:rPr lang="en-US" altLang="zh-CN"/>
+              <a:rPr lang="en-US" altLang="zh-CN" dirty="0"/>
               <a:t>basically a syntax-directed one</a:t>
             </a:r>
           </a:p>
           <a:p>
             <a:r>
-              <a:rPr lang="en-US" altLang="zh-CN"/>
-              <a:t>And tends to produce very high-quality code</a:t>
+              <a:rPr lang="en-US" altLang="zh-CN" dirty="0"/>
+              <a:t>Tends to produce high-quality code</a:t>
             </a:r>
           </a:p>
           <a:p>
             <a:pPr lvl="1"/>
             <a:r>
-              <a:rPr lang="en-US" altLang="zh-CN"/>
+              <a:rPr lang="en-US" altLang="zh-CN" dirty="0"/>
               <a:t>in some cases, produce </a:t>
             </a:r>
             <a:r>
-              <a:rPr lang="en-US" altLang="zh-CN">
-                <a:solidFill>
-                  <a:srgbClr val="3333CC"/>
+              <a:rPr lang="en-US" altLang="zh-CN" dirty="0">
+                <a:solidFill>
+                  <a:srgbClr val="0432FF"/>
                 </a:solidFill>
               </a:rPr>
               <a:t>optimal</a:t>
             </a:r>
             <a:r>
-              <a:rPr lang="en-US" altLang="zh-CN"/>
+              <a:rPr lang="en-US" altLang="zh-CN" dirty="0"/>
               <a:t> code</a:t>
             </a:r>
           </a:p>
           <a:p>
             <a:pPr lvl="2"/>
             <a:r>
-              <a:rPr lang="en-US" altLang="zh-CN"/>
+              <a:rPr lang="en-US" altLang="zh-CN" dirty="0"/>
               <a:t>optimal: the least # of spills</a:t>
             </a:r>
           </a:p>
           <a:p>
             <a:r>
-              <a:rPr lang="en-US" altLang="zh-CN"/>
-              <a:t>The difficulty is NPC in theory</a:t>
+              <a:rPr lang="en-US" altLang="zh-CN" dirty="0"/>
+              <a:t>The complexity is NPC in theory</a:t>
             </a:r>
           </a:p>
           <a:p>
             <a:pPr lvl="1"/>
             <a:r>
-              <a:rPr lang="en-US" altLang="zh-CN"/>
+              <a:rPr lang="en-US" altLang="zh-CN" dirty="0"/>
               <a:t>even for local allocation...</a:t>
             </a:r>
-            <a:endParaRPr lang="zh-CN" altLang="en-US"/>
+            <a:endParaRPr lang="zh-CN" altLang="en-US" dirty="0"/>
           </a:p>
         </p:txBody>
       </p:sp>
@@ -29975,51 +31622,67 @@
           <a:lstStyle/>
           <a:p>
             <a:r>
-              <a:rPr lang="en-US" altLang="zh-CN"/>
+              <a:rPr lang="en-US" altLang="zh-CN" dirty="0"/>
               <a:t>Local RA operates on a single BB</a:t>
             </a:r>
           </a:p>
           <a:p>
             <a:pPr lvl="1"/>
             <a:r>
-              <a:rPr lang="en-US" altLang="zh-CN"/>
+              <a:rPr lang="en-US" altLang="zh-CN" dirty="0"/>
               <a:t>Top-down: based on priority</a:t>
             </a:r>
           </a:p>
           <a:p>
             <a:pPr lvl="1"/>
             <a:r>
-              <a:rPr lang="en-US" altLang="zh-CN"/>
+              <a:rPr lang="en-US" altLang="zh-CN" dirty="0"/>
               <a:t>Bottom-up: can reuse registers, produce better code</a:t>
             </a:r>
           </a:p>
           <a:p>
             <a:r>
-              <a:rPr lang="en-US" altLang="zh-CN"/>
+              <a:rPr lang="en-US" altLang="zh-CN" dirty="0"/>
               <a:t>Global RA:</a:t>
             </a:r>
           </a:p>
           <a:p>
             <a:pPr lvl="1"/>
             <a:r>
-              <a:rPr lang="en-US" altLang="zh-CN"/>
+              <a:rPr lang="en-US" altLang="zh-CN" dirty="0"/>
               <a:t>operates on the entire function</a:t>
             </a:r>
           </a:p>
           <a:p>
             <a:pPr lvl="1"/>
             <a:r>
-              <a:rPr lang="en-US" altLang="zh-CN"/>
+              <a:rPr lang="en-US" altLang="zh-CN" dirty="0"/>
               <a:t>need more complex program analysis</a:t>
             </a:r>
           </a:p>
           <a:p>
             <a:pPr lvl="1"/>
             <a:r>
-              <a:rPr lang="en-US" altLang="zh-CN"/>
-              <a:t>to be discussed later</a:t>
-            </a:r>
-            <a:endParaRPr lang="zh-CN" altLang="en-US"/>
+              <a:rPr lang="en-US" altLang="zh-CN" dirty="0"/>
+              <a:t>to be discussed in</a:t>
+            </a:r>
+            <a:r>
+              <a:rPr lang="zh-CN" altLang="en-US" dirty="0"/>
+              <a:t> </a:t>
+            </a:r>
+            <a:r>
+              <a:rPr lang="en-US" altLang="zh-CN" dirty="0"/>
+              <a:t>future</a:t>
+            </a:r>
+            <a:r>
+              <a:rPr lang="zh-CN" altLang="en-US" dirty="0"/>
+              <a:t> </a:t>
+            </a:r>
+            <a:r>
+              <a:rPr lang="en-US" altLang="zh-CN" dirty="0"/>
+              <a:t>lectures</a:t>
+            </a:r>
+            <a:endParaRPr lang="zh-CN" altLang="en-US" dirty="0"/>
           </a:p>
         </p:txBody>
       </p:sp>
@@ -32140,7 +33803,7 @@
               <a:buNone/>
             </a:pPr>
             <a:r>
-              <a:rPr lang="en-US" altLang="zh-CN" sz="2000" b="1">
+              <a:rPr lang="en-US" altLang="zh-CN" sz="2000" b="1" dirty="0">
                 <a:latin typeface="Courier New" panose="02070309020205020404" pitchFamily="49" charset="0"/>
               </a:rPr>
               <a:t>// Control-flow graph:</a:t>
@@ -32159,9 +33822,9 @@
               <a:buNone/>
             </a:pPr>
             <a:r>
-              <a:rPr lang="en-US" altLang="zh-CN" sz="2000" b="1">
-                <a:solidFill>
-                  <a:schemeClr val="folHlink"/>
+              <a:rPr lang="en-US" altLang="zh-CN" sz="2000" b="1" dirty="0">
+                <a:solidFill>
+                  <a:srgbClr val="0432FF"/>
                 </a:solidFill>
                 <a:latin typeface="Courier New" panose="02070309020205020404" pitchFamily="49" charset="0"/>
               </a:rPr>
@@ -32181,9 +33844,9 @@
               <a:buNone/>
             </a:pPr>
             <a:r>
-              <a:rPr lang="en-US" altLang="zh-CN" sz="2000" b="1">
-                <a:solidFill>
-                  <a:schemeClr val="folHlink"/>
+              <a:rPr lang="en-US" altLang="zh-CN" sz="2000" b="1" dirty="0">
+                <a:solidFill>
+                  <a:srgbClr val="0432FF"/>
                 </a:solidFill>
                 <a:latin typeface="Courier New" panose="02070309020205020404" pitchFamily="49" charset="0"/>
               </a:rPr>
@@ -32203,9 +33866,9 @@
               <a:buNone/>
             </a:pPr>
             <a:r>
-              <a:rPr lang="en-US" altLang="zh-CN" sz="2000" b="1">
-                <a:solidFill>
-                  <a:schemeClr val="folHlink"/>
+              <a:rPr lang="en-US" altLang="zh-CN" sz="2000" b="1" dirty="0">
+                <a:solidFill>
+                  <a:srgbClr val="0432FF"/>
                 </a:solidFill>
                 <a:latin typeface="Courier New" panose="02070309020205020404" pitchFamily="49" charset="0"/>
               </a:rPr>
@@ -32225,9 +33888,9 @@
               <a:buNone/>
             </a:pPr>
             <a:r>
-              <a:rPr lang="en-US" altLang="zh-CN" sz="2000" b="1">
-                <a:solidFill>
-                  <a:schemeClr val="folHlink"/>
+              <a:rPr lang="en-US" altLang="zh-CN" sz="2000" b="1" dirty="0">
+                <a:solidFill>
+                  <a:srgbClr val="0432FF"/>
                 </a:solidFill>
                 <a:latin typeface="Courier New" panose="02070309020205020404" pitchFamily="49" charset="0"/>
               </a:rPr>
@@ -32247,9 +33910,9 @@
               <a:buNone/>
             </a:pPr>
             <a:r>
-              <a:rPr lang="en-US" altLang="zh-CN" sz="2000" b="1">
-                <a:solidFill>
-                  <a:schemeClr val="folHlink"/>
+              <a:rPr lang="en-US" altLang="zh-CN" sz="2000" b="1" dirty="0">
+                <a:solidFill>
+                  <a:srgbClr val="0432FF"/>
                 </a:solidFill>
                 <a:latin typeface="Courier New" panose="02070309020205020404" pitchFamily="49" charset="0"/>
               </a:rPr>
@@ -32426,7 +34089,7 @@
               <a:buNone/>
             </a:pPr>
             <a:r>
-              <a:rPr lang="en-US" altLang="zh-CN" sz="2000" b="1">
+              <a:rPr lang="en-US" altLang="zh-CN" sz="2000" b="1" dirty="0">
                 <a:latin typeface="Courier New" panose="02070309020205020404" pitchFamily="49" charset="0"/>
               </a:rPr>
               <a:t>// After instruction </a:t>
@@ -32445,7 +34108,7 @@
               <a:buNone/>
             </a:pPr>
             <a:r>
-              <a:rPr lang="en-US" altLang="zh-CN" sz="2000" b="1">
+              <a:rPr lang="en-US" altLang="zh-CN" sz="2000" b="1" dirty="0">
                 <a:latin typeface="Courier New" panose="02070309020205020404" pitchFamily="49" charset="0"/>
               </a:rPr>
               <a:t>// selection (xi are </a:t>
@@ -32464,10 +34127,22 @@
               <a:buNone/>
             </a:pPr>
             <a:r>
-              <a:rPr lang="en-US" altLang="zh-CN" sz="2000" b="1">
-                <a:latin typeface="Courier New" panose="02070309020205020404" pitchFamily="49" charset="0"/>
-              </a:rPr>
-              <a:t>// virtual regs; ri are </a:t>
+              <a:rPr lang="en-US" altLang="zh-CN" sz="2000" b="1" dirty="0">
+                <a:latin typeface="Courier New" panose="02070309020205020404" pitchFamily="49" charset="0"/>
+              </a:rPr>
+              <a:t>// virtual regs; %</a:t>
+            </a:r>
+            <a:r>
+              <a:rPr lang="en-US" altLang="zh-CN" sz="2000" b="1" dirty="0" err="1">
+                <a:latin typeface="Courier New" panose="02070309020205020404" pitchFamily="49" charset="0"/>
+              </a:rPr>
+              <a:t>ri</a:t>
+            </a:r>
+            <a:r>
+              <a:rPr lang="en-US" altLang="zh-CN" sz="2000" b="1" dirty="0">
+                <a:latin typeface="Courier New" panose="02070309020205020404" pitchFamily="49" charset="0"/>
+              </a:rPr>
+              <a:t> are </a:t>
             </a:r>
           </a:p>
           <a:p>
@@ -32483,7 +34158,7 @@
               <a:buNone/>
             </a:pPr>
             <a:r>
-              <a:rPr lang="en-US" altLang="zh-CN" sz="2000" b="1">
+              <a:rPr lang="en-US" altLang="zh-CN" sz="2000" b="1" dirty="0">
                 <a:latin typeface="Courier New" panose="02070309020205020404" pitchFamily="49" charset="0"/>
               </a:rPr>
               <a:t>// physical regs):</a:t>
@@ -32502,9 +34177,9 @@
               <a:buNone/>
             </a:pPr>
             <a:r>
-              <a:rPr lang="en-US" altLang="zh-CN" sz="2000" b="1">
-                <a:solidFill>
-                  <a:schemeClr val="folHlink"/>
+              <a:rPr lang="en-US" altLang="zh-CN" sz="2000" b="1" dirty="0">
+                <a:solidFill>
+                  <a:srgbClr val="0432FF"/>
                 </a:solidFill>
                 <a:latin typeface="Courier New" panose="02070309020205020404" pitchFamily="49" charset="0"/>
               </a:rPr>
@@ -32524,13 +34199,13 @@
               <a:buNone/>
             </a:pPr>
             <a:r>
-              <a:rPr lang="en-US" altLang="zh-CN" sz="2000" b="1">
-                <a:solidFill>
-                  <a:schemeClr val="folHlink"/>
-                </a:solidFill>
-                <a:latin typeface="Courier New" panose="02070309020205020404" pitchFamily="49" charset="0"/>
-              </a:rPr>
-              <a:t>  mov x1, r1</a:t>
+              <a:rPr lang="en-US" altLang="zh-CN" sz="2000" b="1" dirty="0">
+                <a:solidFill>
+                  <a:srgbClr val="0432FF"/>
+                </a:solidFill>
+                <a:latin typeface="Courier New" panose="02070309020205020404" pitchFamily="49" charset="0"/>
+              </a:rPr>
+              <a:t>  mov x1, %r1</a:t>
             </a:r>
           </a:p>
           <a:p>
@@ -32546,13 +34221,13 @@
               <a:buNone/>
             </a:pPr>
             <a:r>
-              <a:rPr lang="en-US" altLang="zh-CN" sz="2000" b="1">
-                <a:solidFill>
-                  <a:schemeClr val="folHlink"/>
-                </a:solidFill>
-                <a:latin typeface="Courier New" panose="02070309020205020404" pitchFamily="49" charset="0"/>
-              </a:rPr>
-              <a:t>  mov x2, r2</a:t>
+              <a:rPr lang="en-US" altLang="zh-CN" sz="2000" b="1" dirty="0">
+                <a:solidFill>
+                  <a:srgbClr val="0432FF"/>
+                </a:solidFill>
+                <a:latin typeface="Courier New" panose="02070309020205020404" pitchFamily="49" charset="0"/>
+              </a:rPr>
+              <a:t>  mov x2, %r2</a:t>
             </a:r>
           </a:p>
           <a:p>
@@ -32568,9 +34243,9 @@
               <a:buNone/>
             </a:pPr>
             <a:r>
-              <a:rPr lang="en-US" altLang="zh-CN" sz="2000" b="1">
-                <a:solidFill>
-                  <a:schemeClr val="folHlink"/>
+              <a:rPr lang="en-US" altLang="zh-CN" sz="2000" b="1" dirty="0">
+                <a:solidFill>
+                  <a:srgbClr val="0432FF"/>
                 </a:solidFill>
                 <a:latin typeface="Courier New" panose="02070309020205020404" pitchFamily="49" charset="0"/>
               </a:rPr>
@@ -32590,31 +34265,31 @@
               <a:buNone/>
             </a:pPr>
             <a:r>
-              <a:rPr lang="en-US" altLang="zh-CN" sz="2000" b="1">
-                <a:solidFill>
-                  <a:schemeClr val="folHlink"/>
-                </a:solidFill>
-                <a:latin typeface="Courier New" panose="02070309020205020404" pitchFamily="49" charset="0"/>
-              </a:rPr>
-              <a:t>  ld  x5, [bp, </a:t>
-            </a:r>
-            <a:r>
-              <a:rPr lang="en-US" altLang="zh-CN" sz="2000" b="1">
-                <a:solidFill>
-                  <a:srgbClr val="FF0000"/>
-                </a:solidFill>
-                <a:latin typeface="Courier New" panose="02070309020205020404" pitchFamily="49" charset="0"/>
-              </a:rPr>
-              <a:t>8</a:t>
-            </a:r>
-            <a:r>
-              <a:rPr lang="en-US" altLang="zh-CN" sz="2000" b="1">
-                <a:solidFill>
-                  <a:schemeClr val="folHlink"/>
-                </a:solidFill>
-                <a:latin typeface="Courier New" panose="02070309020205020404" pitchFamily="49" charset="0"/>
-              </a:rPr>
-              <a:t>]</a:t>
+              <a:rPr lang="en-US" altLang="zh-CN" sz="2000" b="1" dirty="0">
+                <a:solidFill>
+                  <a:srgbClr val="0432FF"/>
+                </a:solidFill>
+                <a:latin typeface="Courier New" panose="02070309020205020404" pitchFamily="49" charset="0"/>
+              </a:rPr>
+              <a:t>  </a:t>
+            </a:r>
+            <a:r>
+              <a:rPr lang="en-US" altLang="zh-CN" sz="2000" b="1" dirty="0" err="1">
+                <a:solidFill>
+                  <a:srgbClr val="0432FF"/>
+                </a:solidFill>
+                <a:latin typeface="Courier New" panose="02070309020205020404" pitchFamily="49" charset="0"/>
+              </a:rPr>
+              <a:t>ld</a:t>
+            </a:r>
+            <a:r>
+              <a:rPr lang="en-US" altLang="zh-CN" sz="2000" b="1" dirty="0">
+                <a:solidFill>
+                  <a:srgbClr val="0432FF"/>
+                </a:solidFill>
+                <a:latin typeface="Courier New" panose="02070309020205020404" pitchFamily="49" charset="0"/>
+              </a:rPr>
+              <a:t>  x5, [%bp, 8]</a:t>
             </a:r>
           </a:p>
           <a:p>
@@ -32630,35 +34305,32 @@
               <a:buNone/>
             </a:pPr>
             <a:r>
-              <a:rPr lang="en-US" altLang="zh-CN" sz="2000" b="1">
-                <a:solidFill>
-                  <a:schemeClr val="folHlink"/>
-                </a:solidFill>
-                <a:latin typeface="Courier New" panose="02070309020205020404" pitchFamily="49" charset="0"/>
-              </a:rPr>
-              <a:t>  ld  x6, [bp, </a:t>
-            </a:r>
-            <a:r>
-              <a:rPr lang="en-US" altLang="zh-CN" sz="2000" b="1">
-                <a:solidFill>
-                  <a:srgbClr val="FF0000"/>
-                </a:solidFill>
-                <a:latin typeface="Courier New" panose="02070309020205020404" pitchFamily="49" charset="0"/>
-              </a:rPr>
-              <a:t>12</a:t>
-            </a:r>
-            <a:r>
-              <a:rPr lang="en-US" altLang="zh-CN" sz="2000" b="1">
-                <a:solidFill>
-                  <a:schemeClr val="folHlink"/>
-                </a:solidFill>
-                <a:latin typeface="Courier New" panose="02070309020205020404" pitchFamily="49" charset="0"/>
-              </a:rPr>
-              <a:t>]</a:t>
-            </a:r>
-            <a:endParaRPr lang="en-US" altLang="zh-CN" sz="2000" b="1">
-              <a:latin typeface="Courier New" panose="02070309020205020404" pitchFamily="49" charset="0"/>
-            </a:endParaRPr>
+              <a:rPr lang="en-US" altLang="zh-CN" sz="2000" b="1" dirty="0">
+                <a:solidFill>
+                  <a:srgbClr val="0432FF"/>
+                </a:solidFill>
+                <a:latin typeface="Courier New" panose="02070309020205020404" pitchFamily="49" charset="0"/>
+              </a:rPr>
+              <a:t>  </a:t>
+            </a:r>
+            <a:r>
+              <a:rPr lang="en-US" altLang="zh-CN" sz="2000" b="1" dirty="0" err="1">
+                <a:solidFill>
+                  <a:srgbClr val="0432FF"/>
+                </a:solidFill>
+                <a:latin typeface="Courier New" panose="02070309020205020404" pitchFamily="49" charset="0"/>
+              </a:rPr>
+              <a:t>ld</a:t>
+            </a:r>
+            <a:r>
+              <a:rPr lang="en-US" altLang="zh-CN" sz="2000" b="1" dirty="0">
+                <a:solidFill>
+                  <a:srgbClr val="0432FF"/>
+                </a:solidFill>
+                <a:latin typeface="Courier New" panose="02070309020205020404" pitchFamily="49" charset="0"/>
+              </a:rPr>
+              <a:t>  x6, [%bp, 16]</a:t>
+            </a:r>
           </a:p>
           <a:p>
             <a:pPr eaLnBrk="1" hangingPunct="1">
@@ -32673,9 +34345,9 @@
               <a:buNone/>
             </a:pPr>
             <a:r>
-              <a:rPr lang="en-US" altLang="zh-CN" sz="2000" b="1">
-                <a:solidFill>
-                  <a:schemeClr val="folHlink"/>
+              <a:rPr lang="en-US" altLang="zh-CN" sz="2000" b="1" dirty="0">
+                <a:solidFill>
+                  <a:srgbClr val="0432FF"/>
                 </a:solidFill>
                 <a:latin typeface="Courier New" panose="02070309020205020404" pitchFamily="49" charset="0"/>
               </a:rPr>
@@ -32695,13 +34367,13 @@
               <a:buNone/>
             </a:pPr>
             <a:r>
-              <a:rPr lang="en-US" altLang="zh-CN" sz="2000" b="1">
-                <a:solidFill>
-                  <a:schemeClr val="folHlink"/>
-                </a:solidFill>
-                <a:latin typeface="Courier New" panose="02070309020205020404" pitchFamily="49" charset="0"/>
-              </a:rPr>
-              <a:t>  mov r0, x9</a:t>
+              <a:rPr lang="en-US" altLang="zh-CN" sz="2000" b="1" dirty="0">
+                <a:solidFill>
+                  <a:srgbClr val="0432FF"/>
+                </a:solidFill>
+                <a:latin typeface="Courier New" panose="02070309020205020404" pitchFamily="49" charset="0"/>
+              </a:rPr>
+              <a:t>  mov %r0, x9</a:t>
             </a:r>
           </a:p>
           <a:p>
@@ -32717,22 +34389,13 @@
               <a:buNone/>
             </a:pPr>
             <a:r>
-              <a:rPr lang="en-US" altLang="zh-CN" sz="2000" b="1">
-                <a:solidFill>
-                  <a:schemeClr val="folHlink"/>
-                </a:solidFill>
-                <a:latin typeface="Courier New" panose="02070309020205020404" pitchFamily="49" charset="0"/>
-              </a:rPr>
-              <a:t>  </a:t>
-            </a:r>
-            <a:r>
-              <a:rPr lang="en-US" altLang="zh-CN" sz="2000" b="1">
-                <a:solidFill>
-                  <a:srgbClr val="3333CC"/>
-                </a:solidFill>
-                <a:latin typeface="Courier New" panose="02070309020205020404" pitchFamily="49" charset="0"/>
-              </a:rPr>
-              <a:t>ret</a:t>
+              <a:rPr lang="en-US" altLang="zh-CN" sz="2000" b="1" dirty="0">
+                <a:solidFill>
+                  <a:srgbClr val="0432FF"/>
+                </a:solidFill>
+                <a:latin typeface="Courier New" panose="02070309020205020404" pitchFamily="49" charset="0"/>
+              </a:rPr>
+              <a:t>  ret</a:t>
             </a:r>
           </a:p>
         </p:txBody>
@@ -33278,7 +34941,7 @@
               <a:buNone/>
             </a:pPr>
             <a:r>
-              <a:rPr lang="en-US" altLang="zh-CN" sz="2000" b="1">
+              <a:rPr lang="en-US" altLang="zh-CN" sz="2000" b="1" dirty="0">
                 <a:latin typeface="Courier New" panose="02070309020205020404" pitchFamily="49" charset="0"/>
               </a:rPr>
               <a:t>// Generated code:</a:t>
@@ -33297,7 +34960,7 @@
               <a:buNone/>
             </a:pPr>
             <a:r>
-              <a:rPr lang="en-US" altLang="zh-CN" sz="2000" b="1">
+              <a:rPr lang="en-US" altLang="zh-CN" sz="2000" b="1" dirty="0">
                 <a:latin typeface="Courier New" panose="02070309020205020404" pitchFamily="49" charset="0"/>
               </a:rPr>
               <a:t>// 9 virtual regs.</a:t>
@@ -33316,7 +34979,7 @@
               <a:buNone/>
             </a:pPr>
             <a:r>
-              <a:rPr lang="en-US" altLang="zh-CN" sz="2000" b="1">
+              <a:rPr lang="en-US" altLang="zh-CN" sz="2000" b="1" dirty="0">
                 <a:solidFill>
                   <a:schemeClr val="folHlink"/>
                 </a:solidFill>
@@ -33338,7 +35001,7 @@
               <a:buNone/>
             </a:pPr>
             <a:r>
-              <a:rPr lang="en-US" altLang="zh-CN" sz="2000" b="1">
+              <a:rPr lang="en-US" altLang="zh-CN" sz="2000" b="1" dirty="0">
                 <a:solidFill>
                   <a:schemeClr val="folHlink"/>
                 </a:solidFill>
@@ -33347,7 +35010,7 @@
               <a:t>  mov </a:t>
             </a:r>
             <a:r>
-              <a:rPr lang="en-US" altLang="zh-CN" sz="2000" b="1">
+              <a:rPr lang="en-US" altLang="zh-CN" sz="2000" b="1" dirty="0">
                 <a:solidFill>
                   <a:srgbClr val="FF0000"/>
                 </a:solidFill>
@@ -33356,13 +35019,13 @@
               <a:t>x1</a:t>
             </a:r>
             <a:r>
-              <a:rPr lang="en-US" altLang="zh-CN" sz="2000" b="1">
+              <a:rPr lang="en-US" altLang="zh-CN" sz="2000" b="1" dirty="0">
                 <a:solidFill>
                   <a:schemeClr val="folHlink"/>
                 </a:solidFill>
                 <a:latin typeface="Courier New" panose="02070309020205020404" pitchFamily="49" charset="0"/>
               </a:rPr>
-              <a:t>, r1</a:t>
+              <a:t>, %r1</a:t>
             </a:r>
           </a:p>
           <a:p>
@@ -33378,7 +35041,7 @@
               <a:buNone/>
             </a:pPr>
             <a:r>
-              <a:rPr lang="en-US" altLang="zh-CN" sz="2000" b="1">
+              <a:rPr lang="en-US" altLang="zh-CN" sz="2000" b="1" dirty="0">
                 <a:solidFill>
                   <a:schemeClr val="folHlink"/>
                 </a:solidFill>
@@ -33387,7 +35050,7 @@
               <a:t>  mov </a:t>
             </a:r>
             <a:r>
-              <a:rPr lang="en-US" altLang="zh-CN" sz="2000" b="1">
+              <a:rPr lang="en-US" altLang="zh-CN" sz="2000" b="1" dirty="0">
                 <a:solidFill>
                   <a:srgbClr val="FF0000"/>
                 </a:solidFill>
@@ -33396,13 +35059,13 @@
               <a:t>x2</a:t>
             </a:r>
             <a:r>
-              <a:rPr lang="en-US" altLang="zh-CN" sz="2000" b="1">
+              <a:rPr lang="en-US" altLang="zh-CN" sz="2000" b="1" dirty="0">
                 <a:solidFill>
                   <a:schemeClr val="folHlink"/>
                 </a:solidFill>
                 <a:latin typeface="Courier New" panose="02070309020205020404" pitchFamily="49" charset="0"/>
               </a:rPr>
-              <a:t>, r2</a:t>
+              <a:t>, %r2</a:t>
             </a:r>
           </a:p>
           <a:p>
@@ -33418,16 +35081,34 @@
               <a:buNone/>
             </a:pPr>
             <a:r>
-              <a:rPr lang="en-US" altLang="zh-CN" sz="2000" b="1">
+              <a:rPr lang="en-US" altLang="zh-CN" sz="2000" b="1" dirty="0">
                 <a:solidFill>
                   <a:schemeClr val="folHlink"/>
                 </a:solidFill>
                 <a:latin typeface="Courier New" panose="02070309020205020404" pitchFamily="49" charset="0"/>
               </a:rPr>
-              <a:t>  ld  </a:t>
-            </a:r>
-            <a:r>
-              <a:rPr lang="en-US" altLang="zh-CN" sz="2000" b="1">
+              <a:t>  </a:t>
+            </a:r>
+            <a:r>
+              <a:rPr lang="en-US" altLang="zh-CN" sz="2000" b="1" dirty="0" err="1">
+                <a:solidFill>
+                  <a:schemeClr val="folHlink"/>
+                </a:solidFill>
+                <a:latin typeface="Courier New" panose="02070309020205020404" pitchFamily="49" charset="0"/>
+              </a:rPr>
+              <a:t>ld</a:t>
+            </a:r>
+            <a:r>
+              <a:rPr lang="en-US" altLang="zh-CN" sz="2000" b="1" dirty="0">
+                <a:solidFill>
+                  <a:schemeClr val="folHlink"/>
+                </a:solidFill>
+                <a:latin typeface="Courier New" panose="02070309020205020404" pitchFamily="49" charset="0"/>
+              </a:rPr>
+              <a:t>  </a:t>
+            </a:r>
+            <a:r>
+              <a:rPr lang="en-US" altLang="zh-CN" sz="2000" b="1" dirty="0">
                 <a:solidFill>
                   <a:srgbClr val="FF0000"/>
                 </a:solidFill>
@@ -33436,16 +35117,16 @@
               <a:t>x5</a:t>
             </a:r>
             <a:r>
-              <a:rPr lang="en-US" altLang="zh-CN" sz="2000" b="1">
+              <a:rPr lang="en-US" altLang="zh-CN" sz="2000" b="1" dirty="0">
                 <a:solidFill>
                   <a:schemeClr val="folHlink"/>
                 </a:solidFill>
                 <a:latin typeface="Courier New" panose="02070309020205020404" pitchFamily="49" charset="0"/>
               </a:rPr>
-              <a:t>, [bp, </a:t>
-            </a:r>
-            <a:r>
-              <a:rPr lang="en-US" altLang="zh-CN" sz="2000" b="1">
+              <a:t>, [%bp, </a:t>
+            </a:r>
+            <a:r>
+              <a:rPr lang="en-US" altLang="zh-CN" sz="2000" b="1" dirty="0">
                 <a:solidFill>
                   <a:srgbClr val="3333CC"/>
                 </a:solidFill>
@@ -33454,7 +35135,7 @@
               <a:t>8</a:t>
             </a:r>
             <a:r>
-              <a:rPr lang="en-US" altLang="zh-CN" sz="2000" b="1">
+              <a:rPr lang="en-US" altLang="zh-CN" sz="2000" b="1" dirty="0">
                 <a:solidFill>
                   <a:schemeClr val="folHlink"/>
                 </a:solidFill>
@@ -33476,16 +35157,34 @@
               <a:buNone/>
             </a:pPr>
             <a:r>
-              <a:rPr lang="en-US" altLang="zh-CN" sz="2000" b="1">
+              <a:rPr lang="en-US" altLang="zh-CN" sz="2000" b="1" dirty="0">
                 <a:solidFill>
                   <a:schemeClr val="folHlink"/>
                 </a:solidFill>
                 <a:latin typeface="Courier New" panose="02070309020205020404" pitchFamily="49" charset="0"/>
               </a:rPr>
-              <a:t>  ld  </a:t>
-            </a:r>
-            <a:r>
-              <a:rPr lang="en-US" altLang="zh-CN" sz="2000" b="1">
+              <a:t>  </a:t>
+            </a:r>
+            <a:r>
+              <a:rPr lang="en-US" altLang="zh-CN" sz="2000" b="1" dirty="0" err="1">
+                <a:solidFill>
+                  <a:schemeClr val="folHlink"/>
+                </a:solidFill>
+                <a:latin typeface="Courier New" panose="02070309020205020404" pitchFamily="49" charset="0"/>
+              </a:rPr>
+              <a:t>ld</a:t>
+            </a:r>
+            <a:r>
+              <a:rPr lang="en-US" altLang="zh-CN" sz="2000" b="1" dirty="0">
+                <a:solidFill>
+                  <a:schemeClr val="folHlink"/>
+                </a:solidFill>
+                <a:latin typeface="Courier New" panose="02070309020205020404" pitchFamily="49" charset="0"/>
+              </a:rPr>
+              <a:t>  </a:t>
+            </a:r>
+            <a:r>
+              <a:rPr lang="en-US" altLang="zh-CN" sz="2000" b="1" dirty="0">
                 <a:solidFill>
                   <a:srgbClr val="FF0000"/>
                 </a:solidFill>
@@ -33494,25 +35193,25 @@
               <a:t>x6</a:t>
             </a:r>
             <a:r>
-              <a:rPr lang="en-US" altLang="zh-CN" sz="2000" b="1">
+              <a:rPr lang="en-US" altLang="zh-CN" sz="2000" b="1" dirty="0">
                 <a:solidFill>
                   <a:schemeClr val="folHlink"/>
                 </a:solidFill>
                 <a:latin typeface="Courier New" panose="02070309020205020404" pitchFamily="49" charset="0"/>
               </a:rPr>
-              <a:t>, [bp, </a:t>
-            </a:r>
-            <a:r>
-              <a:rPr lang="en-US" altLang="zh-CN" sz="2000" b="1">
+              <a:t>, [%bp, </a:t>
+            </a:r>
+            <a:r>
+              <a:rPr lang="en-US" altLang="zh-CN" sz="2000" b="1" dirty="0">
                 <a:solidFill>
                   <a:srgbClr val="3333CC"/>
                 </a:solidFill>
                 <a:latin typeface="Courier New" panose="02070309020205020404" pitchFamily="49" charset="0"/>
               </a:rPr>
-              <a:t>12</a:t>
-            </a:r>
-            <a:r>
-              <a:rPr lang="en-US" altLang="zh-CN" sz="2000" b="1">
+              <a:t>16</a:t>
+            </a:r>
+            <a:r>
+              <a:rPr lang="en-US" altLang="zh-CN" sz="2000" b="1" dirty="0">
                 <a:solidFill>
                   <a:schemeClr val="folHlink"/>
                 </a:solidFill>
@@ -33534,7 +35233,7 @@
               <a:buNone/>
             </a:pPr>
             <a:r>
-              <a:rPr lang="en-US" altLang="zh-CN" sz="2000" b="1">
+              <a:rPr lang="en-US" altLang="zh-CN" sz="2000" b="1" dirty="0">
                 <a:solidFill>
                   <a:schemeClr val="folHlink"/>
                 </a:solidFill>
@@ -33543,7 +35242,7 @@
               <a:t>  add </a:t>
             </a:r>
             <a:r>
-              <a:rPr lang="en-US" altLang="zh-CN" sz="2000" b="1">
+              <a:rPr lang="en-US" altLang="zh-CN" sz="2000" b="1" dirty="0">
                 <a:solidFill>
                   <a:srgbClr val="FF0000"/>
                 </a:solidFill>
@@ -33552,7 +35251,7 @@
               <a:t>x8</a:t>
             </a:r>
             <a:r>
-              <a:rPr lang="en-US" altLang="zh-CN" sz="2000" b="1">
+              <a:rPr lang="en-US" altLang="zh-CN" sz="2000" b="1" dirty="0">
                 <a:solidFill>
                   <a:schemeClr val="folHlink"/>
                 </a:solidFill>
@@ -33561,7 +35260,7 @@
               <a:t>, </a:t>
             </a:r>
             <a:r>
-              <a:rPr lang="en-US" altLang="zh-CN" sz="2000" b="1">
+              <a:rPr lang="en-US" altLang="zh-CN" sz="2000" b="1" dirty="0">
                 <a:solidFill>
                   <a:srgbClr val="FF0000"/>
                 </a:solidFill>
@@ -33570,7 +35269,7 @@
               <a:t>x1</a:t>
             </a:r>
             <a:r>
-              <a:rPr lang="en-US" altLang="zh-CN" sz="2000" b="1">
+              <a:rPr lang="en-US" altLang="zh-CN" sz="2000" b="1" dirty="0">
                 <a:solidFill>
                   <a:schemeClr val="folHlink"/>
                 </a:solidFill>
@@ -33579,7 +35278,7 @@
               <a:t>, </a:t>
             </a:r>
             <a:r>
-              <a:rPr lang="en-US" altLang="zh-CN" sz="2000" b="1">
+              <a:rPr lang="en-US" altLang="zh-CN" sz="2000" b="1" dirty="0">
                 <a:solidFill>
                   <a:srgbClr val="FF0000"/>
                 </a:solidFill>
@@ -33601,7 +35300,7 @@
               <a:buNone/>
             </a:pPr>
             <a:r>
-              <a:rPr lang="en-US" altLang="zh-CN" sz="2000" b="1">
+              <a:rPr lang="en-US" altLang="zh-CN" sz="2000" b="1" dirty="0">
                 <a:solidFill>
                   <a:schemeClr val="folHlink"/>
                 </a:solidFill>
@@ -33610,7 +35309,7 @@
               <a:t>  div </a:t>
             </a:r>
             <a:r>
-              <a:rPr lang="en-US" altLang="zh-CN" sz="2000" b="1">
+              <a:rPr lang="en-US" altLang="zh-CN" sz="2000" b="1" dirty="0">
                 <a:solidFill>
                   <a:srgbClr val="FF0000"/>
                 </a:solidFill>
@@ -33619,7 +35318,7 @@
               <a:t>x9</a:t>
             </a:r>
             <a:r>
-              <a:rPr lang="en-US" altLang="zh-CN" sz="2000" b="1">
+              <a:rPr lang="en-US" altLang="zh-CN" sz="2000" b="1" dirty="0">
                 <a:solidFill>
                   <a:schemeClr val="folHlink"/>
                 </a:solidFill>
@@ -33628,7 +35327,7 @@
               <a:t>, </a:t>
             </a:r>
             <a:r>
-              <a:rPr lang="en-US" altLang="zh-CN" sz="2000" b="1">
+              <a:rPr lang="en-US" altLang="zh-CN" sz="2000" b="1" dirty="0">
                 <a:solidFill>
                   <a:srgbClr val="FF0000"/>
                 </a:solidFill>
@@ -33637,7 +35336,7 @@
               <a:t>x5</a:t>
             </a:r>
             <a:r>
-              <a:rPr lang="en-US" altLang="zh-CN" sz="2000" b="1">
+              <a:rPr lang="en-US" altLang="zh-CN" sz="2000" b="1" dirty="0">
                 <a:solidFill>
                   <a:schemeClr val="folHlink"/>
                 </a:solidFill>
@@ -33646,7 +35345,7 @@
               <a:t>, </a:t>
             </a:r>
             <a:r>
-              <a:rPr lang="en-US" altLang="zh-CN" sz="2000" b="1">
+              <a:rPr lang="en-US" altLang="zh-CN" sz="2000" b="1" dirty="0">
                 <a:solidFill>
                   <a:srgbClr val="FF0000"/>
                 </a:solidFill>
@@ -33668,16 +35367,16 @@
               <a:buNone/>
             </a:pPr>
             <a:r>
-              <a:rPr lang="en-US" altLang="zh-CN" sz="2000" b="1">
+              <a:rPr lang="en-US" altLang="zh-CN" sz="2000" b="1" dirty="0">
                 <a:solidFill>
                   <a:schemeClr val="folHlink"/>
                 </a:solidFill>
                 <a:latin typeface="Courier New" panose="02070309020205020404" pitchFamily="49" charset="0"/>
               </a:rPr>
-              <a:t>  mov r0, </a:t>
-            </a:r>
-            <a:r>
-              <a:rPr lang="en-US" altLang="zh-CN" sz="2000" b="1">
+              <a:t>  mov %r0, </a:t>
+            </a:r>
+            <a:r>
+              <a:rPr lang="en-US" altLang="zh-CN" sz="2000" b="1" dirty="0">
                 <a:solidFill>
                   <a:srgbClr val="FF0000"/>
                 </a:solidFill>
@@ -33699,7 +35398,7 @@
               <a:buNone/>
             </a:pPr>
             <a:r>
-              <a:rPr lang="en-US" altLang="zh-CN" sz="2000" b="1">
+              <a:rPr lang="en-US" altLang="zh-CN" sz="2000" b="1" dirty="0">
                 <a:solidFill>
                   <a:schemeClr val="folHlink"/>
                 </a:solidFill>
@@ -33708,7 +35407,7 @@
               <a:t>  </a:t>
             </a:r>
             <a:r>
-              <a:rPr lang="en-US" altLang="zh-CN" sz="2000" b="1">
+              <a:rPr lang="en-US" altLang="zh-CN" sz="2000" b="1" dirty="0">
                 <a:solidFill>
                   <a:srgbClr val="3333CC"/>
                 </a:solidFill>
@@ -33731,7 +35430,13 @@
           <p:cNvGraphicFramePr>
             <a:graphicFrameLocks noGrp="1"/>
           </p:cNvGraphicFramePr>
-          <p:nvPr/>
+          <p:nvPr>
+            <p:extLst>
+              <p:ext uri="{D42A27DB-BD31-4B8C-83A1-F6EECF244321}">
+                <p14:modId xmlns:p14="http://schemas.microsoft.com/office/powerpoint/2010/main" val="3375505148"/>
+              </p:ext>
+            </p:extLst>
+          </p:nvPr>
         </p:nvGraphicFramePr>
         <p:xfrm>
           <a:off x="3544888" y="3810000"/>
@@ -33767,7 +35472,7 @@
                     <a:p>
                       <a:r>
                         <a:rPr lang="en-US" altLang="zh-CN" dirty="0"/>
-                        <a:t>V-reg</a:t>
+                        <a:t>Var</a:t>
                       </a:r>
                       <a:endParaRPr lang="zh-CN" altLang="en-US" dirty="0"/>
                     </a:p>
@@ -33781,7 +35486,7 @@
                     <a:p>
                       <a:r>
                         <a:rPr lang="en-US" altLang="zh-CN" dirty="0"/>
-                        <a:t>P-reg</a:t>
+                        <a:t>Reg</a:t>
                       </a:r>
                       <a:endParaRPr lang="zh-CN" altLang="en-US" dirty="0"/>
                     </a:p>
@@ -34262,7 +35967,7 @@
               <a:buNone/>
             </a:pPr>
             <a:r>
-              <a:rPr lang="en-US" altLang="zh-CN" sz="2000" b="1">
+              <a:rPr lang="en-US" altLang="zh-CN" sz="2000" b="1" dirty="0">
                 <a:latin typeface="Courier New" panose="02070309020205020404" pitchFamily="49" charset="0"/>
               </a:rPr>
               <a:t>// Code rewriting:</a:t>
@@ -34281,7 +35986,7 @@
               <a:buNone/>
             </a:pPr>
             <a:r>
-              <a:rPr lang="en-US" altLang="zh-CN" sz="2000" b="1">
+              <a:rPr lang="en-US" altLang="zh-CN" sz="2000" b="1" dirty="0">
                 <a:latin typeface="Courier New" panose="02070309020205020404" pitchFamily="49" charset="0"/>
               </a:rPr>
               <a:t>// 10 physical regs:</a:t>
@@ -34300,7 +36005,7 @@
               <a:buNone/>
             </a:pPr>
             <a:r>
-              <a:rPr lang="en-US" altLang="zh-CN" sz="2000" b="1">
+              <a:rPr lang="en-US" altLang="zh-CN" sz="2000" b="1" dirty="0">
                 <a:latin typeface="Courier New" panose="02070309020205020404" pitchFamily="49" charset="0"/>
               </a:rPr>
               <a:t>// r0-r9.</a:t>
@@ -34319,7 +36024,7 @@
               <a:buNone/>
             </a:pPr>
             <a:r>
-              <a:rPr lang="en-US" altLang="zh-CN" sz="2000" b="1">
+              <a:rPr lang="en-US" altLang="zh-CN" sz="2000" b="1" dirty="0">
                 <a:solidFill>
                   <a:schemeClr val="folHlink"/>
                 </a:solidFill>
@@ -34341,7 +36046,7 @@
               <a:buNone/>
             </a:pPr>
             <a:r>
-              <a:rPr lang="en-US" altLang="zh-CN" sz="2000" b="1">
+              <a:rPr lang="en-US" altLang="zh-CN" sz="2000" b="1" dirty="0">
                 <a:solidFill>
                   <a:schemeClr val="folHlink"/>
                 </a:solidFill>
@@ -34350,22 +36055,22 @@
               <a:t>  mov </a:t>
             </a:r>
             <a:r>
-              <a:rPr lang="en-US" altLang="zh-CN" sz="2000" b="1">
+              <a:rPr lang="en-US" altLang="zh-CN" sz="2000" b="1" dirty="0">
                 <a:solidFill>
                   <a:srgbClr val="FFC000"/>
                 </a:solidFill>
                 <a:latin typeface="Courier New" panose="02070309020205020404" pitchFamily="49" charset="0"/>
               </a:rPr>
-              <a:t>r1</a:t>
-            </a:r>
-            <a:r>
-              <a:rPr lang="en-US" altLang="zh-CN" sz="2000" b="1">
+              <a:t>%r1</a:t>
+            </a:r>
+            <a:r>
+              <a:rPr lang="en-US" altLang="zh-CN" sz="2000" b="1" dirty="0">
                 <a:solidFill>
                   <a:schemeClr val="folHlink"/>
                 </a:solidFill>
                 <a:latin typeface="Courier New" panose="02070309020205020404" pitchFamily="49" charset="0"/>
               </a:rPr>
-              <a:t>, r1</a:t>
+              <a:t>, %r1</a:t>
             </a:r>
           </a:p>
           <a:p>
@@ -34381,7 +36086,7 @@
               <a:buNone/>
             </a:pPr>
             <a:r>
-              <a:rPr lang="en-US" altLang="zh-CN" sz="2000" b="1">
+              <a:rPr lang="en-US" altLang="zh-CN" sz="2000" b="1" dirty="0">
                 <a:solidFill>
                   <a:schemeClr val="folHlink"/>
                 </a:solidFill>
@@ -34390,22 +36095,22 @@
               <a:t>  mov </a:t>
             </a:r>
             <a:r>
-              <a:rPr lang="en-US" altLang="zh-CN" sz="2000" b="1">
+              <a:rPr lang="en-US" altLang="zh-CN" sz="2000" b="1" dirty="0">
                 <a:solidFill>
                   <a:srgbClr val="FFC000"/>
                 </a:solidFill>
                 <a:latin typeface="Courier New" panose="02070309020205020404" pitchFamily="49" charset="0"/>
               </a:rPr>
-              <a:t>r2</a:t>
-            </a:r>
-            <a:r>
-              <a:rPr lang="en-US" altLang="zh-CN" sz="2000" b="1">
+              <a:t>%r2</a:t>
+            </a:r>
+            <a:r>
+              <a:rPr lang="en-US" altLang="zh-CN" sz="2000" b="1" dirty="0">
                 <a:solidFill>
                   <a:schemeClr val="folHlink"/>
                 </a:solidFill>
                 <a:latin typeface="Courier New" panose="02070309020205020404" pitchFamily="49" charset="0"/>
               </a:rPr>
-              <a:t>, r2</a:t>
+              <a:t>, %r2</a:t>
             </a:r>
           </a:p>
           <a:p>
@@ -34421,34 +36126,52 @@
               <a:buNone/>
             </a:pPr>
             <a:r>
-              <a:rPr lang="en-US" altLang="zh-CN" sz="2000" b="1">
+              <a:rPr lang="en-US" altLang="zh-CN" sz="2000" b="1" dirty="0">
                 <a:solidFill>
                   <a:schemeClr val="folHlink"/>
                 </a:solidFill>
                 <a:latin typeface="Courier New" panose="02070309020205020404" pitchFamily="49" charset="0"/>
               </a:rPr>
-              <a:t>  ld  </a:t>
-            </a:r>
-            <a:r>
-              <a:rPr lang="en-US" altLang="zh-CN" sz="2000" b="1">
+              <a:t>  </a:t>
+            </a:r>
+            <a:r>
+              <a:rPr lang="en-US" altLang="zh-CN" sz="2000" b="1" dirty="0" err="1">
+                <a:solidFill>
+                  <a:schemeClr val="folHlink"/>
+                </a:solidFill>
+                <a:latin typeface="Courier New" panose="02070309020205020404" pitchFamily="49" charset="0"/>
+              </a:rPr>
+              <a:t>ld</a:t>
+            </a:r>
+            <a:r>
+              <a:rPr lang="en-US" altLang="zh-CN" sz="2000" b="1" dirty="0">
+                <a:solidFill>
+                  <a:schemeClr val="folHlink"/>
+                </a:solidFill>
+                <a:latin typeface="Courier New" panose="02070309020205020404" pitchFamily="49" charset="0"/>
+              </a:rPr>
+              <a:t>  </a:t>
+            </a:r>
+            <a:r>
+              <a:rPr lang="en-US" altLang="zh-CN" sz="2000" b="1" dirty="0">
                 <a:solidFill>
                   <a:srgbClr val="FFC000"/>
                 </a:solidFill>
                 <a:latin typeface="Courier New" panose="02070309020205020404" pitchFamily="49" charset="0"/>
               </a:rPr>
-              <a:t>r5</a:t>
-            </a:r>
-            <a:r>
-              <a:rPr lang="en-US" altLang="zh-CN" sz="2000" b="1">
+              <a:t>%r5</a:t>
+            </a:r>
+            <a:r>
+              <a:rPr lang="en-US" altLang="zh-CN" sz="2000" b="1" dirty="0">
                 <a:solidFill>
                   <a:schemeClr val="folHlink"/>
                 </a:solidFill>
                 <a:latin typeface="Courier New" panose="02070309020205020404" pitchFamily="49" charset="0"/>
               </a:rPr>
-              <a:t>, [bp, </a:t>
-            </a:r>
-            <a:r>
-              <a:rPr lang="en-US" altLang="zh-CN" sz="2000" b="1">
+              <a:t>, [%bp, </a:t>
+            </a:r>
+            <a:r>
+              <a:rPr lang="en-US" altLang="zh-CN" sz="2000" b="1" dirty="0">
                 <a:solidFill>
                   <a:srgbClr val="3333CC"/>
                 </a:solidFill>
@@ -34457,7 +36180,7 @@
               <a:t>8</a:t>
             </a:r>
             <a:r>
-              <a:rPr lang="en-US" altLang="zh-CN" sz="2000" b="1">
+              <a:rPr lang="en-US" altLang="zh-CN" sz="2000" b="1" dirty="0">
                 <a:solidFill>
                   <a:schemeClr val="folHlink"/>
                 </a:solidFill>
@@ -34479,43 +36202,61 @@
               <a:buNone/>
             </a:pPr>
             <a:r>
-              <a:rPr lang="en-US" altLang="zh-CN" sz="2000" b="1">
+              <a:rPr lang="en-US" altLang="zh-CN" sz="2000" b="1" dirty="0">
                 <a:solidFill>
                   <a:schemeClr val="folHlink"/>
                 </a:solidFill>
                 <a:latin typeface="Courier New" panose="02070309020205020404" pitchFamily="49" charset="0"/>
               </a:rPr>
-              <a:t>  ld  </a:t>
-            </a:r>
-            <a:r>
-              <a:rPr lang="en-US" altLang="zh-CN" sz="2000" b="1">
+              <a:t>  </a:t>
+            </a:r>
+            <a:r>
+              <a:rPr lang="en-US" altLang="zh-CN" sz="2000" b="1" dirty="0" err="1">
+                <a:solidFill>
+                  <a:schemeClr val="folHlink"/>
+                </a:solidFill>
+                <a:latin typeface="Courier New" panose="02070309020205020404" pitchFamily="49" charset="0"/>
+              </a:rPr>
+              <a:t>ld</a:t>
+            </a:r>
+            <a:r>
+              <a:rPr lang="en-US" altLang="zh-CN" sz="2000" b="1" dirty="0">
+                <a:solidFill>
+                  <a:schemeClr val="folHlink"/>
+                </a:solidFill>
+                <a:latin typeface="Courier New" panose="02070309020205020404" pitchFamily="49" charset="0"/>
+              </a:rPr>
+              <a:t>  </a:t>
+            </a:r>
+            <a:r>
+              <a:rPr lang="en-US" altLang="zh-CN" sz="2000" b="1" dirty="0">
                 <a:solidFill>
                   <a:srgbClr val="FFC000"/>
                 </a:solidFill>
                 <a:latin typeface="Courier New" panose="02070309020205020404" pitchFamily="49" charset="0"/>
               </a:rPr>
-              <a:t>r6</a:t>
-            </a:r>
-            <a:r>
-              <a:rPr lang="en-US" altLang="zh-CN" sz="2000" b="1">
+              <a:t>%r6</a:t>
+            </a:r>
+            <a:r>
+              <a:rPr lang="en-US" altLang="zh-CN" sz="2000" b="1" dirty="0">
                 <a:solidFill>
                   <a:schemeClr val="folHlink"/>
                 </a:solidFill>
                 <a:latin typeface="Courier New" panose="02070309020205020404" pitchFamily="49" charset="0"/>
               </a:rPr>
-              <a:t>, [bp, </a:t>
-            </a:r>
-            <a:r>
-              <a:rPr lang="en-US" altLang="zh-CN" sz="2000" b="1">
+              <a:t>, [%bp, </a:t>
+            </a:r>
+            <a:r>
+              <a:rPr lang="en-US" altLang="zh-CN" sz="2000" b="1" dirty="0">
                 <a:solidFill>
                   <a:srgbClr val="3333CC"/>
                 </a:solidFill>
                 <a:latin typeface="Courier New" panose="02070309020205020404" pitchFamily="49" charset="0"/>
               </a:rPr>
-              <a:t>12</a:t>
-            </a:r>
-            <a:r>
-              <a:rPr lang="en-US" altLang="zh-CN" sz="2000" b="1">
+              <a:t>16</a:t>
+            </a:r>
+            <a:r>
+              <a:rPr lang="en-US" altLang="zh-CN" sz="2000" b="1" dirty="0">
                 <a:solidFill>
                   <a:schemeClr val="folHlink"/>
                 </a:solidFill>
@@ -34537,7 +36278,7 @@
               <a:buNone/>
             </a:pPr>
             <a:r>
-              <a:rPr lang="en-US" altLang="zh-CN" sz="2000" b="1">
+              <a:rPr lang="en-US" altLang="zh-CN" sz="2000" b="1" dirty="0">
                 <a:solidFill>
                   <a:schemeClr val="folHlink"/>
                 </a:solidFill>
@@ -34546,16 +36287,16 @@
               <a:t>  add </a:t>
             </a:r>
             <a:r>
-              <a:rPr lang="en-US" altLang="zh-CN" sz="2000" b="1">
+              <a:rPr lang="en-US" altLang="zh-CN" sz="2000" b="1" dirty="0">
                 <a:solidFill>
                   <a:srgbClr val="FFC000"/>
                 </a:solidFill>
                 <a:latin typeface="Courier New" panose="02070309020205020404" pitchFamily="49" charset="0"/>
               </a:rPr>
-              <a:t>r8</a:t>
-            </a:r>
-            <a:r>
-              <a:rPr lang="en-US" altLang="zh-CN" sz="2000" b="1">
+              <a:t>%r8</a:t>
+            </a:r>
+            <a:r>
+              <a:rPr lang="en-US" altLang="zh-CN" sz="2000" b="1" dirty="0">
                 <a:solidFill>
                   <a:schemeClr val="folHlink"/>
                 </a:solidFill>
@@ -34564,16 +36305,16 @@
               <a:t>, </a:t>
             </a:r>
             <a:r>
-              <a:rPr lang="en-US" altLang="zh-CN" sz="2000" b="1">
+              <a:rPr lang="en-US" altLang="zh-CN" sz="2000" b="1" dirty="0">
                 <a:solidFill>
                   <a:srgbClr val="FFC000"/>
                 </a:solidFill>
                 <a:latin typeface="Courier New" panose="02070309020205020404" pitchFamily="49" charset="0"/>
               </a:rPr>
-              <a:t>r1</a:t>
-            </a:r>
-            <a:r>
-              <a:rPr lang="en-US" altLang="zh-CN" sz="2000" b="1">
+              <a:t>%r1</a:t>
+            </a:r>
+            <a:r>
+              <a:rPr lang="en-US" altLang="zh-CN" sz="2000" b="1" dirty="0">
                 <a:solidFill>
                   <a:schemeClr val="folHlink"/>
                 </a:solidFill>
@@ -34582,13 +36323,13 @@
               <a:t>, </a:t>
             </a:r>
             <a:r>
-              <a:rPr lang="en-US" altLang="zh-CN" sz="2000" b="1">
+              <a:rPr lang="en-US" altLang="zh-CN" sz="2000" b="1" dirty="0">
                 <a:solidFill>
                   <a:srgbClr val="FFC000"/>
                 </a:solidFill>
                 <a:latin typeface="Courier New" panose="02070309020205020404" pitchFamily="49" charset="0"/>
               </a:rPr>
-              <a:t>r2</a:t>
+              <a:t>%r2</a:t>
             </a:r>
           </a:p>
           <a:p>
@@ -34604,7 +36345,7 @@
               <a:buNone/>
             </a:pPr>
             <a:r>
-              <a:rPr lang="en-US" altLang="zh-CN" sz="2000" b="1">
+              <a:rPr lang="en-US" altLang="zh-CN" sz="2000" b="1" dirty="0">
                 <a:solidFill>
                   <a:schemeClr val="folHlink"/>
                 </a:solidFill>
@@ -34613,16 +36354,16 @@
               <a:t>  div </a:t>
             </a:r>
             <a:r>
-              <a:rPr lang="en-US" altLang="zh-CN" sz="2000" b="1">
+              <a:rPr lang="en-US" altLang="zh-CN" sz="2000" b="1" dirty="0">
                 <a:solidFill>
                   <a:srgbClr val="FFC000"/>
                 </a:solidFill>
                 <a:latin typeface="Courier New" panose="02070309020205020404" pitchFamily="49" charset="0"/>
               </a:rPr>
-              <a:t>r9</a:t>
-            </a:r>
-            <a:r>
-              <a:rPr lang="en-US" altLang="zh-CN" sz="2000" b="1">
+              <a:t>%r9</a:t>
+            </a:r>
+            <a:r>
+              <a:rPr lang="en-US" altLang="zh-CN" sz="2000" b="1" dirty="0">
                 <a:solidFill>
                   <a:schemeClr val="folHlink"/>
                 </a:solidFill>
@@ -34631,16 +36372,16 @@
               <a:t>, </a:t>
             </a:r>
             <a:r>
-              <a:rPr lang="en-US" altLang="zh-CN" sz="2000" b="1">
+              <a:rPr lang="en-US" altLang="zh-CN" sz="2000" b="1" dirty="0">
                 <a:solidFill>
                   <a:srgbClr val="FFC000"/>
                 </a:solidFill>
                 <a:latin typeface="Courier New" panose="02070309020205020404" pitchFamily="49" charset="0"/>
               </a:rPr>
-              <a:t>r5</a:t>
-            </a:r>
-            <a:r>
-              <a:rPr lang="en-US" altLang="zh-CN" sz="2000" b="1">
+              <a:t>%r5</a:t>
+            </a:r>
+            <a:r>
+              <a:rPr lang="en-US" altLang="zh-CN" sz="2000" b="1" dirty="0">
                 <a:solidFill>
                   <a:schemeClr val="folHlink"/>
                 </a:solidFill>
@@ -34649,13 +36390,13 @@
               <a:t>, </a:t>
             </a:r>
             <a:r>
-              <a:rPr lang="en-US" altLang="zh-CN" sz="2000" b="1">
+              <a:rPr lang="en-US" altLang="zh-CN" sz="2000" b="1" dirty="0">
                 <a:solidFill>
                   <a:srgbClr val="FFC000"/>
                 </a:solidFill>
                 <a:latin typeface="Courier New" panose="02070309020205020404" pitchFamily="49" charset="0"/>
               </a:rPr>
-              <a:t>r6</a:t>
+              <a:t>%r6</a:t>
             </a:r>
           </a:p>
           <a:p>
@@ -34671,22 +36412,22 @@
               <a:buNone/>
             </a:pPr>
             <a:r>
-              <a:rPr lang="en-US" altLang="zh-CN" sz="2000" b="1">
+              <a:rPr lang="en-US" altLang="zh-CN" sz="2000" b="1" dirty="0">
                 <a:solidFill>
                   <a:schemeClr val="folHlink"/>
                 </a:solidFill>
                 <a:latin typeface="Courier New" panose="02070309020205020404" pitchFamily="49" charset="0"/>
               </a:rPr>
-              <a:t>  mov r0, </a:t>
-            </a:r>
-            <a:r>
-              <a:rPr lang="en-US" altLang="zh-CN" sz="2000" b="1">
+              <a:t>  mov %r0, </a:t>
+            </a:r>
+            <a:r>
+              <a:rPr lang="en-US" altLang="zh-CN" sz="2000" b="1" dirty="0">
                 <a:solidFill>
                   <a:srgbClr val="FFC000"/>
                 </a:solidFill>
                 <a:latin typeface="Courier New" panose="02070309020205020404" pitchFamily="49" charset="0"/>
               </a:rPr>
-              <a:t>r9</a:t>
+              <a:t>%r9</a:t>
             </a:r>
           </a:p>
           <a:p>
@@ -34702,7 +36443,7 @@
               <a:buNone/>
             </a:pPr>
             <a:r>
-              <a:rPr lang="en-US" altLang="zh-CN" sz="2000" b="1">
+              <a:rPr lang="en-US" altLang="zh-CN" sz="2000" b="1" dirty="0">
                 <a:solidFill>
                   <a:schemeClr val="folHlink"/>
                 </a:solidFill>
@@ -34711,7 +36452,7 @@
               <a:t>  </a:t>
             </a:r>
             <a:r>
-              <a:rPr lang="en-US" altLang="zh-CN" sz="2000" b="1">
+              <a:rPr lang="en-US" altLang="zh-CN" sz="2000" b="1" dirty="0">
                 <a:solidFill>
                   <a:srgbClr val="3333CC"/>
                 </a:solidFill>
@@ -34967,8 +36708,8 @@
         </p:nvSpPr>
         <p:spPr bwMode="auto">
           <a:xfrm>
-            <a:off x="762000" y="3219450"/>
-            <a:ext cx="1720850" cy="908050"/>
+            <a:off x="520700" y="3219450"/>
+            <a:ext cx="1962150" cy="908050"/>
           </a:xfrm>
           <a:prstGeom prst="flowChartMultidocument">
             <a:avLst/>
@@ -35104,23 +36845,35 @@
           <a:p>
             <a:pPr eaLnBrk="1" hangingPunct="1"/>
             <a:r>
-              <a:rPr lang="en-US" altLang="zh-CN" sz="2000"/>
-              <a:t>Assem with</a:t>
+              <a:rPr lang="en-US" altLang="zh-CN" sz="2000" dirty="0" err="1"/>
+              <a:t>Assem</a:t>
+            </a:r>
+            <a:r>
+              <a:rPr lang="en-US" altLang="zh-CN" sz="2000" dirty="0"/>
+              <a:t> with</a:t>
             </a:r>
           </a:p>
           <a:p>
             <a:pPr eaLnBrk="1" hangingPunct="1"/>
             <a:r>
-              <a:rPr lang="en-US" altLang="zh-CN" sz="2000">
-                <a:solidFill>
-                  <a:srgbClr val="3333CC"/>
+              <a:rPr lang="en-US" altLang="zh-CN" sz="2000" dirty="0">
+                <a:solidFill>
+                  <a:srgbClr val="0432FF"/>
                 </a:solidFill>
               </a:rPr>
               <a:t>n</a:t>
             </a:r>
             <a:r>
-              <a:rPr lang="en-US" altLang="zh-CN" sz="2000"/>
-              <a:t> regs</a:t>
+              <a:rPr lang="en-US" altLang="zh-CN" sz="2000" dirty="0"/>
+              <a:t> virtual</a:t>
+            </a:r>
+            <a:r>
+              <a:rPr lang="zh-CN" altLang="en-US" sz="2000" dirty="0"/>
+              <a:t> </a:t>
+            </a:r>
+            <a:r>
+              <a:rPr lang="en-US" altLang="zh-CN" sz="2000" dirty="0"/>
+              <a:t>regs</a:t>
             </a:r>
           </a:p>
         </p:txBody>
@@ -35184,7 +36937,7 @@
             <a:r>
               <a:rPr lang="en-US" altLang="zh-CN" sz="2000" dirty="0">
                 <a:solidFill>
-                  <a:srgbClr val="3333CC"/>
+                  <a:srgbClr val="0432FF"/>
                 </a:solidFill>
                 <a:latin typeface="+mn-lt"/>
               </a:rPr>
@@ -35194,7 +36947,19 @@
               <a:rPr lang="en-US" altLang="zh-CN" sz="2000" dirty="0">
                 <a:latin typeface="+mn-lt"/>
               </a:rPr>
-              <a:t> regs</a:t>
+              <a:t> physical</a:t>
+            </a:r>
+            <a:r>
+              <a:rPr lang="zh-CN" altLang="en-US" sz="2000" dirty="0">
+                <a:latin typeface="+mn-lt"/>
+              </a:rPr>
+              <a:t> </a:t>
+            </a:r>
+            <a:r>
+              <a:rPr lang="en-US" altLang="zh-CN" sz="2000" dirty="0">
+                <a:latin typeface="+mn-lt"/>
+              </a:rPr>
+              <a:t>regs</a:t>
             </a:r>
           </a:p>
         </p:txBody>
@@ -35618,19 +37383,19 @@
               </a:spcBef>
             </a:pPr>
             <a:r>
-              <a:rPr lang="en-US" altLang="zh-CN" sz="2000"/>
+              <a:rPr lang="en-US" altLang="zh-CN" sz="2000" dirty="0"/>
               <a:t>Typically: </a:t>
             </a:r>
             <a:r>
-              <a:rPr lang="en-US" altLang="zh-CN" sz="2000">
-                <a:solidFill>
-                  <a:srgbClr val="3333CC"/>
+              <a:rPr lang="en-US" altLang="zh-CN" sz="2000" dirty="0">
+                <a:solidFill>
+                  <a:srgbClr val="0432FF"/>
                 </a:solidFill>
               </a:rPr>
               <a:t>n&gt;m</a:t>
             </a:r>
             <a:r>
-              <a:rPr lang="en-US" altLang="zh-CN" sz="2000"/>
+              <a:rPr lang="en-US" altLang="zh-CN" sz="2000" dirty="0"/>
               <a:t>.</a:t>
             </a:r>
           </a:p>
@@ -35712,66 +37477,115 @@
           <a:lstStyle/>
           <a:p>
             <a:r>
-              <a:rPr lang="en-US" altLang="zh-CN"/>
+              <a:rPr lang="en-US" altLang="zh-CN" dirty="0"/>
               <a:t>Speed!</a:t>
             </a:r>
           </a:p>
           <a:p>
             <a:pPr lvl="1"/>
             <a:r>
-              <a:rPr lang="en-US" altLang="zh-CN"/>
-              <a:t>Registers are fastest locations in memory hierarchy</a:t>
+              <a:rPr lang="en-US" altLang="zh-CN" dirty="0"/>
+              <a:t>Registers are fastest regions in memory hierarchy</a:t>
             </a:r>
           </a:p>
           <a:p>
             <a:pPr lvl="1"/>
             <a:r>
-              <a:rPr lang="en-US" altLang="zh-CN"/>
-              <a:t>But there are only a limited number</a:t>
+              <a:rPr lang="en-US" altLang="zh-CN" dirty="0"/>
+              <a:t>But only a limited number</a:t>
             </a:r>
           </a:p>
           <a:p>
             <a:pPr lvl="2"/>
             <a:r>
-              <a:rPr lang="en-US" altLang="zh-CN"/>
-              <a:t>it’s compiler’s duty to keep as most as possible variables into registers</a:t>
-            </a:r>
-          </a:p>
-          <a:p>
-            <a:r>
-              <a:rPr lang="en-US" altLang="zh-CN">
-                <a:solidFill>
-                  <a:srgbClr val="3333CC"/>
+              <a:rPr lang="en-US" altLang="zh-CN" dirty="0"/>
+              <a:t>it</a:t>
+            </a:r>
+            <a:r>
+              <a:rPr lang="zh-CN" altLang="en-US" dirty="0"/>
+              <a:t> </a:t>
+            </a:r>
+            <a:r>
+              <a:rPr lang="en-US" altLang="zh-CN" dirty="0"/>
+              <a:t>is compiler’s duty to keep as most as possible variables into physical</a:t>
+            </a:r>
+            <a:r>
+              <a:rPr lang="zh-CN" altLang="en-US" dirty="0"/>
+              <a:t> </a:t>
+            </a:r>
+            <a:r>
+              <a:rPr lang="en-US" altLang="zh-CN" dirty="0"/>
+              <a:t>registers</a:t>
+            </a:r>
+          </a:p>
+          <a:p>
+            <a:r>
+              <a:rPr lang="en-US" altLang="zh-CN" dirty="0">
+                <a:solidFill>
+                  <a:srgbClr val="0432FF"/>
                 </a:solidFill>
               </a:rPr>
               <a:t>Spilling</a:t>
             </a:r>
             <a:r>
-              <a:rPr lang="en-US" altLang="zh-CN"/>
+              <a:rPr lang="en-US" altLang="zh-CN" dirty="0"/>
               <a:t>:</a:t>
             </a:r>
           </a:p>
           <a:p>
             <a:pPr lvl="1"/>
             <a:r>
-              <a:rPr lang="en-US" altLang="zh-CN"/>
-              <a:t>The compiler cannot put variables into regs</a:t>
-            </a:r>
-          </a:p>
-          <a:p>
-            <a:pPr lvl="1"/>
-            <a:r>
-              <a:rPr lang="en-US" altLang="zh-CN"/>
-              <a:t>Extra variables should be kept in memory</a:t>
+              <a:rPr lang="en-US" altLang="zh-CN" dirty="0"/>
+              <a:t>Extra variables should be kept in memory,</a:t>
+            </a:r>
+            <a:r>
+              <a:rPr lang="zh-CN" altLang="en-US" dirty="0"/>
+              <a:t> </a:t>
+            </a:r>
+            <a:r>
+              <a:rPr lang="en-US" altLang="zh-CN" dirty="0"/>
+              <a:t>when</a:t>
+            </a:r>
+            <a:r>
+              <a:rPr lang="zh-CN" altLang="en-US" dirty="0"/>
+              <a:t> </a:t>
+            </a:r>
+            <a:r>
+              <a:rPr lang="en-US" altLang="zh-CN" dirty="0"/>
+              <a:t>variables do</a:t>
+            </a:r>
+            <a:r>
+              <a:rPr lang="zh-CN" altLang="en-US" dirty="0"/>
+              <a:t> </a:t>
+            </a:r>
+            <a:r>
+              <a:rPr lang="en-US" altLang="zh-CN" dirty="0"/>
+              <a:t>not</a:t>
+            </a:r>
+            <a:r>
+              <a:rPr lang="zh-CN" altLang="en-US" dirty="0"/>
+              <a:t> </a:t>
+            </a:r>
+            <a:r>
+              <a:rPr lang="en-US" altLang="zh-CN" dirty="0"/>
+              <a:t>fit</a:t>
+            </a:r>
+            <a:r>
+              <a:rPr lang="zh-CN" altLang="en-US" dirty="0"/>
+              <a:t> </a:t>
+            </a:r>
+            <a:r>
+              <a:rPr lang="en-US" altLang="zh-CN" dirty="0"/>
+              <a:t>into regs</a:t>
             </a:r>
           </a:p>
           <a:p>
             <a:pPr lvl="2"/>
             <a:r>
-              <a:rPr lang="en-US" altLang="zh-CN"/>
+              <a:rPr lang="en-US" altLang="zh-CN" dirty="0"/>
               <a:t>rewrite the code with extra loads &amp; stores</a:t>
             </a:r>
-            <a:endParaRPr lang="zh-CN" altLang="en-US"/>
+            <a:endParaRPr lang="zh-CN" altLang="en-US" dirty="0"/>
           </a:p>
         </p:txBody>
       </p:sp>
@@ -35851,65 +37665,65 @@
           <a:lstStyle/>
           <a:p>
             <a:r>
-              <a:rPr lang="en-US" altLang="zh-CN"/>
-              <a:t>In theory, a hard problem: NC-complete</a:t>
-            </a:r>
-          </a:p>
-          <a:p>
-            <a:r>
-              <a:rPr lang="en-US" altLang="zh-CN"/>
+              <a:rPr lang="en-US" altLang="zh-CN" dirty="0"/>
+              <a:t>In theory, a hard problem: NP-complete</a:t>
+            </a:r>
+          </a:p>
+          <a:p>
+            <a:r>
+              <a:rPr lang="en-US" altLang="zh-CN" dirty="0"/>
               <a:t>In reality, various approximation algorithms</a:t>
             </a:r>
           </a:p>
           <a:p>
             <a:pPr lvl="1"/>
             <a:r>
-              <a:rPr lang="en-US" altLang="zh-CN"/>
+              <a:rPr lang="en-US" altLang="zh-CN" dirty="0"/>
               <a:t>the compiler must find </a:t>
             </a:r>
             <a:r>
-              <a:rPr lang="en-US" altLang="zh-CN">
-                <a:solidFill>
-                  <a:srgbClr val="3333CC"/>
+              <a:rPr lang="en-US" altLang="zh-CN" dirty="0">
+                <a:solidFill>
+                  <a:srgbClr val="0432FF"/>
                 </a:solidFill>
               </a:rPr>
               <a:t>good enough </a:t>
             </a:r>
             <a:r>
-              <a:rPr lang="en-US" altLang="zh-CN"/>
+              <a:rPr lang="en-US" altLang="zh-CN" dirty="0"/>
               <a:t>solutions</a:t>
             </a:r>
           </a:p>
           <a:p>
             <a:pPr lvl="2"/>
             <a:r>
-              <a:rPr lang="en-US" altLang="zh-CN"/>
+              <a:rPr lang="en-US" altLang="zh-CN" dirty="0"/>
               <a:t>how to measure this?</a:t>
             </a:r>
           </a:p>
           <a:p>
             <a:pPr lvl="1"/>
             <a:r>
-              <a:rPr lang="en-US" altLang="zh-CN"/>
+              <a:rPr lang="en-US" altLang="zh-CN" dirty="0"/>
               <a:t>and as </a:t>
             </a:r>
             <a:r>
-              <a:rPr lang="en-US" altLang="zh-CN">
-                <a:solidFill>
-                  <a:srgbClr val="3333CC"/>
+              <a:rPr lang="en-US" altLang="zh-CN" dirty="0">
+                <a:solidFill>
+                  <a:srgbClr val="0432FF"/>
                 </a:solidFill>
               </a:rPr>
               <a:t>quick</a:t>
             </a:r>
             <a:r>
-              <a:rPr lang="en-US" altLang="zh-CN"/>
+              <a:rPr lang="en-US" altLang="zh-CN" dirty="0"/>
               <a:t> as possible</a:t>
             </a:r>
           </a:p>
           <a:p>
             <a:pPr lvl="2"/>
             <a:r>
-              <a:rPr lang="en-US" altLang="zh-CN"/>
+              <a:rPr lang="en-US" altLang="zh-CN" dirty="0"/>
               <a:t>dependent on the scenario, say, JIT is different from AOT</a:t>
             </a:r>
           </a:p>
@@ -35991,51 +37805,102 @@
           <a:lstStyle/>
           <a:p>
             <a:r>
-              <a:rPr lang="en-US" altLang="zh-CN"/>
+              <a:rPr lang="en-US" altLang="zh-CN" dirty="0"/>
               <a:t>Local RA</a:t>
             </a:r>
           </a:p>
           <a:p>
             <a:pPr lvl="1"/>
             <a:r>
-              <a:rPr lang="en-US" altLang="zh-CN"/>
+              <a:rPr lang="en-US" altLang="zh-CN" dirty="0"/>
               <a:t>On BBs, no (global) analysis required</a:t>
             </a:r>
           </a:p>
           <a:p>
             <a:pPr lvl="1"/>
             <a:r>
-              <a:rPr lang="en-US" altLang="zh-CN"/>
+              <a:rPr lang="en-US" altLang="zh-CN" dirty="0"/>
               <a:t>Topics of in this lecture</a:t>
             </a:r>
           </a:p>
           <a:p>
             <a:r>
-              <a:rPr lang="en-US" altLang="zh-CN"/>
+              <a:rPr lang="en-US" altLang="zh-CN" dirty="0"/>
+              <a:t>Global</a:t>
+            </a:r>
+            <a:r>
+              <a:rPr lang="zh-CN" altLang="en-US" dirty="0"/>
+              <a:t> </a:t>
+            </a:r>
+            <a:r>
+              <a:rPr lang="en-US" altLang="zh-CN" dirty="0"/>
+              <a:t>RA</a:t>
+            </a:r>
+            <a:r>
+              <a:rPr lang="zh-CN" altLang="en-US" dirty="0"/>
+              <a:t> </a:t>
+            </a:r>
+            <a:r>
+              <a:rPr lang="en-US" altLang="zh-CN" dirty="0"/>
+              <a:t>(to</a:t>
+            </a:r>
+            <a:r>
+              <a:rPr lang="zh-CN" altLang="en-US" dirty="0"/>
+              <a:t> </a:t>
+            </a:r>
+            <a:r>
+              <a:rPr lang="en-US" altLang="zh-CN" dirty="0"/>
+              <a:t>be</a:t>
+            </a:r>
+            <a:r>
+              <a:rPr lang="zh-CN" altLang="en-US" dirty="0"/>
+              <a:t> </a:t>
+            </a:r>
+            <a:r>
+              <a:rPr lang="en-US" altLang="zh-CN" dirty="0"/>
+              <a:t>discussed</a:t>
+            </a:r>
+            <a:r>
+              <a:rPr lang="zh-CN" altLang="en-US" dirty="0"/>
+              <a:t> </a:t>
+            </a:r>
+            <a:r>
+              <a:rPr lang="en-US" altLang="zh-CN" dirty="0"/>
+              <a:t>later):</a:t>
+            </a:r>
+          </a:p>
+          <a:p>
+            <a:pPr lvl="1"/>
+            <a:r>
+              <a:rPr lang="en-US" altLang="zh-CN" dirty="0"/>
               <a:t>Graph coloring allocation</a:t>
             </a:r>
           </a:p>
           <a:p>
-            <a:r>
-              <a:rPr lang="en-US" altLang="zh-CN"/>
-              <a:t>Linear scan alloction</a:t>
-            </a:r>
-          </a:p>
-          <a:p>
-            <a:r>
-              <a:rPr lang="en-US" altLang="zh-CN"/>
+            <a:pPr lvl="1"/>
+            <a:r>
+              <a:rPr lang="en-US" altLang="zh-CN" dirty="0"/>
+              <a:t>Linear scan allocation</a:t>
+            </a:r>
+          </a:p>
+          <a:p>
+            <a:pPr lvl="1"/>
+            <a:r>
+              <a:rPr lang="en-US" altLang="zh-CN" dirty="0"/>
               <a:t>SSA allocation</a:t>
             </a:r>
           </a:p>
           <a:p>
-            <a:r>
-              <a:rPr lang="en-US" altLang="zh-CN"/>
+            <a:pPr lvl="1"/>
+            <a:r>
+              <a:rPr lang="en-US" altLang="zh-CN" dirty="0"/>
               <a:t>PBQP allocation</a:t>
             </a:r>
           </a:p>
           <a:p>
-            <a:r>
-              <a:rPr lang="en-US" altLang="zh-CN"/>
+            <a:pPr lvl="1"/>
+            <a:r>
+              <a:rPr lang="en-US" altLang="zh-CN" dirty="0"/>
               <a:t>...</a:t>
             </a:r>
           </a:p>
